--- a/Lectures/Lecture0x2.pptx
+++ b/Lectures/Lecture0x2.pptx
@@ -336,7 +336,7 @@
           <a:p>
             <a:fld id="{9D7FC4FA-E705-46A8-8EEE-6A08CD8957E8}" type="datetimeFigureOut">
               <a:rPr lang="ru-RU" smtClean="0"/>
-              <a:t>10.12.2020</a:t>
+              <a:t>23.12.2021</a:t>
             </a:fld>
             <a:endParaRPr lang="ru-RU"/>
           </a:p>
@@ -735,7 +735,7 @@
           <a:p>
             <a:fld id="{0B19B25C-BEDF-4FE3-8236-6D02422B129B}" type="datetime1">
               <a:rPr lang="ru-RU" smtClean="0"/>
-              <a:t>10.12.2020</a:t>
+              <a:t>23.12.2021</a:t>
             </a:fld>
             <a:endParaRPr lang="ru-RU" dirty="0"/>
           </a:p>
@@ -905,7 +905,7 @@
           <a:p>
             <a:fld id="{EDF7BBEC-CF93-4F09-9013-BCE046C6D3BD}" type="datetime1">
               <a:rPr lang="ru-RU" smtClean="0"/>
-              <a:t>10.12.2020</a:t>
+              <a:t>23.12.2021</a:t>
             </a:fld>
             <a:endParaRPr lang="ru-RU" dirty="0"/>
           </a:p>
@@ -1085,7 +1085,7 @@
           <a:p>
             <a:fld id="{FF12B168-5755-4EA2-B249-E873796E479B}" type="datetime1">
               <a:rPr lang="ru-RU" smtClean="0"/>
-              <a:t>10.12.2020</a:t>
+              <a:t>23.12.2021</a:t>
             </a:fld>
             <a:endParaRPr lang="ru-RU" dirty="0"/>
           </a:p>
@@ -1255,7 +1255,7 @@
           <a:p>
             <a:fld id="{FD470AD4-56A6-4606-8501-F73980CB7599}" type="datetime1">
               <a:rPr lang="ru-RU" smtClean="0"/>
-              <a:t>10.12.2020</a:t>
+              <a:t>23.12.2021</a:t>
             </a:fld>
             <a:endParaRPr lang="ru-RU" dirty="0"/>
           </a:p>
@@ -1501,7 +1501,7 @@
           <a:p>
             <a:fld id="{AC88F67F-F86B-4606-8278-CB0C75A4F966}" type="datetime1">
               <a:rPr lang="ru-RU" smtClean="0"/>
-              <a:t>10.12.2020</a:t>
+              <a:t>23.12.2021</a:t>
             </a:fld>
             <a:endParaRPr lang="ru-RU" dirty="0"/>
           </a:p>
@@ -1733,7 +1733,7 @@
           <a:p>
             <a:fld id="{0FED0DCB-8D66-4EFD-964F-00FA4AC197A8}" type="datetime1">
               <a:rPr lang="ru-RU" smtClean="0"/>
-              <a:t>10.12.2020</a:t>
+              <a:t>23.12.2021</a:t>
             </a:fld>
             <a:endParaRPr lang="ru-RU" dirty="0"/>
           </a:p>
@@ -2100,7 +2100,7 @@
           <a:p>
             <a:fld id="{1FE1F39F-30AD-4136-B737-D56457711092}" type="datetime1">
               <a:rPr lang="ru-RU" smtClean="0"/>
-              <a:t>10.12.2020</a:t>
+              <a:t>23.12.2021</a:t>
             </a:fld>
             <a:endParaRPr lang="ru-RU" dirty="0"/>
           </a:p>
@@ -2218,7 +2218,7 @@
           <a:p>
             <a:fld id="{9F206297-E494-4E9C-8D47-5A3581230D54}" type="datetime1">
               <a:rPr lang="ru-RU" smtClean="0"/>
-              <a:t>10.12.2020</a:t>
+              <a:t>23.12.2021</a:t>
             </a:fld>
             <a:endParaRPr lang="ru-RU" dirty="0"/>
           </a:p>
@@ -2313,7 +2313,7 @@
           <a:p>
             <a:fld id="{ED34916B-0940-47D0-8C11-572ECD54A42D}" type="datetime1">
               <a:rPr lang="ru-RU" smtClean="0"/>
-              <a:t>10.12.2020</a:t>
+              <a:t>23.12.2021</a:t>
             </a:fld>
             <a:endParaRPr lang="ru-RU" dirty="0"/>
           </a:p>
@@ -2590,7 +2590,7 @@
           <a:p>
             <a:fld id="{054951E1-E8F4-4CBA-AD4B-76DA24EB61BE}" type="datetime1">
               <a:rPr lang="ru-RU" smtClean="0"/>
-              <a:t>10.12.2020</a:t>
+              <a:t>23.12.2021</a:t>
             </a:fld>
             <a:endParaRPr lang="ru-RU" dirty="0"/>
           </a:p>
@@ -2843,7 +2843,7 @@
           <a:p>
             <a:fld id="{9D2F990E-991C-49DB-8974-6384A72A05C0}" type="datetime1">
               <a:rPr lang="ru-RU" smtClean="0"/>
-              <a:t>10.12.2020</a:t>
+              <a:t>23.12.2021</a:t>
             </a:fld>
             <a:endParaRPr lang="ru-RU" dirty="0"/>
           </a:p>
@@ -3056,7 +3056,7 @@
           <a:p>
             <a:fld id="{5D585FBF-1A03-41ED-85AD-9DC45196266E}" type="datetime1">
               <a:rPr lang="ru-RU" smtClean="0"/>
-              <a:t>10.12.2020</a:t>
+              <a:t>23.12.2021</a:t>
             </a:fld>
             <a:endParaRPr lang="ru-RU" dirty="0"/>
           </a:p>
@@ -6770,7 +6770,19 @@
             </a:pPr>
             <a:r>
               <a:rPr lang="ru-RU" dirty="0" smtClean="0"/>
-              <a:t>В 1.3 клиент может сразу отправить свой открытый ключ, не дожидаясь ответа от сервера, со списком поддерживаемых алгоритмов (1-</a:t>
+              <a:t>В 1.3 клиент может сразу отправить свой открытый ключ, не дожидаясь ответа </a:t>
+            </a:r>
+            <a:r>
+              <a:rPr lang="ru-RU" smtClean="0"/>
+              <a:t>от </a:t>
+            </a:r>
+            <a:r>
+              <a:rPr lang="ru-RU" smtClean="0"/>
+              <a:t>сервера </a:t>
+            </a:r>
+            <a:r>
+              <a:rPr lang="ru-RU" dirty="0" smtClean="0"/>
+              <a:t>со списком поддерживаемых алгоритмов (1-</a:t>
             </a:r>
             <a:r>
               <a:rPr lang="en-US" dirty="0" smtClean="0"/>

--- a/Lectures/Lecture0x2.pptx
+++ b/Lectures/Lecture0x2.pptx
@@ -5,7 +5,7 @@
     <p:sldMasterId id="2147483648" r:id="rId1"/>
   </p:sldMasterIdLst>
   <p:notesMasterIdLst>
-    <p:notesMasterId r:id="rId60"/>
+    <p:notesMasterId r:id="rId61"/>
   </p:notesMasterIdLst>
   <p:sldIdLst>
     <p:sldId id="256" r:id="rId2"/>
@@ -18,54 +18,55 @@
     <p:sldId id="271" r:id="rId9"/>
     <p:sldId id="272" r:id="rId10"/>
     <p:sldId id="273" r:id="rId11"/>
-    <p:sldId id="266" r:id="rId12"/>
-    <p:sldId id="267" r:id="rId13"/>
-    <p:sldId id="268" r:id="rId14"/>
-    <p:sldId id="269" r:id="rId15"/>
-    <p:sldId id="270" r:id="rId16"/>
-    <p:sldId id="263" r:id="rId17"/>
-    <p:sldId id="274" r:id="rId18"/>
-    <p:sldId id="275" r:id="rId19"/>
-    <p:sldId id="294" r:id="rId20"/>
-    <p:sldId id="276" r:id="rId21"/>
-    <p:sldId id="277" r:id="rId22"/>
-    <p:sldId id="278" r:id="rId23"/>
-    <p:sldId id="279" r:id="rId24"/>
-    <p:sldId id="264" r:id="rId25"/>
-    <p:sldId id="280" r:id="rId26"/>
-    <p:sldId id="281" r:id="rId27"/>
-    <p:sldId id="282" r:id="rId28"/>
-    <p:sldId id="283" r:id="rId29"/>
-    <p:sldId id="284" r:id="rId30"/>
-    <p:sldId id="285" r:id="rId31"/>
-    <p:sldId id="286" r:id="rId32"/>
-    <p:sldId id="287" r:id="rId33"/>
-    <p:sldId id="288" r:id="rId34"/>
-    <p:sldId id="289" r:id="rId35"/>
-    <p:sldId id="290" r:id="rId36"/>
-    <p:sldId id="291" r:id="rId37"/>
-    <p:sldId id="292" r:id="rId38"/>
-    <p:sldId id="295" r:id="rId39"/>
-    <p:sldId id="296" r:id="rId40"/>
-    <p:sldId id="297" r:id="rId41"/>
-    <p:sldId id="298" r:id="rId42"/>
-    <p:sldId id="265" r:id="rId43"/>
-    <p:sldId id="293" r:id="rId44"/>
-    <p:sldId id="299" r:id="rId45"/>
-    <p:sldId id="300" r:id="rId46"/>
-    <p:sldId id="301" r:id="rId47"/>
-    <p:sldId id="302" r:id="rId48"/>
-    <p:sldId id="303" r:id="rId49"/>
-    <p:sldId id="304" r:id="rId50"/>
-    <p:sldId id="305" r:id="rId51"/>
-    <p:sldId id="306" r:id="rId52"/>
-    <p:sldId id="307" r:id="rId53"/>
-    <p:sldId id="308" r:id="rId54"/>
-    <p:sldId id="309" r:id="rId55"/>
-    <p:sldId id="312" r:id="rId56"/>
-    <p:sldId id="310" r:id="rId57"/>
-    <p:sldId id="311" r:id="rId58"/>
-    <p:sldId id="313" r:id="rId59"/>
+    <p:sldId id="314" r:id="rId12"/>
+    <p:sldId id="266" r:id="rId13"/>
+    <p:sldId id="267" r:id="rId14"/>
+    <p:sldId id="268" r:id="rId15"/>
+    <p:sldId id="269" r:id="rId16"/>
+    <p:sldId id="270" r:id="rId17"/>
+    <p:sldId id="263" r:id="rId18"/>
+    <p:sldId id="274" r:id="rId19"/>
+    <p:sldId id="275" r:id="rId20"/>
+    <p:sldId id="294" r:id="rId21"/>
+    <p:sldId id="276" r:id="rId22"/>
+    <p:sldId id="277" r:id="rId23"/>
+    <p:sldId id="278" r:id="rId24"/>
+    <p:sldId id="279" r:id="rId25"/>
+    <p:sldId id="264" r:id="rId26"/>
+    <p:sldId id="280" r:id="rId27"/>
+    <p:sldId id="281" r:id="rId28"/>
+    <p:sldId id="282" r:id="rId29"/>
+    <p:sldId id="283" r:id="rId30"/>
+    <p:sldId id="284" r:id="rId31"/>
+    <p:sldId id="285" r:id="rId32"/>
+    <p:sldId id="286" r:id="rId33"/>
+    <p:sldId id="287" r:id="rId34"/>
+    <p:sldId id="288" r:id="rId35"/>
+    <p:sldId id="289" r:id="rId36"/>
+    <p:sldId id="290" r:id="rId37"/>
+    <p:sldId id="291" r:id="rId38"/>
+    <p:sldId id="292" r:id="rId39"/>
+    <p:sldId id="295" r:id="rId40"/>
+    <p:sldId id="296" r:id="rId41"/>
+    <p:sldId id="297" r:id="rId42"/>
+    <p:sldId id="298" r:id="rId43"/>
+    <p:sldId id="265" r:id="rId44"/>
+    <p:sldId id="293" r:id="rId45"/>
+    <p:sldId id="299" r:id="rId46"/>
+    <p:sldId id="300" r:id="rId47"/>
+    <p:sldId id="301" r:id="rId48"/>
+    <p:sldId id="302" r:id="rId49"/>
+    <p:sldId id="303" r:id="rId50"/>
+    <p:sldId id="304" r:id="rId51"/>
+    <p:sldId id="305" r:id="rId52"/>
+    <p:sldId id="306" r:id="rId53"/>
+    <p:sldId id="307" r:id="rId54"/>
+    <p:sldId id="308" r:id="rId55"/>
+    <p:sldId id="309" r:id="rId56"/>
+    <p:sldId id="312" r:id="rId57"/>
+    <p:sldId id="310" r:id="rId58"/>
+    <p:sldId id="311" r:id="rId59"/>
+    <p:sldId id="313" r:id="rId60"/>
   </p:sldIdLst>
   <p:sldSz cx="12192000" cy="6858000"/>
   <p:notesSz cx="6858000" cy="9144000"/>
@@ -183,6 +184,7 @@
         </p14:section>
         <p14:section name="PaddingOracle" id="{0CBAF59A-F670-4D75-9B23-97C42C1E17AB}">
           <p14:sldIdLst>
+            <p14:sldId id="314"/>
             <p14:sldId id="266"/>
             <p14:sldId id="267"/>
             <p14:sldId id="268"/>
@@ -336,7 +338,7 @@
           <a:p>
             <a:fld id="{9D7FC4FA-E705-46A8-8EEE-6A08CD8957E8}" type="datetimeFigureOut">
               <a:rPr lang="ru-RU" smtClean="0"/>
-              <a:t>23.12.2021</a:t>
+              <a:t>19.12.2023</a:t>
             </a:fld>
             <a:endParaRPr lang="ru-RU"/>
           </a:p>
@@ -735,7 +737,7 @@
           <a:p>
             <a:fld id="{0B19B25C-BEDF-4FE3-8236-6D02422B129B}" type="datetime1">
               <a:rPr lang="ru-RU" smtClean="0"/>
-              <a:t>23.12.2021</a:t>
+              <a:t>19.12.2023</a:t>
             </a:fld>
             <a:endParaRPr lang="ru-RU" dirty="0"/>
           </a:p>
@@ -905,7 +907,7 @@
           <a:p>
             <a:fld id="{EDF7BBEC-CF93-4F09-9013-BCE046C6D3BD}" type="datetime1">
               <a:rPr lang="ru-RU" smtClean="0"/>
-              <a:t>23.12.2021</a:t>
+              <a:t>19.12.2023</a:t>
             </a:fld>
             <a:endParaRPr lang="ru-RU" dirty="0"/>
           </a:p>
@@ -1085,7 +1087,7 @@
           <a:p>
             <a:fld id="{FF12B168-5755-4EA2-B249-E873796E479B}" type="datetime1">
               <a:rPr lang="ru-RU" smtClean="0"/>
-              <a:t>23.12.2021</a:t>
+              <a:t>19.12.2023</a:t>
             </a:fld>
             <a:endParaRPr lang="ru-RU" dirty="0"/>
           </a:p>
@@ -1255,7 +1257,7 @@
           <a:p>
             <a:fld id="{FD470AD4-56A6-4606-8501-F73980CB7599}" type="datetime1">
               <a:rPr lang="ru-RU" smtClean="0"/>
-              <a:t>23.12.2021</a:t>
+              <a:t>19.12.2023</a:t>
             </a:fld>
             <a:endParaRPr lang="ru-RU" dirty="0"/>
           </a:p>
@@ -1501,7 +1503,7 @@
           <a:p>
             <a:fld id="{AC88F67F-F86B-4606-8278-CB0C75A4F966}" type="datetime1">
               <a:rPr lang="ru-RU" smtClean="0"/>
-              <a:t>23.12.2021</a:t>
+              <a:t>19.12.2023</a:t>
             </a:fld>
             <a:endParaRPr lang="ru-RU" dirty="0"/>
           </a:p>
@@ -1733,7 +1735,7 @@
           <a:p>
             <a:fld id="{0FED0DCB-8D66-4EFD-964F-00FA4AC197A8}" type="datetime1">
               <a:rPr lang="ru-RU" smtClean="0"/>
-              <a:t>23.12.2021</a:t>
+              <a:t>19.12.2023</a:t>
             </a:fld>
             <a:endParaRPr lang="ru-RU" dirty="0"/>
           </a:p>
@@ -2100,7 +2102,7 @@
           <a:p>
             <a:fld id="{1FE1F39F-30AD-4136-B737-D56457711092}" type="datetime1">
               <a:rPr lang="ru-RU" smtClean="0"/>
-              <a:t>23.12.2021</a:t>
+              <a:t>19.12.2023</a:t>
             </a:fld>
             <a:endParaRPr lang="ru-RU" dirty="0"/>
           </a:p>
@@ -2218,7 +2220,7 @@
           <a:p>
             <a:fld id="{9F206297-E494-4E9C-8D47-5A3581230D54}" type="datetime1">
               <a:rPr lang="ru-RU" smtClean="0"/>
-              <a:t>23.12.2021</a:t>
+              <a:t>19.12.2023</a:t>
             </a:fld>
             <a:endParaRPr lang="ru-RU" dirty="0"/>
           </a:p>
@@ -2313,7 +2315,7 @@
           <a:p>
             <a:fld id="{ED34916B-0940-47D0-8C11-572ECD54A42D}" type="datetime1">
               <a:rPr lang="ru-RU" smtClean="0"/>
-              <a:t>23.12.2021</a:t>
+              <a:t>19.12.2023</a:t>
             </a:fld>
             <a:endParaRPr lang="ru-RU" dirty="0"/>
           </a:p>
@@ -2590,7 +2592,7 @@
           <a:p>
             <a:fld id="{054951E1-E8F4-4CBA-AD4B-76DA24EB61BE}" type="datetime1">
               <a:rPr lang="ru-RU" smtClean="0"/>
-              <a:t>23.12.2021</a:t>
+              <a:t>19.12.2023</a:t>
             </a:fld>
             <a:endParaRPr lang="ru-RU" dirty="0"/>
           </a:p>
@@ -2843,7 +2845,7 @@
           <a:p>
             <a:fld id="{9D2F990E-991C-49DB-8974-6384A72A05C0}" type="datetime1">
               <a:rPr lang="ru-RU" smtClean="0"/>
-              <a:t>23.12.2021</a:t>
+              <a:t>19.12.2023</a:t>
             </a:fld>
             <a:endParaRPr lang="ru-RU" dirty="0"/>
           </a:p>
@@ -3056,7 +3058,7 @@
           <a:p>
             <a:fld id="{5D585FBF-1A03-41ED-85AD-9DC45196266E}" type="datetime1">
               <a:rPr lang="ru-RU" smtClean="0"/>
-              <a:t>23.12.2021</a:t>
+              <a:t>19.12.2023</a:t>
             </a:fld>
             <a:endParaRPr lang="ru-RU" dirty="0"/>
           </a:p>
@@ -3704,6 +3706,141 @@
           <a:lstStyle/>
           <a:p>
             <a:r>
+              <a:rPr lang="en-US" b="1" dirty="0"/>
+              <a:t>The Cryptographic Doom </a:t>
+            </a:r>
+            <a:r>
+              <a:rPr lang="en-US" b="1" dirty="0" smtClean="0"/>
+              <a:t>Principle</a:t>
+            </a:r>
+            <a:endParaRPr lang="ru-RU" dirty="0"/>
+          </a:p>
+        </p:txBody>
+      </p:sp>
+      <p:sp>
+        <p:nvSpPr>
+          <p:cNvPr id="3" name="Объект 2"/>
+          <p:cNvSpPr>
+            <a:spLocks noGrp="1"/>
+          </p:cNvSpPr>
+          <p:nvPr>
+            <p:ph idx="1"/>
+          </p:nvPr>
+        </p:nvSpPr>
+        <p:spPr/>
+        <p:txBody>
+          <a:bodyPr/>
+          <a:lstStyle/>
+          <a:p>
+            <a:r>
+              <a:rPr lang="ru-RU" dirty="0" smtClean="0"/>
+              <a:t>«</a:t>
+            </a:r>
+            <a:r>
+              <a:rPr lang="en-US" dirty="0" smtClean="0"/>
+              <a:t>When </a:t>
+            </a:r>
+            <a:r>
+              <a:rPr lang="en-US" dirty="0"/>
+              <a:t>it comes to designing secure protocols, I have a principle that goes like this: if you have to perform any cryptographic operation before verifying the MAC on a message you’ve received, it will somehow inevitably lead to doom</a:t>
+            </a:r>
+            <a:r>
+              <a:rPr lang="en-US" dirty="0" smtClean="0"/>
+              <a:t>.</a:t>
+            </a:r>
+            <a:r>
+              <a:rPr lang="ru-RU" smtClean="0"/>
+              <a:t>»</a:t>
+            </a:r>
+          </a:p>
+          <a:p>
+            <a:endParaRPr lang="ru-RU" dirty="0" smtClean="0"/>
+          </a:p>
+          <a:p>
+            <a:r>
+              <a:rPr lang="en-US" dirty="0"/>
+              <a:t>https://moxie.org/2011/12/13/the-cryptographic-doom-principle.html</a:t>
+            </a:r>
+            <a:endParaRPr lang="ru-RU" dirty="0"/>
+          </a:p>
+        </p:txBody>
+      </p:sp>
+      <p:sp>
+        <p:nvSpPr>
+          <p:cNvPr id="4" name="Номер слайда 3"/>
+          <p:cNvSpPr>
+            <a:spLocks noGrp="1"/>
+          </p:cNvSpPr>
+          <p:nvPr>
+            <p:ph type="sldNum" sz="quarter" idx="12"/>
+          </p:nvPr>
+        </p:nvSpPr>
+        <p:spPr/>
+        <p:txBody>
+          <a:bodyPr/>
+          <a:lstStyle/>
+          <a:p>
+            <a:fld id="{8253DDDB-F8F7-4D64-A7FD-3F3D61C1949F}" type="slidenum">
+              <a:rPr lang="ru-RU" smtClean="0"/>
+              <a:t>11</a:t>
+            </a:fld>
+            <a:endParaRPr lang="ru-RU"/>
+          </a:p>
+        </p:txBody>
+      </p:sp>
+    </p:spTree>
+    <p:extLst>
+      <p:ext uri="{BB962C8B-B14F-4D97-AF65-F5344CB8AC3E}">
+        <p14:creationId xmlns:p14="http://schemas.microsoft.com/office/powerpoint/2010/main" val="1792208955"/>
+      </p:ext>
+    </p:extLst>
+  </p:cSld>
+  <p:clrMapOvr>
+    <a:masterClrMapping/>
+  </p:clrMapOvr>
+  <p:timing>
+    <p:tnLst>
+      <p:par>
+        <p:cTn id="1" dur="indefinite" restart="never" nodeType="tmRoot"/>
+      </p:par>
+    </p:tnLst>
+  </p:timing>
+</p:sld>
+</file>
+
+<file path=ppt/slides/slide12.xml><?xml version="1.0" encoding="utf-8"?>
+<p:sld xmlns:a="http://schemas.openxmlformats.org/drawingml/2006/main" xmlns:r="http://schemas.openxmlformats.org/officeDocument/2006/relationships" xmlns:p="http://schemas.openxmlformats.org/presentationml/2006/main">
+  <p:cSld>
+    <p:spTree>
+      <p:nvGrpSpPr>
+        <p:cNvPr id="1" name=""/>
+        <p:cNvGrpSpPr/>
+        <p:nvPr/>
+      </p:nvGrpSpPr>
+      <p:grpSpPr>
+        <a:xfrm>
+          <a:off x="0" y="0"/>
+          <a:ext cx="0" cy="0"/>
+          <a:chOff x="0" y="0"/>
+          <a:chExt cx="0" cy="0"/>
+        </a:xfrm>
+      </p:grpSpPr>
+      <p:sp>
+        <p:nvSpPr>
+          <p:cNvPr id="2" name="Заголовок 1"/>
+          <p:cNvSpPr>
+            <a:spLocks noGrp="1"/>
+          </p:cNvSpPr>
+          <p:nvPr>
+            <p:ph type="title"/>
+          </p:nvPr>
+        </p:nvSpPr>
+        <p:spPr/>
+        <p:txBody>
+          <a:bodyPr/>
+          <a:lstStyle/>
+          <a:p>
+            <a:r>
               <a:rPr lang="en-US" dirty="0" smtClean="0"/>
               <a:t>Padding oracle</a:t>
             </a:r>
@@ -3790,7 +3927,7 @@
           <a:p>
             <a:fld id="{AC4B6EA2-3DAB-415A-81B1-2E2A41D203B5}" type="slidenum">
               <a:rPr lang="ru-RU" smtClean="0"/>
-              <a:t>11</a:t>
+              <a:t>12</a:t>
             </a:fld>
             <a:endParaRPr lang="ru-RU" dirty="0"/>
           </a:p>
@@ -3816,7 +3953,7 @@
 </p:sld>
 </file>
 
-<file path=ppt/slides/slide12.xml><?xml version="1.0" encoding="utf-8"?>
+<file path=ppt/slides/slide13.xml><?xml version="1.0" encoding="utf-8"?>
 <p:sld xmlns:a="http://schemas.openxmlformats.org/drawingml/2006/main" xmlns:r="http://schemas.openxmlformats.org/officeDocument/2006/relationships" xmlns:p="http://schemas.openxmlformats.org/presentationml/2006/main">
   <p:cSld>
     <p:spTree>
@@ -4071,7 +4208,7 @@
           <a:p>
             <a:fld id="{8253DDDB-F8F7-4D64-A7FD-3F3D61C1949F}" type="slidenum">
               <a:rPr lang="ru-RU" smtClean="0"/>
-              <a:t>12</a:t>
+              <a:t>13</a:t>
             </a:fld>
             <a:endParaRPr lang="ru-RU" dirty="0"/>
           </a:p>
@@ -4121,7 +4258,7 @@
 </p:sld>
 </file>
 
-<file path=ppt/slides/slide13.xml><?xml version="1.0" encoding="utf-8"?>
+<file path=ppt/slides/slide14.xml><?xml version="1.0" encoding="utf-8"?>
 <p:sld xmlns:a="http://schemas.openxmlformats.org/drawingml/2006/main" xmlns:r="http://schemas.openxmlformats.org/officeDocument/2006/relationships" xmlns:p="http://schemas.openxmlformats.org/presentationml/2006/main">
   <p:cSld>
     <p:spTree>
@@ -4518,7 +4655,7 @@
           <a:p>
             <a:fld id="{8253DDDB-F8F7-4D64-A7FD-3F3D61C1949F}" type="slidenum">
               <a:rPr lang="ru-RU" smtClean="0"/>
-              <a:t>13</a:t>
+              <a:t>14</a:t>
             </a:fld>
             <a:endParaRPr lang="ru-RU" dirty="0"/>
           </a:p>
@@ -4592,7 +4729,7 @@
 </p:sld>
 </file>
 
-<file path=ppt/slides/slide14.xml><?xml version="1.0" encoding="utf-8"?>
+<file path=ppt/slides/slide15.xml><?xml version="1.0" encoding="utf-8"?>
 <p:sld xmlns:a="http://schemas.openxmlformats.org/drawingml/2006/main" xmlns:r="http://schemas.openxmlformats.org/officeDocument/2006/relationships" xmlns:p="http://schemas.openxmlformats.org/presentationml/2006/main">
   <p:cSld>
     <p:spTree>
@@ -5040,7 +5177,7 @@
           <a:p>
             <a:fld id="{8253DDDB-F8F7-4D64-A7FD-3F3D61C1949F}" type="slidenum">
               <a:rPr lang="ru-RU" smtClean="0"/>
-              <a:t>14</a:t>
+              <a:t>15</a:t>
             </a:fld>
             <a:endParaRPr lang="ru-RU" dirty="0"/>
           </a:p>
@@ -5090,7 +5227,7 @@
 </p:sld>
 </file>
 
-<file path=ppt/slides/slide15.xml><?xml version="1.0" encoding="utf-8"?>
+<file path=ppt/slides/slide16.xml><?xml version="1.0" encoding="utf-8"?>
 <p:sld xmlns:a="http://schemas.openxmlformats.org/drawingml/2006/main" xmlns:r="http://schemas.openxmlformats.org/officeDocument/2006/relationships" xmlns:p="http://schemas.openxmlformats.org/presentationml/2006/main">
   <p:cSld>
     <p:spTree>
@@ -5382,7 +5519,7 @@
           <a:p>
             <a:fld id="{8253DDDB-F8F7-4D64-A7FD-3F3D61C1949F}" type="slidenum">
               <a:rPr lang="ru-RU" smtClean="0"/>
-              <a:t>15</a:t>
+              <a:t>16</a:t>
             </a:fld>
             <a:endParaRPr lang="ru-RU" dirty="0"/>
           </a:p>
@@ -5392,149 +5529,6 @@
     <p:extLst>
       <p:ext uri="{BB962C8B-B14F-4D97-AF65-F5344CB8AC3E}">
         <p14:creationId xmlns:p14="http://schemas.microsoft.com/office/powerpoint/2010/main" val="2843032268"/>
-      </p:ext>
-    </p:extLst>
-  </p:cSld>
-  <p:clrMapOvr>
-    <a:masterClrMapping/>
-  </p:clrMapOvr>
-  <p:timing>
-    <p:tnLst>
-      <p:par>
-        <p:cTn id="1" dur="indefinite" restart="never" nodeType="tmRoot"/>
-      </p:par>
-    </p:tnLst>
-  </p:timing>
-</p:sld>
-</file>
-
-<file path=ppt/slides/slide16.xml><?xml version="1.0" encoding="utf-8"?>
-<p:sld xmlns:a="http://schemas.openxmlformats.org/drawingml/2006/main" xmlns:r="http://schemas.openxmlformats.org/officeDocument/2006/relationships" xmlns:p="http://schemas.openxmlformats.org/presentationml/2006/main">
-  <p:cSld>
-    <p:spTree>
-      <p:nvGrpSpPr>
-        <p:cNvPr id="1" name=""/>
-        <p:cNvGrpSpPr/>
-        <p:nvPr/>
-      </p:nvGrpSpPr>
-      <p:grpSpPr>
-        <a:xfrm>
-          <a:off x="0" y="0"/>
-          <a:ext cx="0" cy="0"/>
-          <a:chOff x="0" y="0"/>
-          <a:chExt cx="0" cy="0"/>
-        </a:xfrm>
-      </p:grpSpPr>
-      <p:sp>
-        <p:nvSpPr>
-          <p:cNvPr id="2" name="Заголовок 1"/>
-          <p:cNvSpPr>
-            <a:spLocks noGrp="1"/>
-          </p:cNvSpPr>
-          <p:nvPr>
-            <p:ph type="title"/>
-          </p:nvPr>
-        </p:nvSpPr>
-        <p:spPr/>
-        <p:txBody>
-          <a:bodyPr/>
-          <a:lstStyle/>
-          <a:p>
-            <a:r>
-              <a:rPr lang="en-US" dirty="0" smtClean="0"/>
-              <a:t>TLS 1.3</a:t>
-            </a:r>
-            <a:endParaRPr lang="ru-RU" dirty="0"/>
-          </a:p>
-        </p:txBody>
-      </p:sp>
-      <p:sp>
-        <p:nvSpPr>
-          <p:cNvPr id="3" name="Объект 2"/>
-          <p:cNvSpPr>
-            <a:spLocks noGrp="1"/>
-          </p:cNvSpPr>
-          <p:nvPr>
-            <p:ph idx="1"/>
-          </p:nvPr>
-        </p:nvSpPr>
-        <p:spPr/>
-        <p:txBody>
-          <a:bodyPr/>
-          <a:lstStyle/>
-          <a:p>
-            <a:pPr marL="0" indent="0">
-              <a:buNone/>
-            </a:pPr>
-            <a:r>
-              <a:rPr lang="en-US" b="1" dirty="0"/>
-              <a:t>RFC 8446 </a:t>
-            </a:r>
-          </a:p>
-          <a:p>
-            <a:pPr marL="0" indent="0">
-              <a:buNone/>
-            </a:pPr>
-            <a:r>
-              <a:rPr lang="ru-RU" dirty="0" smtClean="0"/>
-              <a:t>Цели</a:t>
-            </a:r>
-          </a:p>
-          <a:p>
-            <a:r>
-              <a:rPr lang="ru-RU" dirty="0" smtClean="0"/>
-              <a:t>Удаление </a:t>
-            </a:r>
-            <a:r>
-              <a:rPr lang="en-US" dirty="0" smtClean="0"/>
-              <a:t>legacy</a:t>
-            </a:r>
-            <a:endParaRPr lang="ru-RU" dirty="0" smtClean="0"/>
-          </a:p>
-          <a:p>
-            <a:r>
-              <a:rPr lang="ru-RU" dirty="0" smtClean="0"/>
-              <a:t>Увеличение производительности</a:t>
-            </a:r>
-          </a:p>
-          <a:p>
-            <a:r>
-              <a:rPr lang="ru-RU" dirty="0" smtClean="0"/>
-              <a:t>Уменьшение набора возможных атак</a:t>
-            </a:r>
-          </a:p>
-          <a:p>
-            <a:endParaRPr lang="ru-RU" dirty="0"/>
-          </a:p>
-        </p:txBody>
-      </p:sp>
-      <p:sp>
-        <p:nvSpPr>
-          <p:cNvPr id="4" name="Номер слайда 3"/>
-          <p:cNvSpPr>
-            <a:spLocks noGrp="1"/>
-          </p:cNvSpPr>
-          <p:nvPr>
-            <p:ph type="sldNum" sz="quarter" idx="12"/>
-          </p:nvPr>
-        </p:nvSpPr>
-        <p:spPr/>
-        <p:txBody>
-          <a:bodyPr/>
-          <a:lstStyle/>
-          <a:p>
-            <a:fld id="{AC4B6EA2-3DAB-415A-81B1-2E2A41D203B5}" type="slidenum">
-              <a:rPr lang="ru-RU" smtClean="0"/>
-              <a:t>16</a:t>
-            </a:fld>
-            <a:endParaRPr lang="ru-RU" dirty="0"/>
-          </a:p>
-        </p:txBody>
-      </p:sp>
-    </p:spTree>
-    <p:extLst>
-      <p:ext uri="{BB962C8B-B14F-4D97-AF65-F5344CB8AC3E}">
-        <p14:creationId xmlns:p14="http://schemas.microsoft.com/office/powerpoint/2010/main" val="3771544638"/>
       </p:ext>
     </p:extLst>
   </p:cSld>
@@ -5584,12 +5578,8 @@
           <a:lstStyle/>
           <a:p>
             <a:r>
-              <a:rPr lang="ru-RU" dirty="0" smtClean="0"/>
-              <a:t>Согласование ключей в </a:t>
-            </a:r>
-            <a:r>
-              <a:rPr lang="en-US" dirty="0" smtClean="0"/>
-              <a:t>TSL 1.3</a:t>
+              <a:rPr lang="en-US" dirty="0" smtClean="0"/>
+              <a:t>TLS 1.3</a:t>
             </a:r>
             <a:endParaRPr lang="ru-RU" dirty="0"/>
           </a:p>
@@ -5610,21 +5600,47 @@
           <a:bodyPr/>
           <a:lstStyle/>
           <a:p>
-            <a:r>
-              <a:rPr lang="ru-RU" dirty="0" smtClean="0"/>
-              <a:t>Только эфемерный Диффи-Хеллман (удалили </a:t>
-            </a:r>
-            <a:r>
-              <a:rPr lang="en-US" dirty="0" smtClean="0"/>
-              <a:t>RSA)</a:t>
+            <a:pPr marL="0" indent="0">
+              <a:buNone/>
+            </a:pPr>
+            <a:r>
+              <a:rPr lang="en-US" b="1" dirty="0"/>
+              <a:t>RFC 8446 </a:t>
+            </a:r>
+          </a:p>
+          <a:p>
+            <a:pPr marL="0" indent="0">
+              <a:buNone/>
+            </a:pPr>
+            <a:r>
+              <a:rPr lang="ru-RU" dirty="0" smtClean="0"/>
+              <a:t>Цели</a:t>
+            </a:r>
+          </a:p>
+          <a:p>
+            <a:r>
+              <a:rPr lang="ru-RU" dirty="0" smtClean="0"/>
+              <a:t>Удаление </a:t>
+            </a:r>
+            <a:r>
+              <a:rPr lang="en-US" dirty="0" smtClean="0"/>
+              <a:t>legacy</a:t>
             </a:r>
             <a:endParaRPr lang="ru-RU" dirty="0" smtClean="0"/>
           </a:p>
           <a:p>
             <a:r>
               <a:rPr lang="ru-RU" dirty="0" smtClean="0"/>
-              <a:t>Только стойкий в настоящий момент набор параметров (определяющих группу).</a:t>
-            </a:r>
+              <a:t>Увеличение производительности</a:t>
+            </a:r>
+          </a:p>
+          <a:p>
+            <a:r>
+              <a:rPr lang="ru-RU" dirty="0" smtClean="0"/>
+              <a:t>Уменьшение набора возможных атак</a:t>
+            </a:r>
+          </a:p>
+          <a:p>
             <a:endParaRPr lang="ru-RU" dirty="0"/>
           </a:p>
         </p:txBody>
@@ -5655,7 +5671,7 @@
     </p:spTree>
     <p:extLst>
       <p:ext uri="{BB962C8B-B14F-4D97-AF65-F5344CB8AC3E}">
-        <p14:creationId xmlns:p14="http://schemas.microsoft.com/office/powerpoint/2010/main" val="3712544862"/>
+        <p14:creationId xmlns:p14="http://schemas.microsoft.com/office/powerpoint/2010/main" val="3771544638"/>
       </p:ext>
     </p:extLst>
   </p:cSld>
@@ -5706,7 +5722,11 @@
           <a:p>
             <a:r>
               <a:rPr lang="ru-RU" dirty="0" smtClean="0"/>
-              <a:t>Аутентифицированное шифрование</a:t>
+              <a:t>Согласование ключей в </a:t>
+            </a:r>
+            <a:r>
+              <a:rPr lang="en-US" dirty="0" smtClean="0"/>
+              <a:t>TSL 1.3</a:t>
             </a:r>
             <a:endParaRPr lang="ru-RU" dirty="0"/>
           </a:p>
@@ -5729,26 +5749,18 @@
           <a:p>
             <a:r>
               <a:rPr lang="ru-RU" dirty="0" smtClean="0"/>
-              <a:t>Удаление проблемных и нестойких шифров (</a:t>
-            </a:r>
-            <a:r>
-              <a:rPr lang="en-US" dirty="0" smtClean="0"/>
-              <a:t>CBC, RC4)</a:t>
+              <a:t>Только эфемерный Диффи-Хеллман (удалили </a:t>
+            </a:r>
+            <a:r>
+              <a:rPr lang="en-US" dirty="0" smtClean="0"/>
+              <a:t>RSA)</a:t>
             </a:r>
             <a:endParaRPr lang="ru-RU" dirty="0" smtClean="0"/>
           </a:p>
           <a:p>
             <a:r>
               <a:rPr lang="ru-RU" dirty="0" smtClean="0"/>
-              <a:t>Разрешены только </a:t>
-            </a:r>
-            <a:r>
-              <a:rPr lang="en-US" dirty="0" smtClean="0"/>
-              <a:t>AEAD </a:t>
-            </a:r>
-            <a:r>
-              <a:rPr lang="ru-RU" dirty="0" smtClean="0"/>
-              <a:t>шифры</a:t>
+              <a:t>Только стойкий в настоящий момент набор параметров (определяющих группу).</a:t>
             </a:r>
             <a:endParaRPr lang="ru-RU" dirty="0"/>
           </a:p>
@@ -5772,6 +5784,131 @@
             <a:fld id="{AC4B6EA2-3DAB-415A-81B1-2E2A41D203B5}" type="slidenum">
               <a:rPr lang="ru-RU" smtClean="0"/>
               <a:t>18</a:t>
+            </a:fld>
+            <a:endParaRPr lang="ru-RU" dirty="0"/>
+          </a:p>
+        </p:txBody>
+      </p:sp>
+    </p:spTree>
+    <p:extLst>
+      <p:ext uri="{BB962C8B-B14F-4D97-AF65-F5344CB8AC3E}">
+        <p14:creationId xmlns:p14="http://schemas.microsoft.com/office/powerpoint/2010/main" val="3712544862"/>
+      </p:ext>
+    </p:extLst>
+  </p:cSld>
+  <p:clrMapOvr>
+    <a:masterClrMapping/>
+  </p:clrMapOvr>
+  <p:timing>
+    <p:tnLst>
+      <p:par>
+        <p:cTn id="1" dur="indefinite" restart="never" nodeType="tmRoot"/>
+      </p:par>
+    </p:tnLst>
+  </p:timing>
+</p:sld>
+</file>
+
+<file path=ppt/slides/slide19.xml><?xml version="1.0" encoding="utf-8"?>
+<p:sld xmlns:a="http://schemas.openxmlformats.org/drawingml/2006/main" xmlns:r="http://schemas.openxmlformats.org/officeDocument/2006/relationships" xmlns:p="http://schemas.openxmlformats.org/presentationml/2006/main">
+  <p:cSld>
+    <p:spTree>
+      <p:nvGrpSpPr>
+        <p:cNvPr id="1" name=""/>
+        <p:cNvGrpSpPr/>
+        <p:nvPr/>
+      </p:nvGrpSpPr>
+      <p:grpSpPr>
+        <a:xfrm>
+          <a:off x="0" y="0"/>
+          <a:ext cx="0" cy="0"/>
+          <a:chOff x="0" y="0"/>
+          <a:chExt cx="0" cy="0"/>
+        </a:xfrm>
+      </p:grpSpPr>
+      <p:sp>
+        <p:nvSpPr>
+          <p:cNvPr id="2" name="Заголовок 1"/>
+          <p:cNvSpPr>
+            <a:spLocks noGrp="1"/>
+          </p:cNvSpPr>
+          <p:nvPr>
+            <p:ph type="title"/>
+          </p:nvPr>
+        </p:nvSpPr>
+        <p:spPr/>
+        <p:txBody>
+          <a:bodyPr/>
+          <a:lstStyle/>
+          <a:p>
+            <a:r>
+              <a:rPr lang="ru-RU" dirty="0" smtClean="0"/>
+              <a:t>Аутентифицированное шифрование</a:t>
+            </a:r>
+            <a:endParaRPr lang="ru-RU" dirty="0"/>
+          </a:p>
+        </p:txBody>
+      </p:sp>
+      <p:sp>
+        <p:nvSpPr>
+          <p:cNvPr id="3" name="Объект 2"/>
+          <p:cNvSpPr>
+            <a:spLocks noGrp="1"/>
+          </p:cNvSpPr>
+          <p:nvPr>
+            <p:ph idx="1"/>
+          </p:nvPr>
+        </p:nvSpPr>
+        <p:spPr/>
+        <p:txBody>
+          <a:bodyPr/>
+          <a:lstStyle/>
+          <a:p>
+            <a:r>
+              <a:rPr lang="ru-RU" dirty="0" smtClean="0"/>
+              <a:t>Удаление проблемных и нестойких шифров (</a:t>
+            </a:r>
+            <a:r>
+              <a:rPr lang="en-US" dirty="0" smtClean="0"/>
+              <a:t>CBC, RC4)</a:t>
+            </a:r>
+            <a:endParaRPr lang="ru-RU" dirty="0" smtClean="0"/>
+          </a:p>
+          <a:p>
+            <a:r>
+              <a:rPr lang="ru-RU" dirty="0" smtClean="0"/>
+              <a:t>Разрешены только </a:t>
+            </a:r>
+            <a:r>
+              <a:rPr lang="en-US" dirty="0" smtClean="0"/>
+              <a:t>AEAD </a:t>
+            </a:r>
+            <a:r>
+              <a:rPr lang="ru-RU" dirty="0" smtClean="0"/>
+              <a:t>шифры</a:t>
+            </a:r>
+            <a:endParaRPr lang="ru-RU" dirty="0"/>
+          </a:p>
+        </p:txBody>
+      </p:sp>
+      <p:sp>
+        <p:nvSpPr>
+          <p:cNvPr id="4" name="Номер слайда 3"/>
+          <p:cNvSpPr>
+            <a:spLocks noGrp="1"/>
+          </p:cNvSpPr>
+          <p:nvPr>
+            <p:ph type="sldNum" sz="quarter" idx="12"/>
+          </p:nvPr>
+        </p:nvSpPr>
+        <p:spPr/>
+        <p:txBody>
+          <a:bodyPr/>
+          <a:lstStyle/>
+          <a:p>
+            <a:fld id="{AC4B6EA2-3DAB-415A-81B1-2E2A41D203B5}" type="slidenum">
+              <a:rPr lang="ru-RU" smtClean="0"/>
+              <a:t>19</a:t>
             </a:fld>
             <a:endParaRPr lang="ru-RU" dirty="0"/>
           </a:p>
@@ -5797,7 +5934,125 @@
 </p:sld>
 </file>
 
-<file path=ppt/slides/slide19.xml><?xml version="1.0" encoding="utf-8"?>
+<file path=ppt/slides/slide2.xml><?xml version="1.0" encoding="utf-8"?>
+<p:sld xmlns:a="http://schemas.openxmlformats.org/drawingml/2006/main" xmlns:r="http://schemas.openxmlformats.org/officeDocument/2006/relationships" xmlns:p="http://schemas.openxmlformats.org/presentationml/2006/main">
+  <p:cSld>
+    <p:spTree>
+      <p:nvGrpSpPr>
+        <p:cNvPr id="1" name=""/>
+        <p:cNvGrpSpPr/>
+        <p:nvPr/>
+      </p:nvGrpSpPr>
+      <p:grpSpPr>
+        <a:xfrm>
+          <a:off x="0" y="0"/>
+          <a:ext cx="0" cy="0"/>
+          <a:chOff x="0" y="0"/>
+          <a:chExt cx="0" cy="0"/>
+        </a:xfrm>
+      </p:grpSpPr>
+      <p:sp>
+        <p:nvSpPr>
+          <p:cNvPr id="2" name="Заголовок 1"/>
+          <p:cNvSpPr>
+            <a:spLocks noGrp="1"/>
+          </p:cNvSpPr>
+          <p:nvPr>
+            <p:ph type="title"/>
+          </p:nvPr>
+        </p:nvSpPr>
+        <p:spPr/>
+        <p:txBody>
+          <a:bodyPr/>
+          <a:lstStyle/>
+          <a:p>
+            <a:r>
+              <a:rPr lang="ru-RU" dirty="0" smtClean="0"/>
+              <a:t>Защищенный канал связи</a:t>
+            </a:r>
+            <a:endParaRPr lang="ru-RU" dirty="0"/>
+          </a:p>
+        </p:txBody>
+      </p:sp>
+      <p:sp>
+        <p:nvSpPr>
+          <p:cNvPr id="3" name="Объект 2"/>
+          <p:cNvSpPr>
+            <a:spLocks noGrp="1"/>
+          </p:cNvSpPr>
+          <p:nvPr>
+            <p:ph idx="1"/>
+          </p:nvPr>
+        </p:nvSpPr>
+        <p:spPr/>
+        <p:txBody>
+          <a:bodyPr/>
+          <a:lstStyle/>
+          <a:p>
+            <a:r>
+              <a:rPr lang="ru-RU" dirty="0" smtClean="0"/>
+              <a:t>Обеспечить аутентичность и секретность сообщений при передаче по каналу связи при активном противнике</a:t>
+            </a:r>
+          </a:p>
+          <a:p>
+            <a:r>
+              <a:rPr lang="ru-RU" dirty="0" smtClean="0"/>
+              <a:t>Возможности противника – любые эффективные взаимодействия с каналом, включая повтор и модификацию передаваемых сообщений, возможность разовой компрометации сессионных ключей, возможность имперсонификации источника сообщений</a:t>
+            </a:r>
+          </a:p>
+          <a:p>
+            <a:r>
+              <a:rPr lang="ru-RU" dirty="0" smtClean="0"/>
+              <a:t>Цели противника – нарушение ИБ передаваемых сообщений</a:t>
+            </a:r>
+            <a:endParaRPr lang="ru-RU" dirty="0"/>
+          </a:p>
+        </p:txBody>
+      </p:sp>
+      <p:sp>
+        <p:nvSpPr>
+          <p:cNvPr id="4" name="Номер слайда 3"/>
+          <p:cNvSpPr>
+            <a:spLocks noGrp="1"/>
+          </p:cNvSpPr>
+          <p:nvPr>
+            <p:ph type="sldNum" sz="quarter" idx="12"/>
+          </p:nvPr>
+        </p:nvSpPr>
+        <p:spPr/>
+        <p:txBody>
+          <a:bodyPr/>
+          <a:lstStyle/>
+          <a:p>
+            <a:fld id="{AC4B6EA2-3DAB-415A-81B1-2E2A41D203B5}" type="slidenum">
+              <a:rPr lang="ru-RU" smtClean="0"/>
+              <a:t>2</a:t>
+            </a:fld>
+            <a:endParaRPr lang="ru-RU" dirty="0"/>
+          </a:p>
+        </p:txBody>
+      </p:sp>
+    </p:spTree>
+    <p:extLst>
+      <p:ext uri="{BB962C8B-B14F-4D97-AF65-F5344CB8AC3E}">
+        <p14:creationId xmlns:p14="http://schemas.microsoft.com/office/powerpoint/2010/main" val="3373199615"/>
+      </p:ext>
+    </p:extLst>
+  </p:cSld>
+  <p:clrMapOvr>
+    <a:masterClrMapping/>
+  </p:clrMapOvr>
+  <p:timing>
+    <p:tnLst>
+      <p:par>
+        <p:cTn id="1" dur="indefinite" restart="never" nodeType="tmRoot"/>
+      </p:par>
+    </p:tnLst>
+  </p:timing>
+</p:sld>
+</file>
+
+<file path=ppt/slides/slide20.xml><?xml version="1.0" encoding="utf-8"?>
 <p:sld xmlns:a="http://schemas.openxmlformats.org/drawingml/2006/main" xmlns:r="http://schemas.openxmlformats.org/officeDocument/2006/relationships" xmlns:p="http://schemas.openxmlformats.org/presentationml/2006/main">
   <p:cSld>
     <p:spTree>
@@ -5913,7 +6168,7 @@
           <a:p>
             <a:fld id="{AC4B6EA2-3DAB-415A-81B1-2E2A41D203B5}" type="slidenum">
               <a:rPr lang="ru-RU" smtClean="0"/>
-              <a:t>19</a:t>
+              <a:t>20</a:t>
             </a:fld>
             <a:endParaRPr lang="ru-RU" dirty="0"/>
           </a:p>
@@ -5923,308 +6178,6 @@
     <p:extLst>
       <p:ext uri="{BB962C8B-B14F-4D97-AF65-F5344CB8AC3E}">
         <p14:creationId xmlns:p14="http://schemas.microsoft.com/office/powerpoint/2010/main" val="1744338999"/>
-      </p:ext>
-    </p:extLst>
-  </p:cSld>
-  <p:clrMapOvr>
-    <a:masterClrMapping/>
-  </p:clrMapOvr>
-  <p:timing>
-    <p:tnLst>
-      <p:par>
-        <p:cTn id="1" dur="indefinite" restart="never" nodeType="tmRoot"/>
-      </p:par>
-    </p:tnLst>
-  </p:timing>
-</p:sld>
-</file>
-
-<file path=ppt/slides/slide2.xml><?xml version="1.0" encoding="utf-8"?>
-<p:sld xmlns:a="http://schemas.openxmlformats.org/drawingml/2006/main" xmlns:r="http://schemas.openxmlformats.org/officeDocument/2006/relationships" xmlns:p="http://schemas.openxmlformats.org/presentationml/2006/main">
-  <p:cSld>
-    <p:spTree>
-      <p:nvGrpSpPr>
-        <p:cNvPr id="1" name=""/>
-        <p:cNvGrpSpPr/>
-        <p:nvPr/>
-      </p:nvGrpSpPr>
-      <p:grpSpPr>
-        <a:xfrm>
-          <a:off x="0" y="0"/>
-          <a:ext cx="0" cy="0"/>
-          <a:chOff x="0" y="0"/>
-          <a:chExt cx="0" cy="0"/>
-        </a:xfrm>
-      </p:grpSpPr>
-      <p:sp>
-        <p:nvSpPr>
-          <p:cNvPr id="2" name="Заголовок 1"/>
-          <p:cNvSpPr>
-            <a:spLocks noGrp="1"/>
-          </p:cNvSpPr>
-          <p:nvPr>
-            <p:ph type="title"/>
-          </p:nvPr>
-        </p:nvSpPr>
-        <p:spPr/>
-        <p:txBody>
-          <a:bodyPr/>
-          <a:lstStyle/>
-          <a:p>
-            <a:r>
-              <a:rPr lang="ru-RU" dirty="0" smtClean="0"/>
-              <a:t>Защищенный канал связи</a:t>
-            </a:r>
-            <a:endParaRPr lang="ru-RU" dirty="0"/>
-          </a:p>
-        </p:txBody>
-      </p:sp>
-      <p:sp>
-        <p:nvSpPr>
-          <p:cNvPr id="3" name="Объект 2"/>
-          <p:cNvSpPr>
-            <a:spLocks noGrp="1"/>
-          </p:cNvSpPr>
-          <p:nvPr>
-            <p:ph idx="1"/>
-          </p:nvPr>
-        </p:nvSpPr>
-        <p:spPr/>
-        <p:txBody>
-          <a:bodyPr/>
-          <a:lstStyle/>
-          <a:p>
-            <a:r>
-              <a:rPr lang="ru-RU" dirty="0" smtClean="0"/>
-              <a:t>Обеспечить аутентичность и секретность сообщений при передаче по каналу связи при активном противнике</a:t>
-            </a:r>
-          </a:p>
-          <a:p>
-            <a:r>
-              <a:rPr lang="ru-RU" dirty="0" smtClean="0"/>
-              <a:t>Возможности противника – любые эффективные взаимодействия с каналом, включая повтор и модификацию передаваемых сообщений, возможность разовой компрометации сессионных ключей, возможность имперсонификации источника сообщений</a:t>
-            </a:r>
-          </a:p>
-          <a:p>
-            <a:r>
-              <a:rPr lang="ru-RU" dirty="0" smtClean="0"/>
-              <a:t>Цели противника – нарушение ИБ передаваемых сообщений</a:t>
-            </a:r>
-            <a:endParaRPr lang="ru-RU" dirty="0"/>
-          </a:p>
-        </p:txBody>
-      </p:sp>
-      <p:sp>
-        <p:nvSpPr>
-          <p:cNvPr id="4" name="Номер слайда 3"/>
-          <p:cNvSpPr>
-            <a:spLocks noGrp="1"/>
-          </p:cNvSpPr>
-          <p:nvPr>
-            <p:ph type="sldNum" sz="quarter" idx="12"/>
-          </p:nvPr>
-        </p:nvSpPr>
-        <p:spPr/>
-        <p:txBody>
-          <a:bodyPr/>
-          <a:lstStyle/>
-          <a:p>
-            <a:fld id="{AC4B6EA2-3DAB-415A-81B1-2E2A41D203B5}" type="slidenum">
-              <a:rPr lang="ru-RU" smtClean="0"/>
-              <a:t>2</a:t>
-            </a:fld>
-            <a:endParaRPr lang="ru-RU" dirty="0"/>
-          </a:p>
-        </p:txBody>
-      </p:sp>
-    </p:spTree>
-    <p:extLst>
-      <p:ext uri="{BB962C8B-B14F-4D97-AF65-F5344CB8AC3E}">
-        <p14:creationId xmlns:p14="http://schemas.microsoft.com/office/powerpoint/2010/main" val="3373199615"/>
-      </p:ext>
-    </p:extLst>
-  </p:cSld>
-  <p:clrMapOvr>
-    <a:masterClrMapping/>
-  </p:clrMapOvr>
-  <p:timing>
-    <p:tnLst>
-      <p:par>
-        <p:cTn id="1" dur="indefinite" restart="never" nodeType="tmRoot"/>
-      </p:par>
-    </p:tnLst>
-  </p:timing>
-</p:sld>
-</file>
-
-<file path=ppt/slides/slide20.xml><?xml version="1.0" encoding="utf-8"?>
-<p:sld xmlns:a="http://schemas.openxmlformats.org/drawingml/2006/main" xmlns:r="http://schemas.openxmlformats.org/officeDocument/2006/relationships" xmlns:p="http://schemas.openxmlformats.org/presentationml/2006/main">
-  <p:cSld>
-    <p:spTree>
-      <p:nvGrpSpPr>
-        <p:cNvPr id="1" name=""/>
-        <p:cNvGrpSpPr/>
-        <p:nvPr/>
-      </p:nvGrpSpPr>
-      <p:grpSpPr>
-        <a:xfrm>
-          <a:off x="0" y="0"/>
-          <a:ext cx="0" cy="0"/>
-          <a:chOff x="0" y="0"/>
-          <a:chExt cx="0" cy="0"/>
-        </a:xfrm>
-      </p:grpSpPr>
-      <p:sp>
-        <p:nvSpPr>
-          <p:cNvPr id="2" name="Заголовок 1"/>
-          <p:cNvSpPr>
-            <a:spLocks noGrp="1"/>
-          </p:cNvSpPr>
-          <p:nvPr>
-            <p:ph type="title"/>
-          </p:nvPr>
-        </p:nvSpPr>
-        <p:spPr/>
-        <p:txBody>
-          <a:bodyPr/>
-          <a:lstStyle/>
-          <a:p>
-            <a:r>
-              <a:rPr lang="ru-RU" dirty="0" smtClean="0"/>
-              <a:t>Электронные подписи</a:t>
-            </a:r>
-            <a:endParaRPr lang="ru-RU" dirty="0"/>
-          </a:p>
-        </p:txBody>
-      </p:sp>
-      <p:sp>
-        <p:nvSpPr>
-          <p:cNvPr id="3" name="Объект 2"/>
-          <p:cNvSpPr>
-            <a:spLocks noGrp="1"/>
-          </p:cNvSpPr>
-          <p:nvPr>
-            <p:ph idx="1"/>
-          </p:nvPr>
-        </p:nvSpPr>
-        <p:spPr>
-          <a:xfrm>
-            <a:off x="838200" y="1825625"/>
-            <a:ext cx="5263662" cy="4351338"/>
-          </a:xfrm>
-        </p:spPr>
-        <p:txBody>
-          <a:bodyPr/>
-          <a:lstStyle/>
-          <a:p>
-            <a:r>
-              <a:rPr lang="ru-RU" dirty="0" smtClean="0"/>
-              <a:t>Дополнение </a:t>
-            </a:r>
-            <a:r>
-              <a:rPr lang="en-US" dirty="0" smtClean="0"/>
-              <a:t>RSA-PSS (</a:t>
-            </a:r>
-            <a:r>
-              <a:rPr lang="ru-RU" dirty="0" smtClean="0"/>
-              <a:t>убрали </a:t>
-            </a:r>
-            <a:r>
-              <a:rPr lang="en-US" dirty="0" smtClean="0"/>
-              <a:t>PKCS#1 1.5)</a:t>
-            </a:r>
-            <a:endParaRPr lang="ru-RU" dirty="0"/>
-          </a:p>
-          <a:p>
-            <a:r>
-              <a:rPr lang="ru-RU" dirty="0" smtClean="0"/>
-              <a:t>Сервер подписывает </a:t>
-            </a:r>
-            <a:r>
-              <a:rPr lang="en-US" dirty="0" smtClean="0"/>
-              <a:t>handshake</a:t>
-            </a:r>
-            <a:r>
-              <a:rPr lang="ru-RU" dirty="0" smtClean="0"/>
-              <a:t> (защищаясь от </a:t>
-            </a:r>
-            <a:r>
-              <a:rPr lang="en-US" dirty="0" smtClean="0"/>
-              <a:t>downgrade attack</a:t>
-            </a:r>
-            <a:r>
-              <a:rPr lang="ru-RU" dirty="0" smtClean="0"/>
-              <a:t>, когда </a:t>
-            </a:r>
-            <a:r>
-              <a:rPr lang="en-US" dirty="0" smtClean="0"/>
-              <a:t>in-the-middle </a:t>
-            </a:r>
-            <a:r>
-              <a:rPr lang="ru-RU" dirty="0" smtClean="0"/>
-              <a:t>противник навязывает сторонам нестойкие наборы)</a:t>
-            </a:r>
-            <a:endParaRPr lang="ru-RU" dirty="0"/>
-          </a:p>
-        </p:txBody>
-      </p:sp>
-      <p:pic>
-        <p:nvPicPr>
-          <p:cNvPr id="4" name="Рисунок 3"/>
-          <p:cNvPicPr>
-            <a:picLocks noChangeAspect="1"/>
-          </p:cNvPicPr>
-          <p:nvPr/>
-        </p:nvPicPr>
-        <p:blipFill>
-          <a:blip r:embed="rId2">
-            <a:extLst>
-              <a:ext uri="{28A0092B-C50C-407E-A947-70E740481C1C}">
-                <a14:useLocalDpi xmlns:a14="http://schemas.microsoft.com/office/drawing/2010/main" val="0"/>
-              </a:ext>
-            </a:extLst>
-          </a:blip>
-          <a:stretch>
-            <a:fillRect/>
-          </a:stretch>
-        </p:blipFill>
-        <p:spPr>
-          <a:xfrm>
-            <a:off x="7007469" y="1293223"/>
-            <a:ext cx="4435719" cy="5177916"/>
-          </a:xfrm>
-          <a:prstGeom prst="rect">
-            <a:avLst/>
-          </a:prstGeom>
-        </p:spPr>
-      </p:pic>
-      <p:sp>
-        <p:nvSpPr>
-          <p:cNvPr id="5" name="Номер слайда 4"/>
-          <p:cNvSpPr>
-            <a:spLocks noGrp="1"/>
-          </p:cNvSpPr>
-          <p:nvPr>
-            <p:ph type="sldNum" sz="quarter" idx="12"/>
-          </p:nvPr>
-        </p:nvSpPr>
-        <p:spPr/>
-        <p:txBody>
-          <a:bodyPr/>
-          <a:lstStyle/>
-          <a:p>
-            <a:fld id="{AC4B6EA2-3DAB-415A-81B1-2E2A41D203B5}" type="slidenum">
-              <a:rPr lang="ru-RU" smtClean="0"/>
-              <a:t>20</a:t>
-            </a:fld>
-            <a:endParaRPr lang="ru-RU" dirty="0"/>
-          </a:p>
-        </p:txBody>
-      </p:sp>
-    </p:spTree>
-    <p:extLst>
-      <p:ext uri="{BB962C8B-B14F-4D97-AF65-F5344CB8AC3E}">
-        <p14:creationId xmlns:p14="http://schemas.microsoft.com/office/powerpoint/2010/main" val="2589875132"/>
       </p:ext>
     </p:extLst>
   </p:cSld>
@@ -6275,6 +6228,190 @@
           <a:p>
             <a:r>
               <a:rPr lang="ru-RU" dirty="0" smtClean="0"/>
+              <a:t>Электронные подписи</a:t>
+            </a:r>
+            <a:endParaRPr lang="ru-RU" dirty="0"/>
+          </a:p>
+        </p:txBody>
+      </p:sp>
+      <p:sp>
+        <p:nvSpPr>
+          <p:cNvPr id="3" name="Объект 2"/>
+          <p:cNvSpPr>
+            <a:spLocks noGrp="1"/>
+          </p:cNvSpPr>
+          <p:nvPr>
+            <p:ph idx="1"/>
+          </p:nvPr>
+        </p:nvSpPr>
+        <p:spPr>
+          <a:xfrm>
+            <a:off x="838200" y="1825625"/>
+            <a:ext cx="5263662" cy="4351338"/>
+          </a:xfrm>
+        </p:spPr>
+        <p:txBody>
+          <a:bodyPr/>
+          <a:lstStyle/>
+          <a:p>
+            <a:r>
+              <a:rPr lang="ru-RU" dirty="0" smtClean="0"/>
+              <a:t>Дополнение </a:t>
+            </a:r>
+            <a:r>
+              <a:rPr lang="en-US" dirty="0" smtClean="0"/>
+              <a:t>RSA-PSS (</a:t>
+            </a:r>
+            <a:r>
+              <a:rPr lang="ru-RU" dirty="0" smtClean="0"/>
+              <a:t>убрали </a:t>
+            </a:r>
+            <a:r>
+              <a:rPr lang="en-US" dirty="0" smtClean="0"/>
+              <a:t>PKCS#1 1.5)</a:t>
+            </a:r>
+            <a:endParaRPr lang="ru-RU" dirty="0"/>
+          </a:p>
+          <a:p>
+            <a:r>
+              <a:rPr lang="ru-RU" dirty="0" smtClean="0"/>
+              <a:t>Сервер подписывает </a:t>
+            </a:r>
+            <a:r>
+              <a:rPr lang="en-US" dirty="0" smtClean="0"/>
+              <a:t>handshake</a:t>
+            </a:r>
+            <a:r>
+              <a:rPr lang="ru-RU" dirty="0" smtClean="0"/>
+              <a:t> (защищаясь от </a:t>
+            </a:r>
+            <a:r>
+              <a:rPr lang="en-US" dirty="0" smtClean="0"/>
+              <a:t>downgrade attack</a:t>
+            </a:r>
+            <a:r>
+              <a:rPr lang="ru-RU" dirty="0" smtClean="0"/>
+              <a:t>, когда </a:t>
+            </a:r>
+            <a:r>
+              <a:rPr lang="en-US" dirty="0" smtClean="0"/>
+              <a:t>in-the-middle </a:t>
+            </a:r>
+            <a:r>
+              <a:rPr lang="ru-RU" dirty="0" smtClean="0"/>
+              <a:t>противник навязывает сторонам нестойкие наборы)</a:t>
+            </a:r>
+            <a:endParaRPr lang="ru-RU" dirty="0"/>
+          </a:p>
+        </p:txBody>
+      </p:sp>
+      <p:pic>
+        <p:nvPicPr>
+          <p:cNvPr id="4" name="Рисунок 3"/>
+          <p:cNvPicPr>
+            <a:picLocks noChangeAspect="1"/>
+          </p:cNvPicPr>
+          <p:nvPr/>
+        </p:nvPicPr>
+        <p:blipFill>
+          <a:blip r:embed="rId2">
+            <a:extLst>
+              <a:ext uri="{28A0092B-C50C-407E-A947-70E740481C1C}">
+                <a14:useLocalDpi xmlns:a14="http://schemas.microsoft.com/office/drawing/2010/main" val="0"/>
+              </a:ext>
+            </a:extLst>
+          </a:blip>
+          <a:stretch>
+            <a:fillRect/>
+          </a:stretch>
+        </p:blipFill>
+        <p:spPr>
+          <a:xfrm>
+            <a:off x="7007469" y="1293223"/>
+            <a:ext cx="4435719" cy="5177916"/>
+          </a:xfrm>
+          <a:prstGeom prst="rect">
+            <a:avLst/>
+          </a:prstGeom>
+        </p:spPr>
+      </p:pic>
+      <p:sp>
+        <p:nvSpPr>
+          <p:cNvPr id="5" name="Номер слайда 4"/>
+          <p:cNvSpPr>
+            <a:spLocks noGrp="1"/>
+          </p:cNvSpPr>
+          <p:nvPr>
+            <p:ph type="sldNum" sz="quarter" idx="12"/>
+          </p:nvPr>
+        </p:nvSpPr>
+        <p:spPr/>
+        <p:txBody>
+          <a:bodyPr/>
+          <a:lstStyle/>
+          <a:p>
+            <a:fld id="{AC4B6EA2-3DAB-415A-81B1-2E2A41D203B5}" type="slidenum">
+              <a:rPr lang="ru-RU" smtClean="0"/>
+              <a:t>21</a:t>
+            </a:fld>
+            <a:endParaRPr lang="ru-RU" dirty="0"/>
+          </a:p>
+        </p:txBody>
+      </p:sp>
+    </p:spTree>
+    <p:extLst>
+      <p:ext uri="{BB962C8B-B14F-4D97-AF65-F5344CB8AC3E}">
+        <p14:creationId xmlns:p14="http://schemas.microsoft.com/office/powerpoint/2010/main" val="2589875132"/>
+      </p:ext>
+    </p:extLst>
+  </p:cSld>
+  <p:clrMapOvr>
+    <a:masterClrMapping/>
+  </p:clrMapOvr>
+  <p:timing>
+    <p:tnLst>
+      <p:par>
+        <p:cTn id="1" dur="indefinite" restart="never" nodeType="tmRoot"/>
+      </p:par>
+    </p:tnLst>
+  </p:timing>
+</p:sld>
+</file>
+
+<file path=ppt/slides/slide22.xml><?xml version="1.0" encoding="utf-8"?>
+<p:sld xmlns:a="http://schemas.openxmlformats.org/drawingml/2006/main" xmlns:r="http://schemas.openxmlformats.org/officeDocument/2006/relationships" xmlns:p="http://schemas.openxmlformats.org/presentationml/2006/main">
+  <p:cSld>
+    <p:spTree>
+      <p:nvGrpSpPr>
+        <p:cNvPr id="1" name=""/>
+        <p:cNvGrpSpPr/>
+        <p:nvPr/>
+      </p:nvGrpSpPr>
+      <p:grpSpPr>
+        <a:xfrm>
+          <a:off x="0" y="0"/>
+          <a:ext cx="0" cy="0"/>
+          <a:chOff x="0" y="0"/>
+          <a:chExt cx="0" cy="0"/>
+        </a:xfrm>
+      </p:grpSpPr>
+      <p:sp>
+        <p:nvSpPr>
+          <p:cNvPr id="2" name="Заголовок 1"/>
+          <p:cNvSpPr>
+            <a:spLocks noGrp="1"/>
+          </p:cNvSpPr>
+          <p:nvPr>
+            <p:ph type="title"/>
+          </p:nvPr>
+        </p:nvSpPr>
+        <p:spPr/>
+        <p:txBody>
+          <a:bodyPr/>
+          <a:lstStyle/>
+          <a:p>
+            <a:r>
+              <a:rPr lang="ru-RU" dirty="0" smtClean="0"/>
               <a:t>Наборы алгоритмов</a:t>
             </a:r>
             <a:endParaRPr lang="ru-RU" dirty="0"/>
@@ -6445,7 +6582,7 @@
           <a:p>
             <a:fld id="{AC4B6EA2-3DAB-415A-81B1-2E2A41D203B5}" type="slidenum">
               <a:rPr lang="ru-RU" smtClean="0"/>
-              <a:t>21</a:t>
+              <a:t>22</a:t>
             </a:fld>
             <a:endParaRPr lang="ru-RU" dirty="0"/>
           </a:p>
@@ -6471,7 +6608,7 @@
 </p:sld>
 </file>
 
-<file path=ppt/slides/slide22.xml><?xml version="1.0" encoding="utf-8"?>
+<file path=ppt/slides/slide23.xml><?xml version="1.0" encoding="utf-8"?>
 <p:sld xmlns:a="http://schemas.openxmlformats.org/drawingml/2006/main" xmlns:r="http://schemas.openxmlformats.org/officeDocument/2006/relationships" xmlns:p="http://schemas.openxmlformats.org/presentationml/2006/main">
   <p:cSld>
     <p:spTree>
@@ -6774,11 +6911,7 @@
             </a:r>
             <a:r>
               <a:rPr lang="ru-RU" smtClean="0"/>
-              <a:t>от </a:t>
-            </a:r>
-            <a:r>
-              <a:rPr lang="ru-RU" smtClean="0"/>
-              <a:t>сервера </a:t>
+              <a:t>от сервера </a:t>
             </a:r>
             <a:r>
               <a:rPr lang="ru-RU" dirty="0" smtClean="0"/>
@@ -6817,7 +6950,7 @@
           <a:p>
             <a:fld id="{AC4B6EA2-3DAB-415A-81B1-2E2A41D203B5}" type="slidenum">
               <a:rPr lang="ru-RU" smtClean="0"/>
-              <a:t>22</a:t>
+              <a:t>23</a:t>
             </a:fld>
             <a:endParaRPr lang="ru-RU" dirty="0"/>
           </a:p>
@@ -6827,219 +6960,6 @@
     <p:extLst>
       <p:ext uri="{BB962C8B-B14F-4D97-AF65-F5344CB8AC3E}">
         <p14:creationId xmlns:p14="http://schemas.microsoft.com/office/powerpoint/2010/main" val="140744092"/>
-      </p:ext>
-    </p:extLst>
-  </p:cSld>
-  <p:clrMapOvr>
-    <a:masterClrMapping/>
-  </p:clrMapOvr>
-  <p:timing>
-    <p:tnLst>
-      <p:par>
-        <p:cTn id="1" dur="indefinite" restart="never" nodeType="tmRoot"/>
-      </p:par>
-    </p:tnLst>
-  </p:timing>
-</p:sld>
-</file>
-
-<file path=ppt/slides/slide23.xml><?xml version="1.0" encoding="utf-8"?>
-<p:sld xmlns:a="http://schemas.openxmlformats.org/drawingml/2006/main" xmlns:r="http://schemas.openxmlformats.org/officeDocument/2006/relationships" xmlns:p="http://schemas.openxmlformats.org/presentationml/2006/main">
-  <p:cSld>
-    <p:spTree>
-      <p:nvGrpSpPr>
-        <p:cNvPr id="1" name=""/>
-        <p:cNvGrpSpPr/>
-        <p:nvPr/>
-      </p:nvGrpSpPr>
-      <p:grpSpPr>
-        <a:xfrm>
-          <a:off x="0" y="0"/>
-          <a:ext cx="0" cy="0"/>
-          <a:chOff x="0" y="0"/>
-          <a:chExt cx="0" cy="0"/>
-        </a:xfrm>
-      </p:grpSpPr>
-      <p:sp>
-        <p:nvSpPr>
-          <p:cNvPr id="2" name="Заголовок 1"/>
-          <p:cNvSpPr>
-            <a:spLocks noGrp="1"/>
-          </p:cNvSpPr>
-          <p:nvPr>
-            <p:ph type="title"/>
-          </p:nvPr>
-        </p:nvSpPr>
-        <p:spPr/>
-        <p:txBody>
-          <a:bodyPr/>
-          <a:lstStyle/>
-          <a:p>
-            <a:r>
-              <a:rPr lang="en-US" dirty="0" smtClean="0"/>
-              <a:t>TSL 1.3 </a:t>
-            </a:r>
-            <a:r>
-              <a:rPr lang="ru-RU" dirty="0" smtClean="0"/>
-              <a:t>ссылки</a:t>
-            </a:r>
-            <a:endParaRPr lang="ru-RU" dirty="0"/>
-          </a:p>
-        </p:txBody>
-      </p:sp>
-      <p:sp>
-        <p:nvSpPr>
-          <p:cNvPr id="3" name="Объект 2"/>
-          <p:cNvSpPr>
-            <a:spLocks noGrp="1"/>
-          </p:cNvSpPr>
-          <p:nvPr>
-            <p:ph idx="1"/>
-          </p:nvPr>
-        </p:nvSpPr>
-        <p:spPr/>
-        <p:txBody>
-          <a:bodyPr/>
-          <a:lstStyle/>
-          <a:p>
-            <a:r>
-              <a:rPr lang="en-US" dirty="0">
-                <a:hlinkClick r:id="rId2"/>
-              </a:rPr>
-              <a:t>https://tls13.ulfheim.net</a:t>
-            </a:r>
-            <a:r>
-              <a:rPr lang="en-US" dirty="0" smtClean="0">
-                <a:hlinkClick r:id="rId2"/>
-              </a:rPr>
-              <a:t>/</a:t>
-            </a:r>
-            <a:endParaRPr lang="ru-RU" dirty="0" smtClean="0"/>
-          </a:p>
-          <a:p>
-            <a:r>
-              <a:rPr lang="en-US" dirty="0">
-                <a:hlinkClick r:id="rId3"/>
-              </a:rPr>
-              <a:t>https://blog.cloudflare.com/rfc-8446-aka-tls-1-3</a:t>
-            </a:r>
-            <a:r>
-              <a:rPr lang="en-US" dirty="0" smtClean="0">
-                <a:hlinkClick r:id="rId3"/>
-              </a:rPr>
-              <a:t>/</a:t>
-            </a:r>
-            <a:endParaRPr lang="en-US" dirty="0" smtClean="0"/>
-          </a:p>
-          <a:p>
-            <a:r>
-              <a:rPr lang="en-US" dirty="0">
-                <a:hlinkClick r:id="rId4"/>
-              </a:rPr>
-              <a:t>https://davidwong.fr/tls13</a:t>
-            </a:r>
-            <a:r>
-              <a:rPr lang="en-US" dirty="0" smtClean="0">
-                <a:hlinkClick r:id="rId4"/>
-              </a:rPr>
-              <a:t>/</a:t>
-            </a:r>
-            <a:endParaRPr lang="en-US" dirty="0" smtClean="0"/>
-          </a:p>
-          <a:p>
-            <a:endParaRPr lang="en-US" dirty="0"/>
-          </a:p>
-          <a:p>
-            <a:r>
-              <a:rPr lang="ru-RU" dirty="0" smtClean="0"/>
-              <a:t>Отображение </a:t>
-            </a:r>
-            <a:r>
-              <a:rPr lang="en-US" dirty="0" smtClean="0"/>
-              <a:t>suit’</a:t>
-            </a:r>
-            <a:r>
-              <a:rPr lang="ru-RU" dirty="0" smtClean="0"/>
-              <a:t>ов браузера </a:t>
-            </a:r>
-            <a:r>
-              <a:rPr lang="en-US" dirty="0">
-                <a:hlinkClick r:id="rId5"/>
-              </a:rPr>
-              <a:t>https://</a:t>
-            </a:r>
-            <a:r>
-              <a:rPr lang="en-US" dirty="0" smtClean="0">
-                <a:hlinkClick r:id="rId5"/>
-              </a:rPr>
-              <a:t>clienttest.ssllabs.com:8443/ssltest/viewMyClient.html</a:t>
-            </a:r>
-            <a:endParaRPr lang="ru-RU" dirty="0" smtClean="0"/>
-          </a:p>
-          <a:p>
-            <a:r>
-              <a:rPr lang="ru-RU" dirty="0" smtClean="0"/>
-              <a:t>Краткий разбор пакетов </a:t>
-            </a:r>
-            <a:r>
-              <a:rPr lang="en-US" dirty="0" smtClean="0"/>
-              <a:t>1.2 </a:t>
-            </a:r>
-            <a:r>
-              <a:rPr lang="en-US" dirty="0" smtClean="0">
-                <a:hlinkClick r:id="rId6"/>
-              </a:rPr>
-              <a:t>https</a:t>
-            </a:r>
-            <a:r>
-              <a:rPr lang="en-US" dirty="0">
-                <a:hlinkClick r:id="rId6"/>
-              </a:rPr>
-              <a:t>://medium.com/@</a:t>
-            </a:r>
-            <a:r>
-              <a:rPr lang="en-US" dirty="0" smtClean="0">
-                <a:hlinkClick r:id="rId6"/>
-              </a:rPr>
-              <a:t>ethicalevil/tls-handshake-protocol-overview-a39e8eee2cf5</a:t>
-            </a:r>
-            <a:r>
-              <a:rPr lang="en-US" dirty="0" smtClean="0"/>
-              <a:t> </a:t>
-            </a:r>
-          </a:p>
-          <a:p>
-            <a:endParaRPr lang="ru-RU" dirty="0"/>
-          </a:p>
-        </p:txBody>
-      </p:sp>
-      <p:sp>
-        <p:nvSpPr>
-          <p:cNvPr id="4" name="Номер слайда 3"/>
-          <p:cNvSpPr>
-            <a:spLocks noGrp="1"/>
-          </p:cNvSpPr>
-          <p:nvPr>
-            <p:ph type="sldNum" sz="quarter" idx="12"/>
-          </p:nvPr>
-        </p:nvSpPr>
-        <p:spPr/>
-        <p:txBody>
-          <a:bodyPr/>
-          <a:lstStyle/>
-          <a:p>
-            <a:fld id="{8253DDDB-F8F7-4D64-A7FD-3F3D61C1949F}" type="slidenum">
-              <a:rPr lang="ru-RU" smtClean="0"/>
-              <a:t>23</a:t>
-            </a:fld>
-            <a:endParaRPr lang="ru-RU" dirty="0"/>
-          </a:p>
-        </p:txBody>
-      </p:sp>
-    </p:spTree>
-    <p:extLst>
-      <p:ext uri="{BB962C8B-B14F-4D97-AF65-F5344CB8AC3E}">
-        <p14:creationId xmlns:p14="http://schemas.microsoft.com/office/powerpoint/2010/main" val="1702564751"/>
       </p:ext>
     </p:extLst>
   </p:cSld>
@@ -7090,7 +7010,11 @@
           <a:p>
             <a:r>
               <a:rPr lang="en-US" dirty="0" smtClean="0"/>
-              <a:t>Noise</a:t>
+              <a:t>TSL 1.3 </a:t>
+            </a:r>
+            <a:r>
+              <a:rPr lang="ru-RU" dirty="0" smtClean="0"/>
+              <a:t>ссылки</a:t>
             </a:r>
             <a:endParaRPr lang="ru-RU" dirty="0"/>
           </a:p>
@@ -7111,108 +7035,113 @@
           <a:bodyPr/>
           <a:lstStyle/>
           <a:p>
-            <a:pPr marL="0" indent="0">
-              <a:buNone/>
-            </a:pPr>
-            <a:r>
-              <a:rPr lang="ru-RU" dirty="0" smtClean="0"/>
-              <a:t>Каркасная модель построения протоколов (</a:t>
-            </a:r>
-            <a:r>
-              <a:rPr lang="en-US" dirty="0" smtClean="0"/>
-              <a:t>Protocol framework)</a:t>
-            </a:r>
-            <a:endParaRPr lang="ru-RU" dirty="0"/>
-          </a:p>
-          <a:p>
-            <a:pPr marL="0" indent="0">
-              <a:buNone/>
-            </a:pPr>
+            <a:r>
+              <a:rPr lang="en-US" dirty="0">
+                <a:hlinkClick r:id="rId2"/>
+              </a:rPr>
+              <a:t>https://tls13.ulfheim.net</a:t>
+            </a:r>
+            <a:r>
+              <a:rPr lang="en-US" dirty="0" smtClean="0">
+                <a:hlinkClick r:id="rId2"/>
+              </a:rPr>
+              <a:t>/</a:t>
+            </a:r>
             <a:endParaRPr lang="ru-RU" dirty="0" smtClean="0"/>
           </a:p>
           <a:p>
-            <a:pPr marL="0" indent="0">
-              <a:buNone/>
-            </a:pPr>
-            <a:r>
-              <a:rPr lang="ru-RU" dirty="0" smtClean="0"/>
-              <a:t>Основная идея – построения </a:t>
-            </a:r>
-            <a:r>
-              <a:rPr lang="en-US" dirty="0" smtClean="0"/>
-              <a:t>tls</a:t>
-            </a:r>
-            <a:r>
-              <a:rPr lang="ru-RU" dirty="0" smtClean="0"/>
-              <a:t>-образных протоколов с необходимым набором свойств.</a:t>
-            </a:r>
-          </a:p>
-          <a:p>
-            <a:pPr marL="0" indent="0">
-              <a:buNone/>
-            </a:pPr>
+            <a:r>
+              <a:rPr lang="en-US" dirty="0">
+                <a:hlinkClick r:id="rId3"/>
+              </a:rPr>
+              <a:t>https://blog.cloudflare.com/rfc-8446-aka-tls-1-3</a:t>
+            </a:r>
+            <a:r>
+              <a:rPr lang="en-US" dirty="0" smtClean="0">
+                <a:hlinkClick r:id="rId3"/>
+              </a:rPr>
+              <a:t>/</a:t>
+            </a:r>
+            <a:endParaRPr lang="en-US" dirty="0" smtClean="0"/>
+          </a:p>
+          <a:p>
+            <a:r>
+              <a:rPr lang="en-US" dirty="0">
+                <a:hlinkClick r:id="rId4"/>
+              </a:rPr>
+              <a:t>https://davidwong.fr/tls13</a:t>
+            </a:r>
+            <a:r>
+              <a:rPr lang="en-US" dirty="0" smtClean="0">
+                <a:hlinkClick r:id="rId4"/>
+              </a:rPr>
+              <a:t>/</a:t>
+            </a:r>
+            <a:endParaRPr lang="en-US" dirty="0" smtClean="0"/>
+          </a:p>
+          <a:p>
+            <a:endParaRPr lang="en-US" dirty="0"/>
+          </a:p>
+          <a:p>
+            <a:r>
+              <a:rPr lang="ru-RU" dirty="0" smtClean="0"/>
+              <a:t>Отображение </a:t>
+            </a:r>
+            <a:r>
+              <a:rPr lang="en-US" dirty="0" smtClean="0"/>
+              <a:t>suit’</a:t>
+            </a:r>
+            <a:r>
+              <a:rPr lang="ru-RU" dirty="0" smtClean="0"/>
+              <a:t>ов браузера </a:t>
+            </a:r>
+            <a:r>
+              <a:rPr lang="en-US" dirty="0">
+                <a:hlinkClick r:id="rId5"/>
+              </a:rPr>
+              <a:t>https://</a:t>
+            </a:r>
+            <a:r>
+              <a:rPr lang="en-US" dirty="0" smtClean="0">
+                <a:hlinkClick r:id="rId5"/>
+              </a:rPr>
+              <a:t>clienttest.ssllabs.com:8443/ssltest/viewMyClient.html</a:t>
+            </a:r>
             <a:endParaRPr lang="ru-RU" dirty="0" smtClean="0"/>
           </a:p>
           <a:p>
-            <a:pPr marL="0" indent="0">
-              <a:buNone/>
-            </a:pPr>
-            <a:r>
-              <a:rPr lang="ru-RU" dirty="0" smtClean="0"/>
-              <a:t>Используемые примитивы – </a:t>
-            </a:r>
-            <a:r>
-              <a:rPr lang="en-US" dirty="0" smtClean="0"/>
-              <a:t>ECDH 25519/448</a:t>
-            </a:r>
-            <a:r>
-              <a:rPr lang="en-US" dirty="0"/>
+            <a:r>
+              <a:rPr lang="ru-RU" dirty="0" smtClean="0"/>
+              <a:t>Краткий разбор пакетов </a:t>
+            </a:r>
+            <a:r>
+              <a:rPr lang="en-US" dirty="0" smtClean="0"/>
+              <a:t>1.2 </a:t>
+            </a:r>
+            <a:r>
+              <a:rPr lang="en-US" dirty="0" smtClean="0">
+                <a:hlinkClick r:id="rId6"/>
+              </a:rPr>
+              <a:t>https</a:t>
+            </a:r>
+            <a:r>
+              <a:rPr lang="en-US" dirty="0">
+                <a:hlinkClick r:id="rId6"/>
+              </a:rPr>
+              <a:t>://medium.com/@</a:t>
+            </a:r>
+            <a:r>
+              <a:rPr lang="en-US" dirty="0" smtClean="0">
+                <a:hlinkClick r:id="rId6"/>
+              </a:rPr>
+              <a:t>ethicalevil/tls-handshake-protocol-overview-a39e8eee2cf5</a:t>
+            </a:r>
+            <a:r>
+              <a:rPr lang="en-US" dirty="0" smtClean="0"/>
               <a:t> </a:t>
             </a:r>
-            <a:r>
-              <a:rPr lang="en-US" dirty="0" smtClean="0"/>
-              <a:t>(</a:t>
-            </a:r>
-            <a:r>
-              <a:rPr lang="ru-RU" dirty="0" smtClean="0"/>
-              <a:t>Согласование ключей)</a:t>
-            </a:r>
-            <a:r>
-              <a:rPr lang="en-US" dirty="0" smtClean="0"/>
-              <a:t>, SHA256/512</a:t>
-            </a:r>
-            <a:r>
-              <a:rPr lang="ru-RU" dirty="0" smtClean="0"/>
-              <a:t> </a:t>
-            </a:r>
-            <a:r>
-              <a:rPr lang="en-US" dirty="0" smtClean="0"/>
-              <a:t>/ BLAKE2b/BLAKE2s (hash, </a:t>
-            </a:r>
-            <a:r>
-              <a:rPr lang="ru-RU" dirty="0" smtClean="0"/>
-              <a:t>построение </a:t>
-            </a:r>
-            <a:r>
-              <a:rPr lang="en-US" dirty="0" smtClean="0"/>
-              <a:t>PRF </a:t>
-            </a:r>
-            <a:r>
-              <a:rPr lang="ru-RU" dirty="0" smtClean="0"/>
-              <a:t>в </a:t>
-            </a:r>
-            <a:r>
-              <a:rPr lang="en-US" dirty="0" smtClean="0"/>
-              <a:t>HKDF</a:t>
-            </a:r>
-            <a:r>
-              <a:rPr lang="ru-RU" dirty="0" smtClean="0"/>
-              <a:t>),</a:t>
-            </a:r>
-            <a:r>
-              <a:rPr lang="en-US" dirty="0" smtClean="0"/>
-              <a:t> AES-GCM/ChaChaPoly (AEAD).</a:t>
-            </a:r>
+          </a:p>
+          <a:p>
             <a:endParaRPr lang="ru-RU" dirty="0"/>
           </a:p>
         </p:txBody>
@@ -7232,7 +7161,7 @@
           <a:bodyPr/>
           <a:lstStyle/>
           <a:p>
-            <a:fld id="{AC4B6EA2-3DAB-415A-81B1-2E2A41D203B5}" type="slidenum">
+            <a:fld id="{8253DDDB-F8F7-4D64-A7FD-3F3D61C1949F}" type="slidenum">
               <a:rPr lang="ru-RU" smtClean="0"/>
               <a:t>24</a:t>
             </a:fld>
@@ -7243,7 +7172,7 @@
     </p:spTree>
     <p:extLst>
       <p:ext uri="{BB962C8B-B14F-4D97-AF65-F5344CB8AC3E}">
-        <p14:creationId xmlns:p14="http://schemas.microsoft.com/office/powerpoint/2010/main" val="3942615534"/>
+        <p14:creationId xmlns:p14="http://schemas.microsoft.com/office/powerpoint/2010/main" val="1702564751"/>
       </p:ext>
     </p:extLst>
   </p:cSld>
@@ -7293,10 +7222,6 @@
           <a:lstStyle/>
           <a:p>
             <a:r>
-              <a:rPr lang="ru-RU" dirty="0" smtClean="0"/>
-              <a:t>Протоколы </a:t>
-            </a:r>
-            <a:r>
               <a:rPr lang="en-US" dirty="0" smtClean="0"/>
               <a:t>Noise</a:t>
             </a:r>
@@ -7324,14 +7249,19 @@
             </a:pPr>
             <a:r>
               <a:rPr lang="ru-RU" dirty="0" smtClean="0"/>
-              <a:t>2 основных этапа – согласование ключа и использование ключа в защищенном канале связи</a:t>
-            </a:r>
+              <a:t>Каркасная модель построения протоколов (</a:t>
+            </a:r>
+            <a:r>
+              <a:rPr lang="en-US" dirty="0" smtClean="0"/>
+              <a:t>Protocol framework)</a:t>
+            </a:r>
+            <a:endParaRPr lang="ru-RU" dirty="0"/>
           </a:p>
           <a:p>
             <a:pPr marL="0" indent="0">
               <a:buNone/>
             </a:pPr>
-            <a:endParaRPr lang="ru-RU" dirty="0"/>
+            <a:endParaRPr lang="ru-RU" dirty="0" smtClean="0"/>
           </a:p>
           <a:p>
             <a:pPr marL="0" indent="0">
@@ -7339,47 +7269,83 @@
             </a:pPr>
             <a:r>
               <a:rPr lang="ru-RU" dirty="0" smtClean="0"/>
-              <a:t>Согласование ключа – Диффи-Хеллман + </a:t>
+              <a:t>Основная идея – построения </a:t>
+            </a:r>
+            <a:r>
+              <a:rPr lang="en-US" dirty="0" smtClean="0"/>
+              <a:t>tls</a:t>
+            </a:r>
+            <a:r>
+              <a:rPr lang="ru-RU" dirty="0" smtClean="0"/>
+              <a:t>-образных протоколов с необходимым набором свойств.</a:t>
+            </a:r>
+          </a:p>
+          <a:p>
+            <a:pPr marL="0" indent="0">
+              <a:buNone/>
+            </a:pPr>
+            <a:endParaRPr lang="ru-RU" dirty="0" smtClean="0"/>
+          </a:p>
+          <a:p>
+            <a:pPr marL="0" indent="0">
+              <a:buNone/>
+            </a:pPr>
+            <a:r>
+              <a:rPr lang="ru-RU" dirty="0" smtClean="0"/>
+              <a:t>Используемые примитивы – </a:t>
+            </a:r>
+            <a:r>
+              <a:rPr lang="en-US" dirty="0" smtClean="0"/>
+              <a:t>ECDH 25519/448</a:t>
+            </a:r>
+            <a:r>
+              <a:rPr lang="en-US" dirty="0"/>
+              <a:t> </a:t>
+            </a:r>
+            <a:r>
+              <a:rPr lang="en-US" dirty="0" smtClean="0"/>
+              <a:t>(</a:t>
+            </a:r>
+            <a:r>
+              <a:rPr lang="ru-RU" dirty="0" smtClean="0"/>
+              <a:t>Согласование ключей)</a:t>
+            </a:r>
+            <a:r>
+              <a:rPr lang="en-US" dirty="0" smtClean="0"/>
+              <a:t>, SHA256/512</a:t>
+            </a:r>
+            <a:r>
+              <a:rPr lang="ru-RU" dirty="0" smtClean="0"/>
+              <a:t> </a:t>
+            </a:r>
+            <a:r>
+              <a:rPr lang="en-US" dirty="0" smtClean="0"/>
+              <a:t>/ BLAKE2b/BLAKE2s (hash, </a:t>
+            </a:r>
+            <a:r>
+              <a:rPr lang="ru-RU" dirty="0" smtClean="0"/>
+              <a:t>построение </a:t>
+            </a:r>
+            <a:r>
+              <a:rPr lang="en-US" dirty="0" smtClean="0"/>
+              <a:t>PRF </a:t>
+            </a:r>
+            <a:r>
+              <a:rPr lang="ru-RU" dirty="0" smtClean="0"/>
+              <a:t>в </a:t>
             </a:r>
             <a:r>
               <a:rPr lang="en-US" dirty="0" smtClean="0"/>
               <a:t>HKDF</a:t>
             </a:r>
-            <a:endParaRPr lang="ru-RU" dirty="0" smtClean="0"/>
-          </a:p>
-          <a:p>
-            <a:pPr marL="0" indent="0">
-              <a:buNone/>
-            </a:pPr>
-            <a:endParaRPr lang="ru-RU" dirty="0"/>
-          </a:p>
-          <a:p>
-            <a:pPr marL="0" indent="0">
-              <a:buNone/>
-            </a:pPr>
-            <a:r>
-              <a:rPr lang="ru-RU" dirty="0" smtClean="0"/>
-              <a:t>Защищенный канал – </a:t>
-            </a:r>
-            <a:r>
-              <a:rPr lang="en-US" dirty="0" smtClean="0"/>
-              <a:t>AEAD </a:t>
-            </a:r>
-            <a:r>
-              <a:rPr lang="ru-RU" dirty="0" smtClean="0"/>
-              <a:t>шифрование</a:t>
-            </a:r>
-          </a:p>
-          <a:p>
-            <a:pPr marL="0" indent="0">
-              <a:buNone/>
-            </a:pPr>
-            <a:endParaRPr lang="ru-RU" dirty="0"/>
-          </a:p>
-          <a:p>
-            <a:pPr marL="0" indent="0">
-              <a:buNone/>
-            </a:pPr>
+            <a:r>
+              <a:rPr lang="ru-RU" dirty="0" smtClean="0"/>
+              <a:t>),</a:t>
+            </a:r>
+            <a:r>
+              <a:rPr lang="en-US" dirty="0" smtClean="0"/>
+              <a:t> AES-GCM/ChaChaPoly (AEAD).</a:t>
+            </a:r>
             <a:endParaRPr lang="ru-RU" dirty="0"/>
           </a:p>
         </p:txBody>
@@ -7410,7 +7376,7 @@
     </p:spTree>
     <p:extLst>
       <p:ext uri="{BB962C8B-B14F-4D97-AF65-F5344CB8AC3E}">
-        <p14:creationId xmlns:p14="http://schemas.microsoft.com/office/powerpoint/2010/main" val="1498532797"/>
+        <p14:creationId xmlns:p14="http://schemas.microsoft.com/office/powerpoint/2010/main" val="3942615534"/>
       </p:ext>
     </p:extLst>
   </p:cSld>
@@ -7486,32 +7452,67 @@
           <a:bodyPr/>
           <a:lstStyle/>
           <a:p>
-            <a:r>
-              <a:rPr lang="ru-RU" dirty="0" smtClean="0"/>
-              <a:t>Каждый протокол состоит из шаблонов</a:t>
-            </a:r>
-          </a:p>
-          <a:p>
-            <a:r>
-              <a:rPr lang="ru-RU" dirty="0" smtClean="0"/>
-              <a:t>шаблон описываем передаваемые сообщения в виде одного или нескольких токенов</a:t>
-            </a:r>
-          </a:p>
-          <a:p>
-            <a:r>
-              <a:rPr lang="ru-RU" dirty="0" smtClean="0"/>
-              <a:t>Каждая сторона протокола обрабатывает последовательность токенов. Сначала постностью происходит обработка на передающей стороне.</a:t>
-            </a:r>
-            <a:r>
-              <a:rPr lang="en-US" dirty="0" smtClean="0"/>
-              <a:t> </a:t>
-            </a:r>
-          </a:p>
-          <a:p>
-            <a:r>
-              <a:rPr lang="ru-RU" dirty="0" smtClean="0"/>
-              <a:t>После каждого обработки каждой строки в паттерне отправителем может быть передано сообщение, для защиты которого используется текущий симметричный ключ, при его наличии</a:t>
-            </a:r>
+            <a:pPr marL="0" indent="0">
+              <a:buNone/>
+            </a:pPr>
+            <a:r>
+              <a:rPr lang="ru-RU" dirty="0" smtClean="0"/>
+              <a:t>2 основных этапа – согласование ключа и использование ключа в защищенном канале связи</a:t>
+            </a:r>
+          </a:p>
+          <a:p>
+            <a:pPr marL="0" indent="0">
+              <a:buNone/>
+            </a:pPr>
+            <a:endParaRPr lang="ru-RU" dirty="0"/>
+          </a:p>
+          <a:p>
+            <a:pPr marL="0" indent="0">
+              <a:buNone/>
+            </a:pPr>
+            <a:r>
+              <a:rPr lang="ru-RU" dirty="0" smtClean="0"/>
+              <a:t>Согласование ключа – Диффи-Хеллман + </a:t>
+            </a:r>
+            <a:r>
+              <a:rPr lang="en-US" dirty="0" smtClean="0"/>
+              <a:t>HKDF</a:t>
+            </a:r>
+            <a:endParaRPr lang="ru-RU" dirty="0" smtClean="0"/>
+          </a:p>
+          <a:p>
+            <a:pPr marL="0" indent="0">
+              <a:buNone/>
+            </a:pPr>
+            <a:endParaRPr lang="ru-RU" dirty="0"/>
+          </a:p>
+          <a:p>
+            <a:pPr marL="0" indent="0">
+              <a:buNone/>
+            </a:pPr>
+            <a:r>
+              <a:rPr lang="ru-RU" dirty="0" smtClean="0"/>
+              <a:t>Защищенный канал – </a:t>
+            </a:r>
+            <a:r>
+              <a:rPr lang="en-US" dirty="0" smtClean="0"/>
+              <a:t>AEAD </a:t>
+            </a:r>
+            <a:r>
+              <a:rPr lang="ru-RU" dirty="0" smtClean="0"/>
+              <a:t>шифрование</a:t>
+            </a:r>
+          </a:p>
+          <a:p>
+            <a:pPr marL="0" indent="0">
+              <a:buNone/>
+            </a:pPr>
+            <a:endParaRPr lang="ru-RU" dirty="0"/>
+          </a:p>
+          <a:p>
+            <a:pPr marL="0" indent="0">
+              <a:buNone/>
+            </a:pPr>
             <a:endParaRPr lang="ru-RU" dirty="0"/>
           </a:p>
         </p:txBody>
@@ -7542,7 +7543,7 @@
     </p:spTree>
     <p:extLst>
       <p:ext uri="{BB962C8B-B14F-4D97-AF65-F5344CB8AC3E}">
-        <p14:creationId xmlns:p14="http://schemas.microsoft.com/office/powerpoint/2010/main" val="3571717617"/>
+        <p14:creationId xmlns:p14="http://schemas.microsoft.com/office/powerpoint/2010/main" val="1498532797"/>
       </p:ext>
     </p:extLst>
   </p:cSld>
@@ -7593,7 +7594,7 @@
           <a:p>
             <a:r>
               <a:rPr lang="ru-RU" dirty="0" smtClean="0"/>
-              <a:t>Токены </a:t>
+              <a:t>Протоколы </a:t>
             </a:r>
             <a:r>
               <a:rPr lang="en-US" dirty="0" smtClean="0"/>
@@ -7615,165 +7616,35 @@
         </p:nvSpPr>
         <p:spPr/>
         <p:txBody>
-          <a:bodyPr>
-            <a:normAutofit fontScale="85000" lnSpcReduction="20000"/>
-          </a:bodyPr>
-          <a:lstStyle/>
-          <a:p>
-            <a:r>
-              <a:rPr lang="es-ES" dirty="0"/>
-              <a:t>"</a:t>
-            </a:r>
-            <a:r>
-              <a:rPr lang="es-ES" dirty="0" smtClean="0"/>
-              <a:t>e" –</a:t>
-            </a:r>
-            <a:r>
-              <a:rPr lang="ru-RU" dirty="0" smtClean="0"/>
-              <a:t> сгенерировать и передать эфемерный ключ Диффи-Хеллмана </a:t>
-            </a:r>
-            <a:r>
-              <a:rPr lang="en-US" dirty="0" smtClean="0"/>
-              <a:t>/ </a:t>
-            </a:r>
-            <a:r>
-              <a:rPr lang="ru-RU" dirty="0" smtClean="0"/>
-              <a:t>получить эфемерный ключ Диффи-Хеллмана</a:t>
-            </a:r>
-            <a:endParaRPr lang="es-ES" dirty="0" smtClean="0"/>
-          </a:p>
-          <a:p>
-            <a:r>
-              <a:rPr lang="es-ES" dirty="0" smtClean="0"/>
-              <a:t>"s"</a:t>
-            </a:r>
-            <a:r>
-              <a:rPr lang="ru-RU" dirty="0" smtClean="0"/>
-              <a:t> – передать статический </a:t>
-            </a:r>
-            <a:r>
-              <a:rPr lang="es-ES" dirty="0" smtClean="0"/>
+          <a:bodyPr/>
+          <a:lstStyle/>
+          <a:p>
+            <a:r>
+              <a:rPr lang="ru-RU" dirty="0" smtClean="0"/>
+              <a:t>Каждый протокол состоит из шаблонов</a:t>
+            </a:r>
+          </a:p>
+          <a:p>
+            <a:r>
+              <a:rPr lang="ru-RU" dirty="0" smtClean="0"/>
+              <a:t>шаблон описываем передаваемые сообщения в виде одного или нескольких токенов</a:t>
+            </a:r>
+          </a:p>
+          <a:p>
+            <a:r>
+              <a:rPr lang="ru-RU" dirty="0" smtClean="0"/>
+              <a:t>Каждая сторона протокола обрабатывает последовательность токенов. Сначала постностью происходит обработка на передающей стороне.</a:t>
+            </a:r>
+            <a:r>
+              <a:rPr lang="en-US" dirty="0" smtClean="0"/>
               <a:t> </a:t>
             </a:r>
-            <a:r>
-              <a:rPr lang="ru-RU" dirty="0"/>
-              <a:t>ключ Диффи-Хеллмана </a:t>
-            </a:r>
-            <a:r>
-              <a:rPr lang="en-US" dirty="0"/>
-              <a:t>/ </a:t>
-            </a:r>
-            <a:r>
-              <a:rPr lang="ru-RU" dirty="0"/>
-              <a:t>получить эфемерный ключ </a:t>
-            </a:r>
-            <a:r>
-              <a:rPr lang="ru-RU" dirty="0" smtClean="0"/>
-              <a:t>Диффи-Хеллмана</a:t>
-            </a:r>
-            <a:endParaRPr lang="es-ES" dirty="0" smtClean="0"/>
-          </a:p>
-          <a:p>
-            <a:r>
-              <a:rPr lang="es-ES" dirty="0" smtClean="0"/>
-              <a:t>"ee"</a:t>
-            </a:r>
-            <a:r>
-              <a:rPr lang="ru-RU" dirty="0" smtClean="0"/>
-              <a:t> – использовать свой эфемерный ключ и эфемерный ключ получателя для выработки симметричного ключа. Данный ключ используется для </a:t>
-            </a:r>
-            <a:r>
-              <a:rPr lang="en-US" dirty="0" smtClean="0"/>
-              <a:t>AEAD </a:t>
-            </a:r>
-            <a:r>
-              <a:rPr lang="ru-RU" dirty="0" smtClean="0"/>
-              <a:t>шифрование всех передаваемый в дальнейшем данных, пока не будет выработан новый ключ</a:t>
-            </a:r>
-            <a:endParaRPr lang="es-ES" dirty="0" smtClean="0"/>
-          </a:p>
-          <a:p>
-            <a:r>
-              <a:rPr lang="es-ES" dirty="0" smtClean="0"/>
-              <a:t>"</a:t>
-            </a:r>
-            <a:r>
-              <a:rPr lang="es-ES" dirty="0"/>
-              <a:t>es</a:t>
-            </a:r>
-            <a:r>
-              <a:rPr lang="es-ES" dirty="0" smtClean="0"/>
-              <a:t>",“se","</a:t>
-            </a:r>
-            <a:r>
-              <a:rPr lang="es-ES" dirty="0"/>
-              <a:t>ss</a:t>
-            </a:r>
-            <a:r>
-              <a:rPr lang="es-ES" dirty="0" smtClean="0"/>
-              <a:t>",</a:t>
-            </a:r>
-            <a:r>
-              <a:rPr lang="ru-RU" dirty="0" smtClean="0"/>
-              <a:t> </a:t>
-            </a:r>
-            <a:r>
-              <a:rPr lang="en-US" dirty="0" smtClean="0"/>
-              <a:t>- </a:t>
-            </a:r>
-            <a:r>
-              <a:rPr lang="ru-RU" dirty="0" smtClean="0"/>
-              <a:t>аналогично </a:t>
-            </a:r>
-            <a:r>
-              <a:rPr lang="en-US" dirty="0" smtClean="0"/>
-              <a:t>“ee”</a:t>
-            </a:r>
-            <a:r>
-              <a:rPr lang="ru-RU" dirty="0" smtClean="0"/>
-              <a:t>, но для комбинаций эфемерный-статический ключ. Первая буква в токене</a:t>
-            </a:r>
-            <a:r>
-              <a:rPr lang="ru-RU" dirty="0"/>
-              <a:t> </a:t>
-            </a:r>
-            <a:r>
-              <a:rPr lang="ru-RU" dirty="0" smtClean="0"/>
-              <a:t>означает ключ передающей стороны.</a:t>
-            </a:r>
-            <a:r>
-              <a:rPr lang="es-ES" dirty="0" smtClean="0"/>
-              <a:t> </a:t>
-            </a:r>
-          </a:p>
-          <a:p>
-            <a:r>
-              <a:rPr lang="es-ES" dirty="0" smtClean="0"/>
-              <a:t>"psk“</a:t>
-            </a:r>
-            <a:r>
-              <a:rPr lang="en-US" dirty="0" smtClean="0"/>
-              <a:t> – </a:t>
-            </a:r>
-            <a:r>
-              <a:rPr lang="ru-RU" dirty="0" smtClean="0"/>
-              <a:t>использование пред-согласованного симметрично ключа для выработки сессионного ключа. Полученный </a:t>
-            </a:r>
-            <a:r>
-              <a:rPr lang="ru-RU" dirty="0"/>
-              <a:t>ключ используется для </a:t>
-            </a:r>
-            <a:r>
-              <a:rPr lang="en-US" dirty="0"/>
-              <a:t>AEAD </a:t>
-            </a:r>
-            <a:r>
-              <a:rPr lang="ru-RU" dirty="0"/>
-              <a:t>шифрование всех передаваемый в дальнейшем данных, пока не будет выработан новый ключ</a:t>
-            </a:r>
-            <a:endParaRPr lang="es-ES" dirty="0"/>
-          </a:p>
-          <a:p>
+          </a:p>
+          <a:p>
+            <a:r>
+              <a:rPr lang="ru-RU" dirty="0" smtClean="0"/>
+              <a:t>После каждого обработки каждой строки в паттерне отправителем может быть передано сообщение, для защиты которого используется текущий симметричный ключ, при его наличии</a:t>
+            </a:r>
             <a:endParaRPr lang="ru-RU" dirty="0"/>
           </a:p>
         </p:txBody>
@@ -7804,7 +7675,7 @@
     </p:spTree>
     <p:extLst>
       <p:ext uri="{BB962C8B-B14F-4D97-AF65-F5344CB8AC3E}">
-        <p14:creationId xmlns:p14="http://schemas.microsoft.com/office/powerpoint/2010/main" val="936989132"/>
+        <p14:creationId xmlns:p14="http://schemas.microsoft.com/office/powerpoint/2010/main" val="3571717617"/>
       </p:ext>
     </p:extLst>
   </p:cSld>
@@ -7855,7 +7726,11 @@
           <a:p>
             <a:r>
               <a:rPr lang="ru-RU" dirty="0" smtClean="0"/>
-              <a:t>Пример Классический Диффи-Хеллман</a:t>
+              <a:t>Токены </a:t>
+            </a:r>
+            <a:r>
+              <a:rPr lang="en-US" dirty="0" smtClean="0"/>
+              <a:t>Noise</a:t>
             </a:r>
             <a:endParaRPr lang="ru-RU" dirty="0"/>
           </a:p>
@@ -7874,187 +7749,164 @@
         <p:spPr/>
         <p:txBody>
           <a:bodyPr>
-            <a:normAutofit fontScale="92500" lnSpcReduction="20000"/>
+            <a:normAutofit fontScale="85000" lnSpcReduction="20000"/>
           </a:bodyPr>
           <a:lstStyle/>
           <a:p>
             <a:r>
+              <a:rPr lang="es-ES" dirty="0"/>
+              <a:t>"</a:t>
+            </a:r>
+            <a:r>
+              <a:rPr lang="es-ES" dirty="0" smtClean="0"/>
+              <a:t>e" –</a:t>
+            </a:r>
+            <a:r>
+              <a:rPr lang="ru-RU" dirty="0" smtClean="0"/>
+              <a:t> сгенерировать и передать эфемерный ключ Диффи-Хеллмана </a:t>
+            </a:r>
+            <a:r>
+              <a:rPr lang="en-US" dirty="0" smtClean="0"/>
+              <a:t>/ </a:t>
+            </a:r>
+            <a:r>
+              <a:rPr lang="ru-RU" dirty="0" smtClean="0"/>
+              <a:t>получить эфемерный ключ Диффи-Хеллмана</a:t>
+            </a:r>
+            <a:endParaRPr lang="es-ES" dirty="0" smtClean="0"/>
+          </a:p>
+          <a:p>
+            <a:r>
+              <a:rPr lang="es-ES" dirty="0" smtClean="0"/>
+              <a:t>"s"</a:t>
+            </a:r>
+            <a:r>
+              <a:rPr lang="ru-RU" dirty="0" smtClean="0"/>
+              <a:t> – передать статический </a:t>
+            </a:r>
+            <a:r>
+              <a:rPr lang="es-ES" dirty="0" smtClean="0"/>
+              <a:t> </a:t>
+            </a:r>
+            <a:r>
+              <a:rPr lang="ru-RU" dirty="0"/>
+              <a:t>ключ Диффи-Хеллмана </a:t>
+            </a:r>
+            <a:r>
               <a:rPr lang="en-US" dirty="0"/>
-              <a:t>-&gt; </a:t>
-            </a:r>
-            <a:r>
-              <a:rPr lang="en-US" dirty="0" smtClean="0"/>
-              <a:t>e</a:t>
-            </a:r>
-            <a:endParaRPr lang="ru-RU" dirty="0" smtClean="0"/>
-          </a:p>
-          <a:p>
+              <a:t>/ </a:t>
+            </a:r>
+            <a:r>
+              <a:rPr lang="ru-RU" dirty="0"/>
+              <a:t>получить эфемерный ключ </a:t>
+            </a:r>
+            <a:r>
+              <a:rPr lang="ru-RU" dirty="0" smtClean="0"/>
+              <a:t>Диффи-Хеллмана</a:t>
+            </a:r>
+            <a:endParaRPr lang="es-ES" dirty="0" smtClean="0"/>
+          </a:p>
+          <a:p>
+            <a:r>
+              <a:rPr lang="es-ES" dirty="0" smtClean="0"/>
+              <a:t>"ee"</a:t>
+            </a:r>
+            <a:r>
+              <a:rPr lang="ru-RU" dirty="0" smtClean="0"/>
+              <a:t> – использовать свой эфемерный ключ и эфемерный ключ получателя для выработки симметричного ключа. Данный ключ используется для </a:t>
+            </a:r>
+            <a:r>
+              <a:rPr lang="en-US" dirty="0" smtClean="0"/>
+              <a:t>AEAD </a:t>
+            </a:r>
+            <a:r>
+              <a:rPr lang="ru-RU" dirty="0" smtClean="0"/>
+              <a:t>шифрование всех передаваемый в дальнейшем данных, пока не будет выработан новый ключ</a:t>
+            </a:r>
+            <a:endParaRPr lang="es-ES" dirty="0" smtClean="0"/>
+          </a:p>
+          <a:p>
+            <a:r>
+              <a:rPr lang="es-ES" dirty="0" smtClean="0"/>
+              <a:t>"</a:t>
+            </a:r>
+            <a:r>
+              <a:rPr lang="es-ES" dirty="0"/>
+              <a:t>es</a:t>
+            </a:r>
+            <a:r>
+              <a:rPr lang="es-ES" dirty="0" smtClean="0"/>
+              <a:t>",“se","</a:t>
+            </a:r>
+            <a:r>
+              <a:rPr lang="es-ES" dirty="0"/>
+              <a:t>ss</a:t>
+            </a:r>
+            <a:r>
+              <a:rPr lang="es-ES" dirty="0" smtClean="0"/>
+              <a:t>",</a:t>
+            </a:r>
+            <a:r>
+              <a:rPr lang="ru-RU" dirty="0" smtClean="0"/>
+              <a:t> </a:t>
+            </a:r>
+            <a:r>
+              <a:rPr lang="en-US" dirty="0" smtClean="0"/>
+              <a:t>- </a:t>
+            </a:r>
+            <a:r>
+              <a:rPr lang="ru-RU" dirty="0" smtClean="0"/>
+              <a:t>аналогично </a:t>
+            </a:r>
+            <a:r>
+              <a:rPr lang="en-US" dirty="0" smtClean="0"/>
+              <a:t>“ee”</a:t>
+            </a:r>
+            <a:r>
+              <a:rPr lang="ru-RU" dirty="0" smtClean="0"/>
+              <a:t>, но для комбинаций эфемерный-статический ключ. Первая буква в токене</a:t>
+            </a:r>
+            <a:r>
+              <a:rPr lang="ru-RU" dirty="0"/>
+              <a:t> </a:t>
+            </a:r>
+            <a:r>
+              <a:rPr lang="ru-RU" dirty="0" smtClean="0"/>
+              <a:t>означает ключ передающей стороны.</a:t>
+            </a:r>
+            <a:r>
+              <a:rPr lang="es-ES" dirty="0" smtClean="0"/>
+              <a:t> </a:t>
+            </a:r>
+          </a:p>
+          <a:p>
+            <a:r>
+              <a:rPr lang="es-ES" dirty="0" smtClean="0"/>
+              <a:t>"psk“</a:t>
+            </a:r>
+            <a:r>
+              <a:rPr lang="en-US" dirty="0" smtClean="0"/>
+              <a:t> – </a:t>
+            </a:r>
+            <a:r>
+              <a:rPr lang="ru-RU" dirty="0" smtClean="0"/>
+              <a:t>использование пред-согласованного симметрично ключа для выработки сессионного ключа. Полученный </a:t>
+            </a:r>
+            <a:r>
+              <a:rPr lang="ru-RU" dirty="0"/>
+              <a:t>ключ используется для </a:t>
+            </a:r>
             <a:r>
               <a:rPr lang="en-US" dirty="0"/>
-              <a:t>&lt;- e, </a:t>
-            </a:r>
-            <a:r>
-              <a:rPr lang="en-US" dirty="0" smtClean="0"/>
-              <a:t>ee</a:t>
-            </a:r>
-            <a:endParaRPr lang="ru-RU" dirty="0" smtClean="0"/>
-          </a:p>
-          <a:p>
-            <a:pPr marL="0" indent="0">
-              <a:buNone/>
-            </a:pPr>
-            <a:r>
-              <a:rPr lang="ru-RU" dirty="0" smtClean="0"/>
-              <a:t>Строка 1.</a:t>
-            </a:r>
-            <a:endParaRPr lang="ru-RU" dirty="0"/>
-          </a:p>
-          <a:p>
-            <a:pPr marL="0" indent="0">
-              <a:buNone/>
-            </a:pPr>
-            <a:r>
-              <a:rPr lang="ru-RU" dirty="0" smtClean="0"/>
-              <a:t>Шаг 1. Генерация и отправка эфемерного ключа </a:t>
-            </a:r>
-            <a:r>
-              <a:rPr lang="en-US" dirty="0" smtClean="0"/>
-              <a:t>Ae-&gt;B</a:t>
-            </a:r>
-          </a:p>
-          <a:p>
-            <a:pPr marL="0" indent="0">
-              <a:buNone/>
-            </a:pPr>
-            <a:r>
-              <a:rPr lang="ru-RU" dirty="0" smtClean="0"/>
-              <a:t>Шаг 2. Сторона </a:t>
-            </a:r>
-            <a:r>
-              <a:rPr lang="en-US" dirty="0" smtClean="0"/>
-              <a:t>B </a:t>
-            </a:r>
-            <a:r>
-              <a:rPr lang="ru-RU" dirty="0" smtClean="0"/>
-              <a:t>получает эфемерный ключ </a:t>
-            </a:r>
-            <a:r>
-              <a:rPr lang="en-US" dirty="0" smtClean="0"/>
-              <a:t>Ae</a:t>
-            </a:r>
-            <a:endParaRPr lang="ru-RU" dirty="0" smtClean="0"/>
-          </a:p>
-          <a:p>
-            <a:pPr marL="0" indent="0">
-              <a:buNone/>
-            </a:pPr>
-            <a:r>
-              <a:rPr lang="ru-RU" dirty="0" smtClean="0"/>
-              <a:t>Строка 2.</a:t>
-            </a:r>
-          </a:p>
-          <a:p>
-            <a:pPr marL="0" indent="0">
-              <a:buNone/>
-            </a:pPr>
-            <a:r>
-              <a:rPr lang="ru-RU" dirty="0" smtClean="0"/>
-              <a:t>Шаг 3. Генерация и отправка эфемерного ключа </a:t>
-            </a:r>
-            <a:r>
-              <a:rPr lang="en-US" dirty="0" smtClean="0"/>
-              <a:t>Be-&gt;A</a:t>
-            </a:r>
-            <a:endParaRPr lang="ru-RU" dirty="0" smtClean="0"/>
-          </a:p>
-          <a:p>
-            <a:pPr marL="0" indent="0">
-              <a:buNone/>
-            </a:pPr>
-            <a:r>
-              <a:rPr lang="ru-RU" dirty="0" smtClean="0"/>
-              <a:t>Шаг 4. Выработка сессионного ключа из </a:t>
-            </a:r>
-            <a:r>
-              <a:rPr lang="en-US" dirty="0" smtClean="0"/>
-              <a:t>Ae </a:t>
-            </a:r>
-            <a:r>
-              <a:rPr lang="ru-RU" dirty="0" smtClean="0"/>
-              <a:t>и </a:t>
-            </a:r>
-            <a:r>
-              <a:rPr lang="en-US" dirty="0" smtClean="0"/>
-              <a:t>Be </a:t>
-            </a:r>
-            <a:r>
-              <a:rPr lang="ru-RU" dirty="0" smtClean="0"/>
-              <a:t>на стороне </a:t>
-            </a:r>
-            <a:r>
-              <a:rPr lang="en-US" dirty="0" smtClean="0"/>
-              <a:t>B</a:t>
-            </a:r>
-            <a:endParaRPr lang="ru-RU" dirty="0" smtClean="0"/>
-          </a:p>
-          <a:p>
-            <a:pPr marL="0" indent="0">
-              <a:buNone/>
-            </a:pPr>
-            <a:r>
-              <a:rPr lang="ru-RU" dirty="0" smtClean="0"/>
-              <a:t>Шаг 5. Сторона </a:t>
-            </a:r>
-            <a:r>
-              <a:rPr lang="en-US" dirty="0" smtClean="0"/>
-              <a:t>A </a:t>
-            </a:r>
-            <a:r>
-              <a:rPr lang="ru-RU" dirty="0" smtClean="0"/>
-              <a:t>получает эфемерный ключ </a:t>
-            </a:r>
-            <a:r>
-              <a:rPr lang="en-US" dirty="0" smtClean="0"/>
-              <a:t>Bb</a:t>
-            </a:r>
-            <a:endParaRPr lang="ru-RU" dirty="0" smtClean="0"/>
-          </a:p>
-          <a:p>
-            <a:pPr marL="0" indent="0">
-              <a:buNone/>
-            </a:pPr>
-            <a:r>
-              <a:rPr lang="ru-RU" dirty="0" smtClean="0"/>
-              <a:t>Шаг 6. </a:t>
+              <a:t>AEAD </a:t>
             </a:r>
             <a:r>
               <a:rPr lang="ru-RU" dirty="0"/>
-              <a:t>Выработка сессионного ключа из </a:t>
-            </a:r>
-            <a:r>
-              <a:rPr lang="en-US" dirty="0"/>
-              <a:t>Ae </a:t>
-            </a:r>
-            <a:r>
-              <a:rPr lang="ru-RU" dirty="0"/>
-              <a:t>и </a:t>
-            </a:r>
-            <a:r>
-              <a:rPr lang="en-US" dirty="0"/>
-              <a:t>Be </a:t>
-            </a:r>
-            <a:r>
-              <a:rPr lang="ru-RU" dirty="0"/>
-              <a:t>на стороне </a:t>
-            </a:r>
-            <a:r>
-              <a:rPr lang="en-US" dirty="0"/>
-              <a:t>B</a:t>
-            </a:r>
-            <a:r>
-              <a:rPr lang="en-US" dirty="0" smtClean="0"/>
-              <a:t> </a:t>
-            </a:r>
+              <a:t>шифрование всех передаваемый в дальнейшем данных, пока не будет выработан новый ключ</a:t>
+            </a:r>
+            <a:endParaRPr lang="es-ES" dirty="0"/>
+          </a:p>
+          <a:p>
             <a:endParaRPr lang="ru-RU" dirty="0"/>
           </a:p>
         </p:txBody>
@@ -8085,7 +7937,7 @@
     </p:spTree>
     <p:extLst>
       <p:ext uri="{BB962C8B-B14F-4D97-AF65-F5344CB8AC3E}">
-        <p14:creationId xmlns:p14="http://schemas.microsoft.com/office/powerpoint/2010/main" val="2171713364"/>
+        <p14:creationId xmlns:p14="http://schemas.microsoft.com/office/powerpoint/2010/main" val="936989132"/>
       </p:ext>
     </p:extLst>
   </p:cSld>
@@ -8136,70 +7988,205 @@
           <a:p>
             <a:r>
               <a:rPr lang="ru-RU" dirty="0" smtClean="0"/>
-              <a:t>Пример Диффи-Хеллман с односторонней </a:t>
+              <a:t>Пример Классический Диффи-Хеллман</a:t>
+            </a:r>
+            <a:endParaRPr lang="ru-RU" dirty="0"/>
+          </a:p>
+        </p:txBody>
+      </p:sp>
+      <p:sp>
+        <p:nvSpPr>
+          <p:cNvPr id="3" name="Объект 2"/>
+          <p:cNvSpPr>
+            <a:spLocks noGrp="1"/>
+          </p:cNvSpPr>
+          <p:nvPr>
+            <p:ph idx="1"/>
+          </p:nvPr>
+        </p:nvSpPr>
+        <p:spPr/>
+        <p:txBody>
+          <a:bodyPr>
+            <a:normAutofit fontScale="92500" lnSpcReduction="20000"/>
+          </a:bodyPr>
+          <a:lstStyle/>
+          <a:p>
+            <a:r>
+              <a:rPr lang="en-US" dirty="0"/>
+              <a:t>-&gt; </a:t>
+            </a:r>
+            <a:r>
+              <a:rPr lang="en-US" dirty="0" smtClean="0"/>
+              <a:t>e</a:t>
+            </a:r>
+            <a:endParaRPr lang="ru-RU" dirty="0" smtClean="0"/>
+          </a:p>
+          <a:p>
+            <a:r>
+              <a:rPr lang="en-US" dirty="0"/>
+              <a:t>&lt;- e, </a:t>
+            </a:r>
+            <a:r>
+              <a:rPr lang="en-US" dirty="0" smtClean="0"/>
+              <a:t>ee</a:t>
+            </a:r>
+            <a:endParaRPr lang="ru-RU" dirty="0" smtClean="0"/>
+          </a:p>
+          <a:p>
+            <a:pPr marL="0" indent="0">
+              <a:buNone/>
+            </a:pPr>
+            <a:r>
+              <a:rPr lang="ru-RU" dirty="0" smtClean="0"/>
+              <a:t>Строка 1.</a:t>
+            </a:r>
+            <a:endParaRPr lang="ru-RU" dirty="0"/>
+          </a:p>
+          <a:p>
+            <a:pPr marL="0" indent="0">
+              <a:buNone/>
+            </a:pPr>
+            <a:r>
+              <a:rPr lang="ru-RU" dirty="0" smtClean="0"/>
+              <a:t>Шаг 1. Генерация и отправка эфемерного ключа </a:t>
+            </a:r>
+            <a:r>
+              <a:rPr lang="en-US" dirty="0" smtClean="0"/>
+              <a:t>Ae-&gt;B</a:t>
+            </a:r>
+          </a:p>
+          <a:p>
+            <a:pPr marL="0" indent="0">
+              <a:buNone/>
+            </a:pPr>
+            <a:r>
+              <a:rPr lang="ru-RU" dirty="0" smtClean="0"/>
+              <a:t>Шаг 2. Сторона </a:t>
+            </a:r>
+            <a:r>
+              <a:rPr lang="en-US" dirty="0" smtClean="0"/>
+              <a:t>B </a:t>
+            </a:r>
+            <a:r>
+              <a:rPr lang="ru-RU" dirty="0" smtClean="0"/>
+              <a:t>получает эфемерный ключ </a:t>
+            </a:r>
+            <a:r>
+              <a:rPr lang="en-US" dirty="0" smtClean="0"/>
+              <a:t>Ae</a:t>
+            </a:r>
+            <a:endParaRPr lang="ru-RU" dirty="0" smtClean="0"/>
+          </a:p>
+          <a:p>
+            <a:pPr marL="0" indent="0">
+              <a:buNone/>
+            </a:pPr>
+            <a:r>
+              <a:rPr lang="ru-RU" dirty="0" smtClean="0"/>
+              <a:t>Строка 2.</a:t>
+            </a:r>
+          </a:p>
+          <a:p>
+            <a:pPr marL="0" indent="0">
+              <a:buNone/>
+            </a:pPr>
+            <a:r>
+              <a:rPr lang="ru-RU" dirty="0" smtClean="0"/>
+              <a:t>Шаг 3. Генерация и отправка эфемерного ключа </a:t>
+            </a:r>
+            <a:r>
+              <a:rPr lang="en-US" dirty="0" smtClean="0"/>
+              <a:t>Be-&gt;A</a:t>
+            </a:r>
+            <a:endParaRPr lang="ru-RU" dirty="0" smtClean="0"/>
+          </a:p>
+          <a:p>
+            <a:pPr marL="0" indent="0">
+              <a:buNone/>
+            </a:pPr>
+            <a:r>
+              <a:rPr lang="ru-RU" dirty="0" smtClean="0"/>
+              <a:t>Шаг 4. Выработка сессионного ключа из </a:t>
+            </a:r>
+            <a:r>
+              <a:rPr lang="en-US" dirty="0" smtClean="0"/>
+              <a:t>Ae </a:t>
+            </a:r>
+            <a:r>
+              <a:rPr lang="ru-RU" dirty="0" smtClean="0"/>
+              <a:t>и </a:t>
+            </a:r>
+            <a:r>
+              <a:rPr lang="en-US" dirty="0" smtClean="0"/>
+              <a:t>Be </a:t>
+            </a:r>
+            <a:r>
+              <a:rPr lang="ru-RU" dirty="0" smtClean="0"/>
+              <a:t>на стороне </a:t>
+            </a:r>
+            <a:r>
+              <a:rPr lang="en-US" dirty="0" smtClean="0"/>
+              <a:t>B</a:t>
+            </a:r>
+            <a:endParaRPr lang="ru-RU" dirty="0" smtClean="0"/>
+          </a:p>
+          <a:p>
+            <a:pPr marL="0" indent="0">
+              <a:buNone/>
+            </a:pPr>
+            <a:r>
+              <a:rPr lang="ru-RU" dirty="0" smtClean="0"/>
+              <a:t>Шаг 5. Сторона </a:t>
+            </a:r>
+            <a:r>
+              <a:rPr lang="en-US" dirty="0" smtClean="0"/>
+              <a:t>A </a:t>
+            </a:r>
+            <a:r>
+              <a:rPr lang="ru-RU" dirty="0" smtClean="0"/>
+              <a:t>получает эфемерный ключ </a:t>
+            </a:r>
+            <a:r>
+              <a:rPr lang="en-US" dirty="0" smtClean="0"/>
+              <a:t>Bb</a:t>
+            </a:r>
+            <a:endParaRPr lang="ru-RU" dirty="0" smtClean="0"/>
+          </a:p>
+          <a:p>
+            <a:pPr marL="0" indent="0">
+              <a:buNone/>
+            </a:pPr>
+            <a:r>
+              <a:rPr lang="ru-RU" dirty="0" smtClean="0"/>
+              <a:t>Шаг 6. </a:t>
             </a:r>
             <a:r>
               <a:rPr lang="ru-RU" dirty="0"/>
-              <a:t>и двухсторонней </a:t>
-            </a:r>
-            <a:r>
-              <a:rPr lang="ru-RU" dirty="0" smtClean="0"/>
-              <a:t>аутентификацией</a:t>
-            </a:r>
-            <a:endParaRPr lang="ru-RU" dirty="0"/>
-          </a:p>
-        </p:txBody>
-      </p:sp>
-      <p:sp>
-        <p:nvSpPr>
-          <p:cNvPr id="3" name="Объект 2"/>
-          <p:cNvSpPr>
-            <a:spLocks noGrp="1"/>
-          </p:cNvSpPr>
-          <p:nvPr>
-            <p:ph idx="1"/>
-          </p:nvPr>
-        </p:nvSpPr>
-        <p:spPr/>
-        <p:txBody>
-          <a:bodyPr/>
-          <a:lstStyle/>
-          <a:p>
+              <a:t>Выработка сессионного ключа из </a:t>
+            </a:r>
             <a:r>
               <a:rPr lang="en-US" dirty="0"/>
-              <a:t>-&gt; e</a:t>
-            </a:r>
-          </a:p>
-          <a:p>
+              <a:t>Ae </a:t>
+            </a:r>
+            <a:r>
+              <a:rPr lang="ru-RU" dirty="0"/>
+              <a:t>и </a:t>
+            </a:r>
             <a:r>
               <a:rPr lang="en-US" dirty="0"/>
-              <a:t>&lt;- e, ee, s, </a:t>
-            </a:r>
-            <a:r>
-              <a:rPr lang="en-US" dirty="0" smtClean="0"/>
-              <a:t>es</a:t>
-            </a:r>
-            <a:endParaRPr lang="ru-RU" dirty="0" smtClean="0"/>
-          </a:p>
-          <a:p>
-            <a:endParaRPr lang="ru-RU" dirty="0"/>
-          </a:p>
-          <a:p>
-            <a:r>
-              <a:rPr lang="pt-BR" dirty="0"/>
-              <a:t>-&gt; e</a:t>
-            </a:r>
-          </a:p>
-          <a:p>
-            <a:r>
-              <a:rPr lang="pt-BR" dirty="0"/>
-              <a:t>&lt;- e, ee, s, es</a:t>
-            </a:r>
-          </a:p>
-          <a:p>
-            <a:r>
-              <a:rPr lang="pt-BR" dirty="0"/>
-              <a:t>-&gt; s, se</a:t>
+              <a:t>Be </a:t>
+            </a:r>
+            <a:r>
+              <a:rPr lang="ru-RU" dirty="0"/>
+              <a:t>на стороне </a:t>
+            </a:r>
+            <a:r>
+              <a:rPr lang="en-US" dirty="0"/>
+              <a:t>B</a:t>
+            </a:r>
+            <a:r>
+              <a:rPr lang="en-US" dirty="0" smtClean="0"/>
+              <a:t> </a:t>
             </a:r>
             <a:endParaRPr lang="ru-RU" dirty="0"/>
           </a:p>
@@ -8231,7 +8218,7 @@
     </p:spTree>
     <p:extLst>
       <p:ext uri="{BB962C8B-B14F-4D97-AF65-F5344CB8AC3E}">
-        <p14:creationId xmlns:p14="http://schemas.microsoft.com/office/powerpoint/2010/main" val="3468592769"/>
+        <p14:creationId xmlns:p14="http://schemas.microsoft.com/office/powerpoint/2010/main" val="2171713364"/>
       </p:ext>
     </p:extLst>
   </p:cSld>
@@ -8873,7 +8860,15 @@
           <a:p>
             <a:r>
               <a:rPr lang="ru-RU" dirty="0" smtClean="0"/>
-              <a:t>Именование паттернов</a:t>
+              <a:t>Пример Диффи-Хеллман с односторонней </a:t>
+            </a:r>
+            <a:r>
+              <a:rPr lang="ru-RU" dirty="0"/>
+              <a:t>и двухсторонней </a:t>
+            </a:r>
+            <a:r>
+              <a:rPr lang="ru-RU" dirty="0" smtClean="0"/>
+              <a:t>аутентификацией</a:t>
             </a:r>
             <a:endParaRPr lang="ru-RU" dirty="0"/>
           </a:p>
@@ -8891,77 +8886,46 @@
         </p:nvSpPr>
         <p:spPr/>
         <p:txBody>
-          <a:bodyPr>
-            <a:normAutofit lnSpcReduction="10000"/>
-          </a:bodyPr>
-          <a:lstStyle/>
-          <a:p>
-            <a:pPr marL="0" indent="0">
-              <a:buNone/>
-            </a:pPr>
-            <a:r>
-              <a:rPr lang="ru-RU" dirty="0"/>
-              <a:t>Односторонние шаблоны реализуют неинтерактивное согласование ключа, при котором инициатор передаёт единственное сообщение </a:t>
-            </a:r>
-            <a:endParaRPr lang="en-US" dirty="0" smtClean="0"/>
-          </a:p>
-          <a:p>
-            <a:pPr marL="0" indent="0">
-              <a:buNone/>
-            </a:pPr>
+          <a:bodyPr/>
+          <a:lstStyle/>
+          <a:p>
             <a:r>
               <a:rPr lang="en-US" dirty="0"/>
-              <a:t>A():</a:t>
-            </a:r>
-          </a:p>
-          <a:p>
-            <a:pPr marL="0" indent="0">
-              <a:buNone/>
-            </a:pPr>
-            <a:r>
-              <a:rPr lang="en-US" dirty="0" smtClean="0"/>
-              <a:t>&lt;</a:t>
-            </a:r>
+              <a:t>-&gt; e</a:t>
+            </a:r>
+          </a:p>
+          <a:p>
             <a:r>
               <a:rPr lang="en-US" dirty="0"/>
-              <a:t>pre-messages&gt;</a:t>
-            </a:r>
-          </a:p>
-          <a:p>
-            <a:pPr marL="0" indent="0">
-              <a:buNone/>
-            </a:pPr>
-            <a:r>
-              <a:rPr lang="en-US" dirty="0" smtClean="0"/>
-              <a:t>...</a:t>
-            </a:r>
-            <a:endParaRPr lang="en-US" dirty="0"/>
-          </a:p>
-          <a:p>
-            <a:pPr marL="0" indent="0">
-              <a:buNone/>
-            </a:pPr>
-            <a:r>
-              <a:rPr lang="en-US" dirty="0" smtClean="0"/>
-              <a:t>&lt;</a:t>
-            </a:r>
-            <a:r>
-              <a:rPr lang="en-US" dirty="0"/>
-              <a:t>messages</a:t>
-            </a:r>
-            <a:r>
-              <a:rPr lang="en-US" dirty="0" smtClean="0"/>
-              <a:t>&gt;</a:t>
-            </a:r>
-          </a:p>
-          <a:p>
-            <a:pPr marL="0" indent="0">
-              <a:buNone/>
-            </a:pPr>
-            <a:r>
-              <a:rPr lang="ru-RU" dirty="0"/>
-              <a:t>где A - имя шаблона, pre-message - сообщения, передаваемые в шаблоне пред-сообщения, message - сообщения передаваемые в шаблоне сообщения.</a:t>
-            </a:r>
+              <a:t>&lt;- e, ee, s, </a:t>
+            </a:r>
+            <a:r>
+              <a:rPr lang="en-US" dirty="0" smtClean="0"/>
+              <a:t>es</a:t>
+            </a:r>
+            <a:endParaRPr lang="ru-RU" dirty="0" smtClean="0"/>
+          </a:p>
+          <a:p>
+            <a:endParaRPr lang="ru-RU" dirty="0"/>
+          </a:p>
+          <a:p>
+            <a:r>
+              <a:rPr lang="pt-BR" dirty="0"/>
+              <a:t>-&gt; e</a:t>
+            </a:r>
+          </a:p>
+          <a:p>
+            <a:r>
+              <a:rPr lang="pt-BR" dirty="0"/>
+              <a:t>&lt;- e, ee, s, es</a:t>
+            </a:r>
+          </a:p>
+          <a:p>
+            <a:r>
+              <a:rPr lang="pt-BR" dirty="0"/>
+              <a:t>-&gt; s, se</a:t>
+            </a:r>
+            <a:endParaRPr lang="ru-RU" dirty="0"/>
           </a:p>
         </p:txBody>
       </p:sp>
@@ -8991,7 +8955,7 @@
     </p:spTree>
     <p:extLst>
       <p:ext uri="{BB962C8B-B14F-4D97-AF65-F5344CB8AC3E}">
-        <p14:creationId xmlns:p14="http://schemas.microsoft.com/office/powerpoint/2010/main" val="1031651260"/>
+        <p14:creationId xmlns:p14="http://schemas.microsoft.com/office/powerpoint/2010/main" val="3468592769"/>
       </p:ext>
     </p:extLst>
   </p:cSld>
@@ -9041,139 +9005,96 @@
           <a:lstStyle/>
           <a:p>
             <a:r>
+              <a:rPr lang="ru-RU" dirty="0" smtClean="0"/>
+              <a:t>Именование паттернов</a:t>
+            </a:r>
+            <a:endParaRPr lang="ru-RU" dirty="0"/>
+          </a:p>
+        </p:txBody>
+      </p:sp>
+      <p:sp>
+        <p:nvSpPr>
+          <p:cNvPr id="3" name="Объект 2"/>
+          <p:cNvSpPr>
+            <a:spLocks noGrp="1"/>
+          </p:cNvSpPr>
+          <p:nvPr>
+            <p:ph idx="1"/>
+          </p:nvPr>
+        </p:nvSpPr>
+        <p:spPr/>
+        <p:txBody>
+          <a:bodyPr>
+            <a:normAutofit lnSpcReduction="10000"/>
+          </a:bodyPr>
+          <a:lstStyle/>
+          <a:p>
+            <a:pPr marL="0" indent="0">
+              <a:buNone/>
+            </a:pPr>
+            <a:r>
               <a:rPr lang="ru-RU" dirty="0"/>
-              <a:t>Именование </a:t>
-            </a:r>
-            <a:r>
-              <a:rPr lang="ru-RU" dirty="0" smtClean="0"/>
-              <a:t>Шаблонов</a:t>
-            </a:r>
-            <a:endParaRPr lang="ru-RU" dirty="0"/>
-          </a:p>
-        </p:txBody>
-      </p:sp>
-      <p:sp>
-        <p:nvSpPr>
-          <p:cNvPr id="3" name="Объект 2"/>
-          <p:cNvSpPr>
-            <a:spLocks noGrp="1"/>
-          </p:cNvSpPr>
-          <p:nvPr>
-            <p:ph idx="1"/>
-          </p:nvPr>
-        </p:nvSpPr>
-        <p:spPr/>
-        <p:txBody>
-          <a:bodyPr>
-            <a:normAutofit fontScale="85000" lnSpcReduction="20000"/>
-          </a:bodyPr>
-          <a:lstStyle/>
-          <a:p>
+              <a:t>Односторонние шаблоны реализуют неинтерактивное согласование ключа, при котором инициатор передаёт единственное сообщение </a:t>
+            </a:r>
+            <a:endParaRPr lang="en-US" dirty="0" smtClean="0"/>
+          </a:p>
+          <a:p>
+            <a:pPr marL="0" indent="0">
+              <a:buNone/>
+            </a:pPr>
+            <a:r>
+              <a:rPr lang="en-US" dirty="0"/>
+              <a:t>A():</a:t>
+            </a:r>
+          </a:p>
+          <a:p>
+            <a:pPr marL="0" indent="0">
+              <a:buNone/>
+            </a:pPr>
+            <a:r>
+              <a:rPr lang="en-US" dirty="0" smtClean="0"/>
+              <a:t>&lt;</a:t>
+            </a:r>
+            <a:r>
+              <a:rPr lang="en-US" dirty="0"/>
+              <a:t>pre-messages&gt;</a:t>
+            </a:r>
+          </a:p>
+          <a:p>
+            <a:pPr marL="0" indent="0">
+              <a:buNone/>
+            </a:pPr>
+            <a:r>
+              <a:rPr lang="en-US" dirty="0" smtClean="0"/>
+              <a:t>...</a:t>
+            </a:r>
+            <a:endParaRPr lang="en-US" dirty="0"/>
+          </a:p>
+          <a:p>
+            <a:pPr marL="0" indent="0">
+              <a:buNone/>
+            </a:pPr>
+            <a:r>
+              <a:rPr lang="en-US" dirty="0" smtClean="0"/>
+              <a:t>&lt;</a:t>
+            </a:r>
+            <a:r>
+              <a:rPr lang="en-US" dirty="0"/>
+              <a:t>messages</a:t>
+            </a:r>
+            <a:r>
+              <a:rPr lang="en-US" dirty="0" smtClean="0"/>
+              <a:t>&gt;</a:t>
+            </a:r>
+          </a:p>
+          <a:p>
+            <a:pPr marL="0" indent="0">
+              <a:buNone/>
+            </a:pPr>
             <a:r>
               <a:rPr lang="ru-RU" dirty="0"/>
-              <a:t>N: отсутствие статического ключа инициатора </a:t>
-            </a:r>
-          </a:p>
-          <a:p>
-            <a:r>
-              <a:rPr lang="ru-RU" dirty="0"/>
-              <a:t>K: статический ключ инициатора известен получателю </a:t>
-            </a:r>
-          </a:p>
-          <a:p>
-            <a:r>
-              <a:rPr lang="ru-RU" dirty="0"/>
-              <a:t>X: статический ключ инициатора передаётся </a:t>
-            </a:r>
-            <a:r>
-              <a:rPr lang="ru-RU" dirty="0" smtClean="0"/>
-              <a:t>получателю</a:t>
-            </a:r>
-            <a:endParaRPr lang="en-US" dirty="0" smtClean="0"/>
-          </a:p>
-          <a:p>
-            <a:pPr marL="0" indent="0">
-              <a:buNone/>
-            </a:pPr>
-            <a:r>
-              <a:rPr lang="ru-RU" dirty="0"/>
-              <a:t>Токены "s", "e", "e, s" внутри скобок означают что инициатор инициирован со следующими статическими / эфемерными ключами. Токены "rs", "re","</a:t>
-            </a:r>
-            <a:r>
-              <a:rPr lang="ru-RU" dirty="0" smtClean="0"/>
-              <a:t>re</a:t>
-            </a:r>
-            <a:r>
-              <a:rPr lang="en-US" dirty="0" smtClean="0"/>
-              <a:t>”</a:t>
-            </a:r>
-            <a:r>
-              <a:rPr lang="ru-RU" dirty="0" smtClean="0"/>
-              <a:t>, </a:t>
-            </a:r>
-            <a:r>
-              <a:rPr lang="en-US" dirty="0" smtClean="0"/>
-              <a:t>“</a:t>
-            </a:r>
-            <a:r>
-              <a:rPr lang="ru-RU" dirty="0" smtClean="0"/>
-              <a:t>rs</a:t>
-            </a:r>
-            <a:r>
-              <a:rPr lang="ru-RU" dirty="0"/>
-              <a:t>" обозначают инициатор инициирован со знанием следующих открытых статических / эфемерных ключей получателя.  </a:t>
-            </a:r>
-            <a:endParaRPr lang="en-US" dirty="0" smtClean="0"/>
-          </a:p>
-          <a:p>
-            <a:pPr marL="0" indent="0">
-              <a:buNone/>
-            </a:pPr>
-            <a:r>
-              <a:rPr lang="ru-RU" dirty="0" smtClean="0"/>
-              <a:t>Пример</a:t>
-            </a:r>
-            <a:r>
-              <a:rPr lang="en-US" dirty="0" smtClean="0"/>
-              <a:t>:</a:t>
-            </a:r>
-          </a:p>
-          <a:p>
-            <a:pPr marL="0" indent="0">
-              <a:buNone/>
-            </a:pPr>
-            <a:r>
-              <a:rPr lang="en-US" dirty="0"/>
-              <a:t>N(rs):</a:t>
-            </a:r>
-          </a:p>
-          <a:p>
-            <a:pPr marL="0" indent="0">
-              <a:buNone/>
-            </a:pPr>
-            <a:r>
-              <a:rPr lang="en-US" dirty="0"/>
-              <a:t>&lt;- s</a:t>
-            </a:r>
-          </a:p>
-          <a:p>
-            <a:pPr marL="0" indent="0">
-              <a:buNone/>
-            </a:pPr>
-            <a:r>
-              <a:rPr lang="en-US" dirty="0"/>
-              <a:t>...</a:t>
-            </a:r>
-          </a:p>
-          <a:p>
-            <a:pPr marL="0" indent="0">
-              <a:buNone/>
-            </a:pPr>
-            <a:r>
-              <a:rPr lang="en-US" dirty="0"/>
-              <a:t>-&gt; e, es</a:t>
-            </a:r>
-            <a:endParaRPr lang="ru-RU" dirty="0"/>
+              <a:t>где A - имя шаблона, pre-message - сообщения, передаваемые в шаблоне пред-сообщения, message - сообщения передаваемые в шаблоне сообщения.</a:t>
+            </a:r>
           </a:p>
         </p:txBody>
       </p:sp>
@@ -9203,7 +9124,7 @@
     </p:spTree>
     <p:extLst>
       <p:ext uri="{BB962C8B-B14F-4D97-AF65-F5344CB8AC3E}">
-        <p14:creationId xmlns:p14="http://schemas.microsoft.com/office/powerpoint/2010/main" val="4153657038"/>
+        <p14:creationId xmlns:p14="http://schemas.microsoft.com/office/powerpoint/2010/main" val="1031651260"/>
       </p:ext>
     </p:extLst>
   </p:cSld>
@@ -9258,7 +9179,7 @@
             </a:r>
             <a:r>
               <a:rPr lang="ru-RU" dirty="0" smtClean="0"/>
-              <a:t>шаблонов</a:t>
+              <a:t>Шаблонов</a:t>
             </a:r>
             <a:endParaRPr lang="ru-RU" dirty="0"/>
           </a:p>
@@ -9277,16 +9198,63 @@
         <p:spPr/>
         <p:txBody>
           <a:bodyPr>
-            <a:normAutofit lnSpcReduction="10000"/>
+            <a:normAutofit fontScale="85000" lnSpcReduction="20000"/>
           </a:bodyPr>
           <a:lstStyle/>
           <a:p>
+            <a:r>
+              <a:rPr lang="ru-RU" dirty="0"/>
+              <a:t>N: отсутствие статического ключа инициатора </a:t>
+            </a:r>
+          </a:p>
+          <a:p>
+            <a:r>
+              <a:rPr lang="ru-RU" dirty="0"/>
+              <a:t>K: статический ключ инициатора известен получателю </a:t>
+            </a:r>
+          </a:p>
+          <a:p>
+            <a:r>
+              <a:rPr lang="ru-RU" dirty="0"/>
+              <a:t>X: статический ключ инициатора передаётся </a:t>
+            </a:r>
+            <a:r>
+              <a:rPr lang="ru-RU" dirty="0" smtClean="0"/>
+              <a:t>получателю</a:t>
+            </a:r>
+            <a:endParaRPr lang="en-US" dirty="0" smtClean="0"/>
+          </a:p>
+          <a:p>
             <a:pPr marL="0" indent="0">
               <a:buNone/>
             </a:pPr>
             <a:r>
               <a:rPr lang="ru-RU" dirty="0"/>
-              <a:t>Интерактивные шаблоны состоят из одного или нескольких шаблонов сообщений, передаваемых между получателем и инициатором. </a:t>
+              <a:t>Токены "s", "e", "e, s" внутри скобок означают что инициатор инициирован со следующими статическими / эфемерными ключами. Токены "rs", "re","</a:t>
+            </a:r>
+            <a:r>
+              <a:rPr lang="ru-RU" dirty="0" smtClean="0"/>
+              <a:t>re</a:t>
+            </a:r>
+            <a:r>
+              <a:rPr lang="en-US" dirty="0" smtClean="0"/>
+              <a:t>”</a:t>
+            </a:r>
+            <a:r>
+              <a:rPr lang="ru-RU" dirty="0" smtClean="0"/>
+              <a:t>, </a:t>
+            </a:r>
+            <a:r>
+              <a:rPr lang="en-US" dirty="0" smtClean="0"/>
+              <a:t>“</a:t>
+            </a:r>
+            <a:r>
+              <a:rPr lang="ru-RU" dirty="0" smtClean="0"/>
+              <a:t>rs</a:t>
+            </a:r>
+            <a:r>
+              <a:rPr lang="ru-RU" dirty="0"/>
+              <a:t>" обозначают инициатор инициирован со знанием следующих открытых статических / эфемерных ключей получателя.  </a:t>
             </a:r>
             <a:endParaRPr lang="en-US" dirty="0" smtClean="0"/>
           </a:p>
@@ -9295,8 +9263,21 @@
               <a:buNone/>
             </a:pPr>
             <a:r>
+              <a:rPr lang="ru-RU" dirty="0" smtClean="0"/>
+              <a:t>Пример</a:t>
+            </a:r>
+            <a:r>
+              <a:rPr lang="en-US" dirty="0" smtClean="0"/>
+              <a:t>:</a:t>
+            </a:r>
+          </a:p>
+          <a:p>
+            <a:pPr marL="0" indent="0">
+              <a:buNone/>
+            </a:pPr>
+            <a:r>
               <a:rPr lang="en-US" dirty="0"/>
-              <a:t> AA():</a:t>
+              <a:t>N(rs):</a:t>
             </a:r>
           </a:p>
           <a:p>
@@ -9305,7 +9286,7 @@
             </a:pPr>
             <a:r>
               <a:rPr lang="en-US" dirty="0"/>
-              <a:t>  &lt;pre-messages&gt;</a:t>
+              <a:t>&lt;- s</a:t>
             </a:r>
           </a:p>
           <a:p>
@@ -9314,7 +9295,7 @@
             </a:pPr>
             <a:r>
               <a:rPr lang="en-US" dirty="0"/>
-              <a:t>  ...</a:t>
+              <a:t>...</a:t>
             </a:r>
           </a:p>
           <a:p>
@@ -9323,21 +9304,9 @@
             </a:pPr>
             <a:r>
               <a:rPr lang="en-US" dirty="0"/>
-              <a:t>  &lt;messages</a:t>
-            </a:r>
-            <a:r>
-              <a:rPr lang="en-US" dirty="0" smtClean="0"/>
-              <a:t>&gt;</a:t>
-            </a:r>
-          </a:p>
-          <a:p>
-            <a:pPr marL="0" indent="0">
-              <a:buNone/>
-            </a:pPr>
-            <a:r>
-              <a:rPr lang="ru-RU" dirty="0"/>
-              <a:t>где AA - имя шаблона, pre-message - сообщения, передаваемые в шаблоне пред-сообщения, message - сообщения передаваемые в шаблоне. </a:t>
-            </a:r>
+              <a:t>-&gt; e, es</a:t>
+            </a:r>
+            <a:endParaRPr lang="ru-RU" dirty="0"/>
           </a:p>
         </p:txBody>
       </p:sp>
@@ -9367,7 +9336,7 @@
     </p:spTree>
     <p:extLst>
       <p:ext uri="{BB962C8B-B14F-4D97-AF65-F5344CB8AC3E}">
-        <p14:creationId xmlns:p14="http://schemas.microsoft.com/office/powerpoint/2010/main" val="3224402696"/>
+        <p14:creationId xmlns:p14="http://schemas.microsoft.com/office/powerpoint/2010/main" val="4153657038"/>
       </p:ext>
     </p:extLst>
   </p:cSld>
@@ -9441,7 +9410,7 @@
         <p:spPr/>
         <p:txBody>
           <a:bodyPr>
-            <a:normAutofit fontScale="85000" lnSpcReduction="20000"/>
+            <a:normAutofit lnSpcReduction="10000"/>
           </a:bodyPr>
           <a:lstStyle/>
           <a:p>
@@ -9450,70 +9419,58 @@
             </a:pPr>
             <a:r>
               <a:rPr lang="ru-RU" dirty="0"/>
-              <a:t>Первая буква в имени шаблона определяет статический ключ инициатора, и может принимать одно из следующих значений: </a:t>
-            </a:r>
-          </a:p>
-          <a:p>
+              <a:t>Интерактивные шаблоны состоят из одного или нескольких шаблонов сообщений, передаваемых между получателем и инициатором. </a:t>
+            </a:r>
+            <a:endParaRPr lang="en-US" dirty="0" smtClean="0"/>
+          </a:p>
+          <a:p>
+            <a:pPr marL="0" indent="0">
+              <a:buNone/>
+            </a:pPr>
+            <a:r>
+              <a:rPr lang="en-US" dirty="0"/>
+              <a:t> AA():</a:t>
+            </a:r>
+          </a:p>
+          <a:p>
+            <a:pPr marL="0" indent="0">
+              <a:buNone/>
+            </a:pPr>
+            <a:r>
+              <a:rPr lang="en-US" dirty="0"/>
+              <a:t>  &lt;pre-messages&gt;</a:t>
+            </a:r>
+          </a:p>
+          <a:p>
+            <a:pPr marL="0" indent="0">
+              <a:buNone/>
+            </a:pPr>
+            <a:r>
+              <a:rPr lang="en-US" dirty="0"/>
+              <a:t>  ...</a:t>
+            </a:r>
+          </a:p>
+          <a:p>
+            <a:pPr marL="0" indent="0">
+              <a:buNone/>
+            </a:pPr>
+            <a:r>
+              <a:rPr lang="en-US" dirty="0"/>
+              <a:t>  &lt;messages</a:t>
+            </a:r>
+            <a:r>
+              <a:rPr lang="en-US" dirty="0" smtClean="0"/>
+              <a:t>&gt;</a:t>
+            </a:r>
+          </a:p>
+          <a:p>
+            <a:pPr marL="0" indent="0">
+              <a:buNone/>
+            </a:pPr>
             <a:r>
               <a:rPr lang="ru-RU" dirty="0"/>
-              <a:t>N: отсутствие статического ключа инициатора </a:t>
-            </a:r>
-          </a:p>
-          <a:p>
-            <a:r>
-              <a:rPr lang="ru-RU" dirty="0"/>
-              <a:t>K: статический ключ инициатора известен получателю </a:t>
-            </a:r>
-          </a:p>
-          <a:p>
-            <a:r>
-              <a:rPr lang="ru-RU" dirty="0"/>
-              <a:t>X: Статический ключ инициатора передаётся получателю </a:t>
-            </a:r>
-          </a:p>
-          <a:p>
-            <a:r>
-              <a:rPr lang="ru-RU" dirty="0"/>
-              <a:t>I: Статический ключ инициатора немедленно передаётся получателю, даже в условиях </a:t>
-            </a:r>
-            <a:r>
-              <a:rPr lang="ru-RU" dirty="0" smtClean="0"/>
-              <a:t>отсутствия </a:t>
-            </a:r>
-            <a:r>
-              <a:rPr lang="ru-RU" dirty="0"/>
-              <a:t>зашиты идентичности. </a:t>
-            </a:r>
-          </a:p>
-          <a:p>
-            <a:pPr marL="0" indent="0">
-              <a:buNone/>
-            </a:pPr>
-            <a:r>
-              <a:rPr lang="ru-RU" dirty="0"/>
-              <a:t>Вторая буква в имени шаблона определяет статический ключ получателя, и может принимать одно из следующих значений: </a:t>
-            </a:r>
-          </a:p>
-          <a:p>
-            <a:r>
-              <a:rPr lang="ru-RU" dirty="0"/>
-              <a:t>N: отсутствие статического ключа получателя </a:t>
-            </a:r>
-          </a:p>
-          <a:p>
-            <a:r>
-              <a:rPr lang="ru-RU" dirty="0"/>
-              <a:t>K: статический ключ получателя известен инициатору </a:t>
-            </a:r>
-          </a:p>
-          <a:p>
-            <a:r>
-              <a:rPr lang="ru-RU" dirty="0"/>
-              <a:t>X: статический ключ получателя передаётся инициатору. </a:t>
-            </a:r>
-          </a:p>
-          <a:p>
-            <a:endParaRPr lang="ru-RU" dirty="0"/>
+              <a:t>где AA - имя шаблона, pre-message - сообщения, передаваемые в шаблоне пред-сообщения, message - сообщения передаваемые в шаблоне. </a:t>
+            </a:r>
           </a:p>
         </p:txBody>
       </p:sp>
@@ -9543,7 +9500,7 @@
     </p:spTree>
     <p:extLst>
       <p:ext uri="{BB962C8B-B14F-4D97-AF65-F5344CB8AC3E}">
-        <p14:creationId xmlns:p14="http://schemas.microsoft.com/office/powerpoint/2010/main" val="3551687805"/>
+        <p14:creationId xmlns:p14="http://schemas.microsoft.com/office/powerpoint/2010/main" val="3224402696"/>
       </p:ext>
     </p:extLst>
   </p:cSld>
@@ -9594,8 +9551,13 @@
           <a:p>
             <a:r>
               <a:rPr lang="ru-RU" dirty="0"/>
-              <a:t>Именование паттернов</a:t>
-            </a:r>
+              <a:t>Именование </a:t>
+            </a:r>
+            <a:r>
+              <a:rPr lang="ru-RU" dirty="0" smtClean="0"/>
+              <a:t>шаблонов</a:t>
+            </a:r>
+            <a:endParaRPr lang="ru-RU" dirty="0"/>
           </a:p>
         </p:txBody>
       </p:sp>
@@ -9611,62 +9573,79 @@
         </p:nvSpPr>
         <p:spPr/>
         <p:txBody>
-          <a:bodyPr/>
+          <a:bodyPr>
+            <a:normAutofit fontScale="85000" lnSpcReduction="20000"/>
+          </a:bodyPr>
           <a:lstStyle/>
           <a:p>
             <a:pPr marL="0" indent="0">
               <a:buNone/>
             </a:pPr>
             <a:r>
-              <a:rPr lang="ru-RU" dirty="0" smtClean="0"/>
-              <a:t>Пример</a:t>
-            </a:r>
-            <a:endParaRPr lang="en-US" dirty="0" smtClean="0"/>
+              <a:rPr lang="ru-RU" dirty="0"/>
+              <a:t>Первая буква в имени шаблона определяет статический ключ инициатора, и может принимать одно из следующих значений: </a:t>
+            </a:r>
+          </a:p>
+          <a:p>
+            <a:r>
+              <a:rPr lang="ru-RU" dirty="0"/>
+              <a:t>N: отсутствие статического ключа инициатора </a:t>
+            </a:r>
+          </a:p>
+          <a:p>
+            <a:r>
+              <a:rPr lang="ru-RU" dirty="0"/>
+              <a:t>K: статический ключ инициатора известен получателю </a:t>
+            </a:r>
+          </a:p>
+          <a:p>
+            <a:r>
+              <a:rPr lang="ru-RU" dirty="0"/>
+              <a:t>X: Статический ключ инициатора передаётся получателю </a:t>
+            </a:r>
+          </a:p>
+          <a:p>
+            <a:r>
+              <a:rPr lang="ru-RU" dirty="0"/>
+              <a:t>I: Статический ключ инициатора немедленно передаётся получателю, даже в условиях </a:t>
+            </a:r>
+            <a:r>
+              <a:rPr lang="ru-RU" dirty="0" smtClean="0"/>
+              <a:t>отсутствия </a:t>
+            </a:r>
+            <a:r>
+              <a:rPr lang="ru-RU" dirty="0"/>
+              <a:t>зашиты идентичности. </a:t>
+            </a:r>
           </a:p>
           <a:p>
             <a:pPr marL="0" indent="0">
               <a:buNone/>
             </a:pPr>
             <a:r>
-              <a:rPr lang="pt-BR" dirty="0"/>
-              <a:t>IK(s, rs):</a:t>
-            </a:r>
-          </a:p>
-          <a:p>
-            <a:pPr marL="0" indent="0">
-              <a:buNone/>
-            </a:pPr>
-            <a:r>
-              <a:rPr lang="pt-BR" dirty="0"/>
-              <a:t>&lt;- s</a:t>
-            </a:r>
-          </a:p>
-          <a:p>
-            <a:pPr marL="0" indent="0">
-              <a:buNone/>
-            </a:pPr>
-            <a:r>
-              <a:rPr lang="pt-BR" dirty="0"/>
-              <a:t>...</a:t>
-            </a:r>
-          </a:p>
-          <a:p>
-            <a:pPr marL="0" indent="0">
-              <a:buNone/>
-            </a:pPr>
-            <a:r>
-              <a:rPr lang="pt-BR" dirty="0"/>
-              <a:t>-&gt; e, es, s, ss</a:t>
-            </a:r>
-          </a:p>
-          <a:p>
-            <a:pPr marL="0" indent="0">
-              <a:buNone/>
-            </a:pPr>
-            <a:r>
-              <a:rPr lang="pt-BR" dirty="0"/>
-              <a:t>&lt;- e, ee, se</a:t>
-            </a:r>
+              <a:rPr lang="ru-RU" dirty="0"/>
+              <a:t>Вторая буква в имени шаблона определяет статический ключ получателя, и может принимать одно из следующих значений: </a:t>
+            </a:r>
+          </a:p>
+          <a:p>
+            <a:r>
+              <a:rPr lang="ru-RU" dirty="0"/>
+              <a:t>N: отсутствие статического ключа получателя </a:t>
+            </a:r>
+          </a:p>
+          <a:p>
+            <a:r>
+              <a:rPr lang="ru-RU" dirty="0"/>
+              <a:t>K: статический ключ получателя известен инициатору </a:t>
+            </a:r>
+          </a:p>
+          <a:p>
+            <a:r>
+              <a:rPr lang="ru-RU" dirty="0"/>
+              <a:t>X: статический ключ получателя передаётся инициатору. </a:t>
+            </a:r>
+          </a:p>
+          <a:p>
             <a:endParaRPr lang="ru-RU" dirty="0"/>
           </a:p>
         </p:txBody>
@@ -9697,7 +9676,7 @@
     </p:spTree>
     <p:extLst>
       <p:ext uri="{BB962C8B-B14F-4D97-AF65-F5344CB8AC3E}">
-        <p14:creationId xmlns:p14="http://schemas.microsoft.com/office/powerpoint/2010/main" val="1551288663"/>
+        <p14:creationId xmlns:p14="http://schemas.microsoft.com/office/powerpoint/2010/main" val="3551687805"/>
       </p:ext>
     </p:extLst>
   </p:cSld>
@@ -9747,49 +9726,87 @@
           <a:lstStyle/>
           <a:p>
             <a:r>
-              <a:rPr lang="ru-RU" dirty="0" smtClean="0"/>
-              <a:t>Функционирование протокола </a:t>
-            </a:r>
-            <a:r>
-              <a:rPr lang="en-US" dirty="0" smtClean="0"/>
-              <a:t>Noise</a:t>
-            </a:r>
-            <a:endParaRPr lang="ru-RU" dirty="0"/>
-          </a:p>
-        </p:txBody>
-      </p:sp>
-      <p:pic>
-        <p:nvPicPr>
-          <p:cNvPr id="4" name="Объект 3"/>
-          <p:cNvPicPr>
-            <a:picLocks noGrp="1" noChangeAspect="1"/>
-          </p:cNvPicPr>
+              <a:rPr lang="ru-RU" dirty="0"/>
+              <a:t>Именование паттернов</a:t>
+            </a:r>
+          </a:p>
+        </p:txBody>
+      </p:sp>
+      <p:sp>
+        <p:nvSpPr>
+          <p:cNvPr id="3" name="Объект 2"/>
+          <p:cNvSpPr>
+            <a:spLocks noGrp="1"/>
+          </p:cNvSpPr>
           <p:nvPr>
             <p:ph idx="1"/>
           </p:nvPr>
-        </p:nvPicPr>
-        <p:blipFill>
-          <a:blip r:embed="rId2">
-            <a:extLst>
-              <a:ext uri="{28A0092B-C50C-407E-A947-70E740481C1C}">
-                <a14:useLocalDpi xmlns:a14="http://schemas.microsoft.com/office/drawing/2010/main" val="0"/>
-              </a:ext>
-            </a:extLst>
-          </a:blip>
-          <a:stretch>
-            <a:fillRect/>
-          </a:stretch>
-        </p:blipFill>
-        <p:spPr>
-          <a:xfrm>
-            <a:off x="2347492" y="1825625"/>
-            <a:ext cx="7497015" cy="4351338"/>
-          </a:xfrm>
-        </p:spPr>
-      </p:pic>
-      <p:sp>
-        <p:nvSpPr>
-          <p:cNvPr id="3" name="Номер слайда 2"/>
+        </p:nvSpPr>
+        <p:spPr/>
+        <p:txBody>
+          <a:bodyPr/>
+          <a:lstStyle/>
+          <a:p>
+            <a:pPr marL="0" indent="0">
+              <a:buNone/>
+            </a:pPr>
+            <a:r>
+              <a:rPr lang="ru-RU" dirty="0" smtClean="0"/>
+              <a:t>Пример</a:t>
+            </a:r>
+            <a:endParaRPr lang="en-US" dirty="0" smtClean="0"/>
+          </a:p>
+          <a:p>
+            <a:pPr marL="0" indent="0">
+              <a:buNone/>
+            </a:pPr>
+            <a:r>
+              <a:rPr lang="pt-BR" dirty="0"/>
+              <a:t>IK(s, rs):</a:t>
+            </a:r>
+          </a:p>
+          <a:p>
+            <a:pPr marL="0" indent="0">
+              <a:buNone/>
+            </a:pPr>
+            <a:r>
+              <a:rPr lang="pt-BR" dirty="0"/>
+              <a:t>&lt;- s</a:t>
+            </a:r>
+          </a:p>
+          <a:p>
+            <a:pPr marL="0" indent="0">
+              <a:buNone/>
+            </a:pPr>
+            <a:r>
+              <a:rPr lang="pt-BR" dirty="0"/>
+              <a:t>...</a:t>
+            </a:r>
+          </a:p>
+          <a:p>
+            <a:pPr marL="0" indent="0">
+              <a:buNone/>
+            </a:pPr>
+            <a:r>
+              <a:rPr lang="pt-BR" dirty="0"/>
+              <a:t>-&gt; e, es, s, ss</a:t>
+            </a:r>
+          </a:p>
+          <a:p>
+            <a:pPr marL="0" indent="0">
+              <a:buNone/>
+            </a:pPr>
+            <a:r>
+              <a:rPr lang="pt-BR" dirty="0"/>
+              <a:t>&lt;- e, ee, se</a:t>
+            </a:r>
+            <a:endParaRPr lang="ru-RU" dirty="0"/>
+          </a:p>
+        </p:txBody>
+      </p:sp>
+      <p:sp>
+        <p:nvSpPr>
+          <p:cNvPr id="4" name="Номер слайда 3"/>
           <p:cNvSpPr>
             <a:spLocks noGrp="1"/>
           </p:cNvSpPr>
@@ -9813,7 +9830,7 @@
     </p:spTree>
     <p:extLst>
       <p:ext uri="{BB962C8B-B14F-4D97-AF65-F5344CB8AC3E}">
-        <p14:creationId xmlns:p14="http://schemas.microsoft.com/office/powerpoint/2010/main" val="791738630"/>
+        <p14:creationId xmlns:p14="http://schemas.microsoft.com/office/powerpoint/2010/main" val="1551288663"/>
       </p:ext>
     </p:extLst>
   </p:cSld>
@@ -9864,90 +9881,48 @@
           <a:p>
             <a:r>
               <a:rPr lang="ru-RU" dirty="0" smtClean="0"/>
-              <a:t>Больше про </a:t>
-            </a:r>
-            <a:r>
-              <a:rPr lang="en-US" dirty="0" smtClean="0"/>
-              <a:t>noise</a:t>
-            </a:r>
-            <a:endParaRPr lang="ru-RU" dirty="0"/>
-          </a:p>
-        </p:txBody>
-      </p:sp>
-      <p:sp>
-        <p:nvSpPr>
-          <p:cNvPr id="3" name="Объект 2"/>
-          <p:cNvSpPr>
-            <a:spLocks noGrp="1"/>
-          </p:cNvSpPr>
+              <a:t>Функционирование протокола </a:t>
+            </a:r>
+            <a:r>
+              <a:rPr lang="en-US" dirty="0" smtClean="0"/>
+              <a:t>Noise</a:t>
+            </a:r>
+            <a:endParaRPr lang="ru-RU" dirty="0"/>
+          </a:p>
+        </p:txBody>
+      </p:sp>
+      <p:pic>
+        <p:nvPicPr>
+          <p:cNvPr id="4" name="Объект 3"/>
+          <p:cNvPicPr>
+            <a:picLocks noGrp="1" noChangeAspect="1"/>
+          </p:cNvPicPr>
           <p:nvPr>
             <p:ph idx="1"/>
           </p:nvPr>
-        </p:nvSpPr>
-        <p:spPr/>
-        <p:txBody>
-          <a:bodyPr/>
-          <a:lstStyle/>
-          <a:p>
-            <a:r>
-              <a:rPr lang="en-US" dirty="0"/>
-              <a:t>http://cryptowiki.net/index.php?title=%D0%9A%D0%B0%D1%80%D0%BA%D0%B0%D1%81%D0%BD%D0%B0%D1%8F_%D0%BC%D0%BE%D0%B4%D0%B5%D0%BB%D1%8C_%D0%BF%D0%BE%D1%81%D1%82%D1%80%D0%BE%D0%B5%D0%BD%D0%B8%D1%8F_%</a:t>
-            </a:r>
-            <a:r>
-              <a:rPr lang="en-US" dirty="0" smtClean="0"/>
-              <a:t>D0%BF%D1%80%D0%BE%D1%82%D0%BE%D0%BA%D0%BE%D0%BB%D0%BE%D0%B2_Noise</a:t>
-            </a:r>
-          </a:p>
-          <a:p>
-            <a:r>
-              <a:rPr lang="en-US" dirty="0">
-                <a:hlinkClick r:id="rId2"/>
-              </a:rPr>
-              <a:t>http://</a:t>
-            </a:r>
-            <a:r>
-              <a:rPr lang="en-US" dirty="0" smtClean="0">
-                <a:hlinkClick r:id="rId2"/>
-              </a:rPr>
-              <a:t>cryptowiki.net/index.php?title=Noise_Protocol_Framework</a:t>
-            </a:r>
-            <a:endParaRPr lang="en-US" dirty="0" smtClean="0"/>
-          </a:p>
-          <a:p>
-            <a:r>
-              <a:rPr lang="en-US" dirty="0">
-                <a:hlinkClick r:id="rId3"/>
-              </a:rPr>
-              <a:t>https://noiseprotocol.org</a:t>
-            </a:r>
-            <a:r>
-              <a:rPr lang="en-US" dirty="0" smtClean="0">
-                <a:hlinkClick r:id="rId3"/>
-              </a:rPr>
-              <a:t>/</a:t>
-            </a:r>
-            <a:endParaRPr lang="en-US" dirty="0" smtClean="0"/>
-          </a:p>
-          <a:p>
-            <a:r>
-              <a:rPr lang="en-US" dirty="0">
-                <a:hlinkClick r:id="rId4"/>
-              </a:rPr>
-              <a:t>https://www.nccgroup.com/us/about-us/newsroom-and-events/blog/2018/august/introducing-disco</a:t>
-            </a:r>
-            <a:r>
-              <a:rPr lang="en-US" dirty="0" smtClean="0">
-                <a:hlinkClick r:id="rId4"/>
-              </a:rPr>
-              <a:t>/</a:t>
-            </a:r>
-            <a:endParaRPr lang="en-US" dirty="0" smtClean="0"/>
-          </a:p>
-        </p:txBody>
-      </p:sp>
-      <p:sp>
-        <p:nvSpPr>
-          <p:cNvPr id="4" name="Номер слайда 3"/>
+        </p:nvPicPr>
+        <p:blipFill>
+          <a:blip r:embed="rId2">
+            <a:extLst>
+              <a:ext uri="{28A0092B-C50C-407E-A947-70E740481C1C}">
+                <a14:useLocalDpi xmlns:a14="http://schemas.microsoft.com/office/drawing/2010/main" val="0"/>
+              </a:ext>
+            </a:extLst>
+          </a:blip>
+          <a:stretch>
+            <a:fillRect/>
+          </a:stretch>
+        </p:blipFill>
+        <p:spPr>
+          <a:xfrm>
+            <a:off x="2347492" y="1825625"/>
+            <a:ext cx="7497015" cy="4351338"/>
+          </a:xfrm>
+        </p:spPr>
+      </p:pic>
+      <p:sp>
+        <p:nvSpPr>
+          <p:cNvPr id="3" name="Номер слайда 2"/>
           <p:cNvSpPr>
             <a:spLocks noGrp="1"/>
           </p:cNvSpPr>
@@ -9971,7 +9946,7 @@
     </p:spTree>
     <p:extLst>
       <p:ext uri="{BB962C8B-B14F-4D97-AF65-F5344CB8AC3E}">
-        <p14:creationId xmlns:p14="http://schemas.microsoft.com/office/powerpoint/2010/main" val="3803676121"/>
+        <p14:creationId xmlns:p14="http://schemas.microsoft.com/office/powerpoint/2010/main" val="791738630"/>
       </p:ext>
     </p:extLst>
   </p:cSld>
@@ -10021,8 +9996,12 @@
           <a:lstStyle/>
           <a:p>
             <a:r>
-              <a:rPr lang="en-US" dirty="0" err="1" smtClean="0"/>
-              <a:t>WireGuard</a:t>
+              <a:rPr lang="ru-RU" dirty="0" smtClean="0"/>
+              <a:t>Больше про </a:t>
+            </a:r>
+            <a:r>
+              <a:rPr lang="en-US" dirty="0" smtClean="0"/>
+              <a:t>noise</a:t>
             </a:r>
             <a:endParaRPr lang="ru-RU" dirty="0"/>
           </a:p>
@@ -10043,97 +10022,59 @@
           <a:bodyPr/>
           <a:lstStyle/>
           <a:p>
-            <a:pPr marL="0" indent="0">
-              <a:buNone/>
-            </a:pPr>
-            <a:r>
-              <a:rPr lang="ru-RU" dirty="0" smtClean="0"/>
-              <a:t>Черновик стандарта построения </a:t>
-            </a:r>
-            <a:r>
-              <a:rPr lang="en-US" dirty="0" smtClean="0"/>
-              <a:t>VPN </a:t>
-            </a:r>
-            <a:r>
-              <a:rPr lang="ru-RU" dirty="0" smtClean="0"/>
-              <a:t>соединений.</a:t>
+            <a:r>
+              <a:rPr lang="en-US" dirty="0"/>
+              <a:t>http://cryptowiki.net/index.php?title=%D0%9A%D0%B0%D1%80%D0%BA%D0%B0%D1%81%D0%BD%D0%B0%D1%8F_%D0%BC%D0%BE%D0%B4%D0%B5%D0%BB%D1%8C_%D0%BF%D0%BE%D1%81%D1%82%D1%80%D0%BE%D0%B5%D0%BD%D0%B8%D1%8F_%</a:t>
+            </a:r>
+            <a:r>
+              <a:rPr lang="en-US" dirty="0" smtClean="0"/>
+              <a:t>D0%BF%D1%80%D0%BE%D1%82%D0%BE%D0%BA%D0%BE%D0%BB%D0%BE%D0%B2_Noise</a:t>
+            </a:r>
+          </a:p>
+          <a:p>
+            <a:r>
+              <a:rPr lang="en-US" dirty="0">
+                <a:hlinkClick r:id="rId2"/>
+              </a:rPr>
+              <a:t>http://</a:t>
+            </a:r>
+            <a:r>
+              <a:rPr lang="en-US" dirty="0" smtClean="0">
+                <a:hlinkClick r:id="rId2"/>
+              </a:rPr>
+              <a:t>cryptowiki.net/index.php?title=Noise_Protocol_Framework</a:t>
             </a:r>
             <a:endParaRPr lang="en-US" dirty="0" smtClean="0"/>
           </a:p>
           <a:p>
             <a:r>
-              <a:rPr lang="ru-RU" dirty="0" smtClean="0"/>
-              <a:t>Все пакеты аутентифицированы, неаутентифицированные отбрасываются. Не отвечать на неаутентифицированные пакеты.</a:t>
-            </a:r>
-          </a:p>
-          <a:p>
-            <a:r>
-              <a:rPr lang="en-US" dirty="0"/>
-              <a:t>1 RRT handshake</a:t>
-            </a:r>
-            <a:r>
-              <a:rPr lang="ru-RU" dirty="0"/>
-              <a:t> (</a:t>
-            </a:r>
-            <a:r>
-              <a:rPr lang="en-US" dirty="0"/>
-              <a:t>Noise IK</a:t>
-            </a:r>
-            <a:r>
-              <a:rPr lang="en-US" dirty="0" smtClean="0"/>
-              <a:t>)</a:t>
-            </a:r>
-            <a:endParaRPr lang="ru-RU" dirty="0" smtClean="0"/>
-          </a:p>
-          <a:p>
-            <a:r>
-              <a:rPr lang="ru-RU" dirty="0" smtClean="0"/>
-              <a:t>Использование метки времени </a:t>
-            </a:r>
-            <a:r>
-              <a:rPr lang="en-US" dirty="0" smtClean="0"/>
-              <a:t>TAI64N</a:t>
-            </a:r>
-            <a:r>
-              <a:rPr lang="ru-RU" dirty="0" smtClean="0"/>
-              <a:t> в первом сообщении</a:t>
-            </a:r>
-          </a:p>
-          <a:p>
-            <a:r>
-              <a:rPr lang="ru-RU" dirty="0"/>
-              <a:t>Опциональное использование </a:t>
-            </a:r>
-            <a:r>
-              <a:rPr lang="en-US" dirty="0"/>
-              <a:t>psk </a:t>
-            </a:r>
-            <a:r>
-              <a:rPr lang="ru-RU" dirty="0"/>
-              <a:t>для смягчения угрозы перед квантовым противником</a:t>
-            </a:r>
-          </a:p>
-          <a:p>
-            <a:r>
-              <a:rPr lang="ru-RU" dirty="0" smtClean="0"/>
-              <a:t>Использование </a:t>
-            </a:r>
-            <a:r>
-              <a:rPr lang="en-US" dirty="0" smtClean="0"/>
-              <a:t>cookie </a:t>
-            </a:r>
-            <a:r>
-              <a:rPr lang="ru-RU" dirty="0" smtClean="0"/>
-              <a:t>для смягчения </a:t>
-            </a:r>
-            <a:r>
-              <a:rPr lang="en-US" dirty="0" smtClean="0"/>
-              <a:t>DOS</a:t>
-            </a:r>
-            <a:endParaRPr lang="ru-RU" dirty="0" smtClean="0"/>
-          </a:p>
-          <a:p>
-            <a:endParaRPr lang="ru-RU" dirty="0"/>
+              <a:rPr lang="en-US" dirty="0">
+                <a:hlinkClick r:id="rId3"/>
+              </a:rPr>
+              <a:t>https://noiseprotocol.org</a:t>
+            </a:r>
+            <a:r>
+              <a:rPr lang="en-US" dirty="0" smtClean="0">
+                <a:hlinkClick r:id="rId3"/>
+              </a:rPr>
+              <a:t>/</a:t>
+            </a:r>
+            <a:endParaRPr lang="en-US" dirty="0" smtClean="0"/>
+          </a:p>
+          <a:p>
+            <a:r>
+              <a:rPr lang="en-US" dirty="0">
+                <a:hlinkClick r:id="rId4"/>
+              </a:rPr>
+              <a:t>https://www.nccgroup.com/us/about-us/newsroom-and-events/blog/2018/august/introducing-disco</a:t>
+            </a:r>
+            <a:r>
+              <a:rPr lang="en-US" dirty="0" smtClean="0">
+                <a:hlinkClick r:id="rId4"/>
+              </a:rPr>
+              <a:t>/</a:t>
+            </a:r>
+            <a:endParaRPr lang="en-US" dirty="0" smtClean="0"/>
           </a:p>
         </p:txBody>
       </p:sp>
@@ -10163,7 +10104,7 @@
     </p:spTree>
     <p:extLst>
       <p:ext uri="{BB962C8B-B14F-4D97-AF65-F5344CB8AC3E}">
-        <p14:creationId xmlns:p14="http://schemas.microsoft.com/office/powerpoint/2010/main" val="1091220540"/>
+        <p14:creationId xmlns:p14="http://schemas.microsoft.com/office/powerpoint/2010/main" val="3803676121"/>
       </p:ext>
     </p:extLst>
   </p:cSld>
@@ -10213,10 +10154,6 @@
           <a:lstStyle/>
           <a:p>
             <a:r>
-              <a:rPr lang="ru-RU" dirty="0" smtClean="0"/>
-              <a:t>Маршрутизация </a:t>
-            </a:r>
-            <a:r>
               <a:rPr lang="en-US" dirty="0" err="1" smtClean="0"/>
               <a:t>WireGuard</a:t>
             </a:r>
@@ -10244,39 +10181,98 @@
             </a:pPr>
             <a:r>
               <a:rPr lang="ru-RU" dirty="0" smtClean="0"/>
-              <a:t>Сетевой интерфейс имеет статическую пару ключей, назначенный порт и таблицу маршрутизации. В таблице маршрутизации для каждой записи хранится статический открытый ключ принимающей стороны.</a:t>
-            </a:r>
-            <a:endParaRPr lang="ru-RU" dirty="0"/>
-          </a:p>
-        </p:txBody>
-      </p:sp>
-      <p:pic>
-        <p:nvPicPr>
-          <p:cNvPr id="4" name="Рисунок 3"/>
-          <p:cNvPicPr>
-            <a:picLocks noChangeAspect="1"/>
-          </p:cNvPicPr>
-          <p:nvPr/>
-        </p:nvPicPr>
-        <p:blipFill>
-          <a:blip r:embed="rId2"/>
-          <a:stretch>
-            <a:fillRect/>
-          </a:stretch>
-        </p:blipFill>
-        <p:spPr>
-          <a:xfrm>
-            <a:off x="971916" y="3529013"/>
-            <a:ext cx="10125075" cy="2647950"/>
-          </a:xfrm>
-          <a:prstGeom prst="rect">
-            <a:avLst/>
-          </a:prstGeom>
-        </p:spPr>
-      </p:pic>
-      <p:sp>
-        <p:nvSpPr>
-          <p:cNvPr id="5" name="Номер слайда 4"/>
+              <a:t>Черновик стандарта построения </a:t>
+            </a:r>
+            <a:r>
+              <a:rPr lang="en-US" dirty="0" smtClean="0"/>
+              <a:t>VPN </a:t>
+            </a:r>
+            <a:r>
+              <a:rPr lang="ru-RU" dirty="0" smtClean="0"/>
+              <a:t>соединений.</a:t>
+            </a:r>
+            <a:endParaRPr lang="en-US" dirty="0" smtClean="0"/>
+          </a:p>
+          <a:p>
+            <a:r>
+              <a:rPr lang="ru-RU" dirty="0" smtClean="0"/>
+              <a:t>Все пакеты аутентифицированы, неаутентифицированные отбрасываются. Не отвечать на неаутентифицированные пакеты.</a:t>
+            </a:r>
+          </a:p>
+          <a:p>
+            <a:r>
+              <a:rPr lang="en-US" dirty="0"/>
+              <a:t>1 RRT handshake</a:t>
+            </a:r>
+            <a:r>
+              <a:rPr lang="ru-RU" dirty="0"/>
+              <a:t> (</a:t>
+            </a:r>
+            <a:r>
+              <a:rPr lang="en-US" dirty="0"/>
+              <a:t>Noise IK</a:t>
+            </a:r>
+            <a:r>
+              <a:rPr lang="en-US" dirty="0" smtClean="0"/>
+              <a:t>)</a:t>
+            </a:r>
+            <a:endParaRPr lang="ru-RU" dirty="0" smtClean="0"/>
+          </a:p>
+          <a:p>
+            <a:r>
+              <a:rPr lang="ru-RU" dirty="0" smtClean="0"/>
+              <a:t>Использование метки времени </a:t>
+            </a:r>
+            <a:r>
+              <a:rPr lang="en-US" dirty="0" smtClean="0"/>
+              <a:t>TAI64N</a:t>
+            </a:r>
+            <a:r>
+              <a:rPr lang="ru-RU" dirty="0" smtClean="0"/>
+              <a:t> в первом сообщении</a:t>
+            </a:r>
+          </a:p>
+          <a:p>
+            <a:r>
+              <a:rPr lang="ru-RU" dirty="0"/>
+              <a:t>Опциональное использование </a:t>
+            </a:r>
+            <a:r>
+              <a:rPr lang="en-US" dirty="0"/>
+              <a:t>psk </a:t>
+            </a:r>
+            <a:r>
+              <a:rPr lang="ru-RU" dirty="0"/>
+              <a:t>для смягчения угрозы перед квантовым противником</a:t>
+            </a:r>
+          </a:p>
+          <a:p>
+            <a:r>
+              <a:rPr lang="ru-RU" dirty="0" smtClean="0"/>
+              <a:t>Использование </a:t>
+            </a:r>
+            <a:r>
+              <a:rPr lang="en-US" dirty="0" smtClean="0"/>
+              <a:t>cookie </a:t>
+            </a:r>
+            <a:r>
+              <a:rPr lang="ru-RU" dirty="0" smtClean="0"/>
+              <a:t>для смягчения </a:t>
+            </a:r>
+            <a:r>
+              <a:rPr lang="en-US" dirty="0" smtClean="0"/>
+              <a:t>DOS</a:t>
+            </a:r>
+            <a:endParaRPr lang="ru-RU" dirty="0" smtClean="0"/>
+          </a:p>
+          <a:p>
+            <a:endParaRPr lang="ru-RU" dirty="0"/>
+          </a:p>
+        </p:txBody>
+      </p:sp>
+      <p:sp>
+        <p:nvSpPr>
+          <p:cNvPr id="4" name="Номер слайда 3"/>
           <p:cNvSpPr>
             <a:spLocks noGrp="1"/>
           </p:cNvSpPr>
@@ -10300,7 +10296,7 @@
     </p:spTree>
     <p:extLst>
       <p:ext uri="{BB962C8B-B14F-4D97-AF65-F5344CB8AC3E}">
-        <p14:creationId xmlns:p14="http://schemas.microsoft.com/office/powerpoint/2010/main" val="112907872"/>
+        <p14:creationId xmlns:p14="http://schemas.microsoft.com/office/powerpoint/2010/main" val="1091220540"/>
       </p:ext>
     </p:extLst>
   </p:cSld>
@@ -10373,9 +10369,7 @@
         </p:nvSpPr>
         <p:spPr/>
         <p:txBody>
-          <a:bodyPr>
-            <a:normAutofit lnSpcReduction="10000"/>
-          </a:bodyPr>
+          <a:bodyPr/>
           <a:lstStyle/>
           <a:p>
             <a:pPr marL="0" indent="0">
@@ -10383,89 +10377,39 @@
             </a:pPr>
             <a:r>
               <a:rPr lang="ru-RU" dirty="0" smtClean="0"/>
-              <a:t>При отправке или получении пакета через интерфейс </a:t>
-            </a:r>
-            <a:r>
-              <a:rPr lang="en-US" dirty="0" err="1" smtClean="0"/>
-              <a:t>WireGuard</a:t>
-            </a:r>
-            <a:r>
-              <a:rPr lang="ru-RU" dirty="0" smtClean="0"/>
-              <a:t> из таблицы маршрутизации извлекается соответствующий открытый ключ, используемый для построения защищенного канала связи.</a:t>
-            </a:r>
-          </a:p>
-          <a:p>
-            <a:pPr marL="0" indent="0">
-              <a:buNone/>
-            </a:pPr>
-            <a:r>
-              <a:rPr lang="ru-RU" dirty="0" smtClean="0"/>
-              <a:t>При получении пакета от других узлов их адреса добавляются в таблицу маршрутизации в поле </a:t>
-            </a:r>
-            <a:r>
-              <a:rPr lang="en-US" dirty="0" smtClean="0"/>
-              <a:t>Internet Endpoint</a:t>
-            </a:r>
-            <a:r>
-              <a:rPr lang="ru-RU" dirty="0" smtClean="0"/>
-              <a:t>. Данное поле может быть заполнено вручную на этапе конфигурации.</a:t>
-            </a:r>
-          </a:p>
-          <a:p>
-            <a:pPr marL="0" indent="0">
-              <a:buNone/>
-            </a:pPr>
-            <a:r>
-              <a:rPr lang="ru-RU" dirty="0" smtClean="0"/>
-              <a:t>Пусть узел с конфигурацией 2</a:t>
-            </a:r>
-            <a:r>
-              <a:rPr lang="en-US" dirty="0" smtClean="0"/>
-              <a:t>b </a:t>
-            </a:r>
-            <a:r>
-              <a:rPr lang="ru-RU" dirty="0" smtClean="0"/>
-              <a:t>отправляет пакет узлу с предконфигурированном адресом 192.95.5.69:41414. Тогда на узле получателя при получении пакеты будет добавлена запись </a:t>
-            </a:r>
-            <a:r>
-              <a:rPr lang="en-US" dirty="0"/>
-              <a:t>Internet </a:t>
-            </a:r>
-            <a:r>
-              <a:rPr lang="en-US" dirty="0" smtClean="0"/>
-              <a:t>Endpoint</a:t>
-            </a:r>
-            <a:r>
-              <a:rPr lang="ru-RU" dirty="0" smtClean="0"/>
-              <a:t> об узле отправителя (конфигурация </a:t>
-            </a:r>
-            <a:r>
-              <a:rPr lang="en-US" dirty="0" smtClean="0"/>
-              <a:t>1b)</a:t>
-            </a:r>
-            <a:r>
-              <a:rPr lang="ru-RU" dirty="0" smtClean="0"/>
-              <a:t>.</a:t>
-            </a:r>
-            <a:r>
-              <a:rPr lang="en-US" dirty="0" smtClean="0"/>
-              <a:t> </a:t>
-            </a:r>
-            <a:r>
-              <a:rPr lang="ru-RU" dirty="0" smtClean="0"/>
-              <a:t>Порты отправки и получения должны совпадать.</a:t>
-            </a:r>
-            <a:r>
-              <a:rPr lang="en-US" dirty="0" smtClean="0"/>
-              <a:t> </a:t>
-            </a:r>
-            <a:endParaRPr lang="ru-RU" dirty="0" smtClean="0"/>
-          </a:p>
-        </p:txBody>
-      </p:sp>
-      <p:sp>
-        <p:nvSpPr>
-          <p:cNvPr id="4" name="Номер слайда 3"/>
+              <a:t>Сетевой интерфейс имеет статическую пару ключей, назначенный порт и таблицу маршрутизации. В таблице маршрутизации для каждой записи хранится статический открытый ключ принимающей стороны.</a:t>
+            </a:r>
+            <a:endParaRPr lang="ru-RU" dirty="0"/>
+          </a:p>
+        </p:txBody>
+      </p:sp>
+      <p:pic>
+        <p:nvPicPr>
+          <p:cNvPr id="4" name="Рисунок 3"/>
+          <p:cNvPicPr>
+            <a:picLocks noChangeAspect="1"/>
+          </p:cNvPicPr>
+          <p:nvPr/>
+        </p:nvPicPr>
+        <p:blipFill>
+          <a:blip r:embed="rId2"/>
+          <a:stretch>
+            <a:fillRect/>
+          </a:stretch>
+        </p:blipFill>
+        <p:spPr>
+          <a:xfrm>
+            <a:off x="971916" y="3529013"/>
+            <a:ext cx="10125075" cy="2647950"/>
+          </a:xfrm>
+          <a:prstGeom prst="rect">
+            <a:avLst/>
+          </a:prstGeom>
+        </p:spPr>
+      </p:pic>
+      <p:sp>
+        <p:nvSpPr>
+          <p:cNvPr id="5" name="Номер слайда 4"/>
           <p:cNvSpPr>
             <a:spLocks noGrp="1"/>
           </p:cNvSpPr>
@@ -10489,7 +10433,7 @@
     </p:spTree>
     <p:extLst>
       <p:ext uri="{BB962C8B-B14F-4D97-AF65-F5344CB8AC3E}">
-        <p14:creationId xmlns:p14="http://schemas.microsoft.com/office/powerpoint/2010/main" val="162794484"/>
+        <p14:creationId xmlns:p14="http://schemas.microsoft.com/office/powerpoint/2010/main" val="112907872"/>
       </p:ext>
     </p:extLst>
   </p:cSld>
@@ -11461,6 +11405,195 @@
           <a:lstStyle/>
           <a:p>
             <a:r>
+              <a:rPr lang="ru-RU" dirty="0" smtClean="0"/>
+              <a:t>Маршрутизация </a:t>
+            </a:r>
+            <a:r>
+              <a:rPr lang="en-US" dirty="0" err="1" smtClean="0"/>
+              <a:t>WireGuard</a:t>
+            </a:r>
+            <a:endParaRPr lang="ru-RU" dirty="0"/>
+          </a:p>
+        </p:txBody>
+      </p:sp>
+      <p:sp>
+        <p:nvSpPr>
+          <p:cNvPr id="3" name="Объект 2"/>
+          <p:cNvSpPr>
+            <a:spLocks noGrp="1"/>
+          </p:cNvSpPr>
+          <p:nvPr>
+            <p:ph idx="1"/>
+          </p:nvPr>
+        </p:nvSpPr>
+        <p:spPr/>
+        <p:txBody>
+          <a:bodyPr>
+            <a:normAutofit lnSpcReduction="10000"/>
+          </a:bodyPr>
+          <a:lstStyle/>
+          <a:p>
+            <a:pPr marL="0" indent="0">
+              <a:buNone/>
+            </a:pPr>
+            <a:r>
+              <a:rPr lang="ru-RU" dirty="0" smtClean="0"/>
+              <a:t>При отправке или получении пакета через интерфейс </a:t>
+            </a:r>
+            <a:r>
+              <a:rPr lang="en-US" dirty="0" err="1" smtClean="0"/>
+              <a:t>WireGuard</a:t>
+            </a:r>
+            <a:r>
+              <a:rPr lang="ru-RU" dirty="0" smtClean="0"/>
+              <a:t> из таблицы маршрутизации извлекается соответствующий открытый ключ, используемый для построения защищенного канала связи.</a:t>
+            </a:r>
+          </a:p>
+          <a:p>
+            <a:pPr marL="0" indent="0">
+              <a:buNone/>
+            </a:pPr>
+            <a:r>
+              <a:rPr lang="ru-RU" dirty="0" smtClean="0"/>
+              <a:t>При получении пакета от других узлов их адреса добавляются в таблицу маршрутизации в поле </a:t>
+            </a:r>
+            <a:r>
+              <a:rPr lang="en-US" dirty="0" smtClean="0"/>
+              <a:t>Internet Endpoint</a:t>
+            </a:r>
+            <a:r>
+              <a:rPr lang="ru-RU" dirty="0" smtClean="0"/>
+              <a:t>. Данное поле может быть заполнено вручную на этапе конфигурации.</a:t>
+            </a:r>
+          </a:p>
+          <a:p>
+            <a:pPr marL="0" indent="0">
+              <a:buNone/>
+            </a:pPr>
+            <a:r>
+              <a:rPr lang="ru-RU" dirty="0" smtClean="0"/>
+              <a:t>Пусть узел с конфигурацией 2</a:t>
+            </a:r>
+            <a:r>
+              <a:rPr lang="en-US" dirty="0" smtClean="0"/>
+              <a:t>b </a:t>
+            </a:r>
+            <a:r>
+              <a:rPr lang="ru-RU" dirty="0" smtClean="0"/>
+              <a:t>отправляет пакет узлу с предконфигурированном адресом 192.95.5.69:41414. Тогда на узле получателя при получении пакеты будет добавлена запись </a:t>
+            </a:r>
+            <a:r>
+              <a:rPr lang="en-US" dirty="0"/>
+              <a:t>Internet </a:t>
+            </a:r>
+            <a:r>
+              <a:rPr lang="en-US" dirty="0" smtClean="0"/>
+              <a:t>Endpoint</a:t>
+            </a:r>
+            <a:r>
+              <a:rPr lang="ru-RU" dirty="0" smtClean="0"/>
+              <a:t> об узле отправителя (конфигурация </a:t>
+            </a:r>
+            <a:r>
+              <a:rPr lang="en-US" dirty="0" smtClean="0"/>
+              <a:t>1b)</a:t>
+            </a:r>
+            <a:r>
+              <a:rPr lang="ru-RU" dirty="0" smtClean="0"/>
+              <a:t>.</a:t>
+            </a:r>
+            <a:r>
+              <a:rPr lang="en-US" dirty="0" smtClean="0"/>
+              <a:t> </a:t>
+            </a:r>
+            <a:r>
+              <a:rPr lang="ru-RU" dirty="0" smtClean="0"/>
+              <a:t>Порты отправки и получения должны совпадать.</a:t>
+            </a:r>
+            <a:r>
+              <a:rPr lang="en-US" dirty="0" smtClean="0"/>
+              <a:t> </a:t>
+            </a:r>
+            <a:endParaRPr lang="ru-RU" dirty="0" smtClean="0"/>
+          </a:p>
+        </p:txBody>
+      </p:sp>
+      <p:sp>
+        <p:nvSpPr>
+          <p:cNvPr id="4" name="Номер слайда 3"/>
+          <p:cNvSpPr>
+            <a:spLocks noGrp="1"/>
+          </p:cNvSpPr>
+          <p:nvPr>
+            <p:ph type="sldNum" sz="quarter" idx="12"/>
+          </p:nvPr>
+        </p:nvSpPr>
+        <p:spPr/>
+        <p:txBody>
+          <a:bodyPr/>
+          <a:lstStyle/>
+          <a:p>
+            <a:fld id="{AC4B6EA2-3DAB-415A-81B1-2E2A41D203B5}" type="slidenum">
+              <a:rPr lang="ru-RU" smtClean="0"/>
+              <a:t>40</a:t>
+            </a:fld>
+            <a:endParaRPr lang="ru-RU" dirty="0"/>
+          </a:p>
+        </p:txBody>
+      </p:sp>
+    </p:spTree>
+    <p:extLst>
+      <p:ext uri="{BB962C8B-B14F-4D97-AF65-F5344CB8AC3E}">
+        <p14:creationId xmlns:p14="http://schemas.microsoft.com/office/powerpoint/2010/main" val="162794484"/>
+      </p:ext>
+    </p:extLst>
+  </p:cSld>
+  <p:clrMapOvr>
+    <a:masterClrMapping/>
+  </p:clrMapOvr>
+  <p:timing>
+    <p:tnLst>
+      <p:par>
+        <p:cTn id="1" dur="indefinite" restart="never" nodeType="tmRoot"/>
+      </p:par>
+    </p:tnLst>
+  </p:timing>
+</p:sld>
+</file>
+
+<file path=ppt/slides/slide41.xml><?xml version="1.0" encoding="utf-8"?>
+<p:sld xmlns:a="http://schemas.openxmlformats.org/drawingml/2006/main" xmlns:r="http://schemas.openxmlformats.org/officeDocument/2006/relationships" xmlns:p="http://schemas.openxmlformats.org/presentationml/2006/main">
+  <p:cSld>
+    <p:spTree>
+      <p:nvGrpSpPr>
+        <p:cNvPr id="1" name=""/>
+        <p:cNvGrpSpPr/>
+        <p:nvPr/>
+      </p:nvGrpSpPr>
+      <p:grpSpPr>
+        <a:xfrm>
+          <a:off x="0" y="0"/>
+          <a:ext cx="0" cy="0"/>
+          <a:chOff x="0" y="0"/>
+          <a:chExt cx="0" cy="0"/>
+        </a:xfrm>
+      </p:grpSpPr>
+      <p:sp>
+        <p:nvSpPr>
+          <p:cNvPr id="2" name="Заголовок 1"/>
+          <p:cNvSpPr>
+            <a:spLocks noGrp="1"/>
+          </p:cNvSpPr>
+          <p:nvPr>
+            <p:ph type="title"/>
+          </p:nvPr>
+        </p:nvSpPr>
+        <p:spPr/>
+        <p:txBody>
+          <a:bodyPr/>
+          <a:lstStyle/>
+          <a:p>
+            <a:r>
               <a:rPr lang="ru-RU" dirty="0"/>
               <a:t>Маршрутизация </a:t>
             </a:r>
@@ -11537,7 +11670,7 @@
           <a:p>
             <a:fld id="{AC4B6EA2-3DAB-415A-81B1-2E2A41D203B5}" type="slidenum">
               <a:rPr lang="ru-RU" smtClean="0"/>
-              <a:t>40</a:t>
+              <a:t>41</a:t>
             </a:fld>
             <a:endParaRPr lang="ru-RU" dirty="0"/>
           </a:p>
@@ -11547,204 +11680,6 @@
     <p:extLst>
       <p:ext uri="{BB962C8B-B14F-4D97-AF65-F5344CB8AC3E}">
         <p14:creationId xmlns:p14="http://schemas.microsoft.com/office/powerpoint/2010/main" val="2255644661"/>
-      </p:ext>
-    </p:extLst>
-  </p:cSld>
-  <p:clrMapOvr>
-    <a:masterClrMapping/>
-  </p:clrMapOvr>
-  <p:timing>
-    <p:tnLst>
-      <p:par>
-        <p:cTn id="1" dur="indefinite" restart="never" nodeType="tmRoot"/>
-      </p:par>
-    </p:tnLst>
-  </p:timing>
-</p:sld>
-</file>
-
-<file path=ppt/slides/slide41.xml><?xml version="1.0" encoding="utf-8"?>
-<p:sld xmlns:a="http://schemas.openxmlformats.org/drawingml/2006/main" xmlns:r="http://schemas.openxmlformats.org/officeDocument/2006/relationships" xmlns:p="http://schemas.openxmlformats.org/presentationml/2006/main">
-  <p:cSld>
-    <p:spTree>
-      <p:nvGrpSpPr>
-        <p:cNvPr id="1" name=""/>
-        <p:cNvGrpSpPr/>
-        <p:nvPr/>
-      </p:nvGrpSpPr>
-      <p:grpSpPr>
-        <a:xfrm>
-          <a:off x="0" y="0"/>
-          <a:ext cx="0" cy="0"/>
-          <a:chOff x="0" y="0"/>
-          <a:chExt cx="0" cy="0"/>
-        </a:xfrm>
-      </p:grpSpPr>
-      <p:sp>
-        <p:nvSpPr>
-          <p:cNvPr id="2" name="Заголовок 1"/>
-          <p:cNvSpPr>
-            <a:spLocks noGrp="1"/>
-          </p:cNvSpPr>
-          <p:nvPr>
-            <p:ph type="title"/>
-          </p:nvPr>
-        </p:nvSpPr>
-        <p:spPr/>
-        <p:txBody>
-          <a:bodyPr/>
-          <a:lstStyle/>
-          <a:p>
-            <a:r>
-              <a:rPr lang="ru-RU" dirty="0" smtClean="0"/>
-              <a:t>Процедура инкапсуляции </a:t>
-            </a:r>
-            <a:r>
-              <a:rPr lang="en-US" dirty="0" err="1" smtClean="0"/>
-              <a:t>WireGuard</a:t>
-            </a:r>
-            <a:endParaRPr lang="ru-RU" dirty="0"/>
-          </a:p>
-        </p:txBody>
-      </p:sp>
-      <p:sp>
-        <p:nvSpPr>
-          <p:cNvPr id="3" name="Объект 2"/>
-          <p:cNvSpPr>
-            <a:spLocks noGrp="1"/>
-          </p:cNvSpPr>
-          <p:nvPr>
-            <p:ph idx="1"/>
-          </p:nvPr>
-        </p:nvSpPr>
-        <p:spPr/>
-        <p:txBody>
-          <a:bodyPr/>
-          <a:lstStyle/>
-          <a:p>
-            <a:pPr marL="0" indent="0">
-              <a:buNone/>
-            </a:pPr>
-            <a:r>
-              <a:rPr lang="ru-RU" dirty="0" smtClean="0"/>
-              <a:t>Пакет с </a:t>
-            </a:r>
-            <a:r>
-              <a:rPr lang="en-US" dirty="0" smtClean="0"/>
-              <a:t>PT </a:t>
-            </a:r>
-            <a:r>
-              <a:rPr lang="ru-RU" dirty="0" smtClean="0"/>
-              <a:t>приходит на интерфейс</a:t>
-            </a:r>
-            <a:r>
-              <a:rPr lang="en-US" dirty="0" smtClean="0"/>
-              <a:t> </a:t>
-            </a:r>
-            <a:r>
-              <a:rPr lang="en-US" dirty="0" err="1" smtClean="0"/>
-              <a:t>WireGuard</a:t>
-            </a:r>
-            <a:r>
-              <a:rPr lang="ru-RU" dirty="0" smtClean="0"/>
-              <a:t>.</a:t>
-            </a:r>
-            <a:endParaRPr lang="en-US" dirty="0" smtClean="0"/>
-          </a:p>
-          <a:p>
-            <a:pPr marL="0" indent="0">
-              <a:buNone/>
-            </a:pPr>
-            <a:r>
-              <a:rPr lang="ru-RU" dirty="0" smtClean="0"/>
-              <a:t>Определяется узел получателя и его открытый ключ.</a:t>
-            </a:r>
-          </a:p>
-          <a:p>
-            <a:pPr marL="0" indent="0">
-              <a:buNone/>
-            </a:pPr>
-            <a:r>
-              <a:rPr lang="ru-RU" dirty="0" smtClean="0"/>
-              <a:t>Определяется ключ и счётчик для использования в </a:t>
-            </a:r>
-            <a:r>
-              <a:rPr lang="en-US" dirty="0" smtClean="0"/>
-              <a:t>ChaCha20Poly1305</a:t>
-            </a:r>
-            <a:r>
-              <a:rPr lang="ru-RU" dirty="0" smtClean="0"/>
-              <a:t>. Содержимое пакета шифруется.</a:t>
-            </a:r>
-          </a:p>
-          <a:p>
-            <a:pPr marL="0" indent="0">
-              <a:buNone/>
-            </a:pPr>
-            <a:r>
-              <a:rPr lang="ru-RU" dirty="0" smtClean="0"/>
-              <a:t>К содержимому пакета добавляется заголовок.</a:t>
-            </a:r>
-          </a:p>
-          <a:p>
-            <a:pPr marL="0" indent="0">
-              <a:buNone/>
-            </a:pPr>
-            <a:r>
-              <a:rPr lang="ru-RU" dirty="0" smtClean="0"/>
-              <a:t>Результат отправляется узлу в виде </a:t>
-            </a:r>
-            <a:r>
-              <a:rPr lang="en-US" dirty="0" smtClean="0"/>
-              <a:t>UDP </a:t>
-            </a:r>
-            <a:r>
-              <a:rPr lang="ru-RU" dirty="0" smtClean="0"/>
-              <a:t>пакета по адресу </a:t>
-            </a:r>
-            <a:r>
-              <a:rPr lang="en-US" dirty="0"/>
-              <a:t>Internet </a:t>
-            </a:r>
-            <a:r>
-              <a:rPr lang="en-US" dirty="0" smtClean="0"/>
-              <a:t>Endpoint</a:t>
-            </a:r>
-            <a:r>
-              <a:rPr lang="ru-RU" dirty="0" smtClean="0"/>
-              <a:t>. </a:t>
-            </a:r>
-            <a:endParaRPr lang="ru-RU" dirty="0"/>
-          </a:p>
-        </p:txBody>
-      </p:sp>
-      <p:sp>
-        <p:nvSpPr>
-          <p:cNvPr id="4" name="Номер слайда 3"/>
-          <p:cNvSpPr>
-            <a:spLocks noGrp="1"/>
-          </p:cNvSpPr>
-          <p:nvPr>
-            <p:ph type="sldNum" sz="quarter" idx="12"/>
-          </p:nvPr>
-        </p:nvSpPr>
-        <p:spPr/>
-        <p:txBody>
-          <a:bodyPr/>
-          <a:lstStyle/>
-          <a:p>
-            <a:fld id="{AC4B6EA2-3DAB-415A-81B1-2E2A41D203B5}" type="slidenum">
-              <a:rPr lang="ru-RU" smtClean="0"/>
-              <a:t>41</a:t>
-            </a:fld>
-            <a:endParaRPr lang="ru-RU" dirty="0"/>
-          </a:p>
-        </p:txBody>
-      </p:sp>
-    </p:spTree>
-    <p:extLst>
-      <p:ext uri="{BB962C8B-B14F-4D97-AF65-F5344CB8AC3E}">
-        <p14:creationId xmlns:p14="http://schemas.microsoft.com/office/powerpoint/2010/main" val="3114583826"/>
       </p:ext>
     </p:extLst>
   </p:cSld>
@@ -11795,7 +11730,7 @@
           <a:p>
             <a:r>
               <a:rPr lang="ru-RU" dirty="0" smtClean="0"/>
-              <a:t>Криптография </a:t>
+              <a:t>Процедура инкапсуляции </a:t>
             </a:r>
             <a:r>
               <a:rPr lang="en-US" dirty="0" err="1" smtClean="0"/>
@@ -11817,9 +11752,7 @@
         </p:nvSpPr>
         <p:spPr/>
         <p:txBody>
-          <a:bodyPr>
-            <a:normAutofit fontScale="92500" lnSpcReduction="10000"/>
-          </a:bodyPr>
+          <a:bodyPr/>
           <a:lstStyle/>
           <a:p>
             <a:pPr marL="0" indent="0">
@@ -11827,52 +11760,37 @@
             </a:pPr>
             <a:r>
               <a:rPr lang="ru-RU" dirty="0" smtClean="0"/>
-              <a:t>Основа – </a:t>
-            </a:r>
-            <a:r>
-              <a:rPr lang="en-US" dirty="0" smtClean="0"/>
-              <a:t>Noise </a:t>
-            </a:r>
-            <a:r>
-              <a:rPr lang="ru-RU" dirty="0" smtClean="0"/>
-              <a:t>«</a:t>
-            </a:r>
-            <a:r>
-              <a:rPr lang="en-US" dirty="0" smtClean="0"/>
-              <a:t>IK</a:t>
-            </a:r>
-            <a:r>
-              <a:rPr lang="ru-RU" dirty="0" smtClean="0"/>
-              <a:t>»</a:t>
-            </a:r>
-            <a:r>
-              <a:rPr lang="ru-RU" dirty="0"/>
+              <a:t>Пакет с </a:t>
+            </a:r>
+            <a:r>
+              <a:rPr lang="en-US" dirty="0" smtClean="0"/>
+              <a:t>PT </a:t>
+            </a:r>
+            <a:r>
+              <a:rPr lang="ru-RU" dirty="0" smtClean="0"/>
+              <a:t>приходит на интерфейс</a:t>
+            </a:r>
+            <a:r>
+              <a:rPr lang="en-US" dirty="0" smtClean="0"/>
               <a:t> </a:t>
             </a:r>
             <a:r>
-              <a:rPr lang="ru-RU" dirty="0" smtClean="0"/>
-              <a:t>(явная аутентичность ключа + </a:t>
-            </a:r>
-            <a:r>
-              <a:rPr lang="en-US" dirty="0" smtClean="0"/>
-              <a:t>forward secrecy</a:t>
-            </a:r>
-            <a:r>
-              <a:rPr lang="ru-RU" dirty="0" smtClean="0"/>
-              <a:t>)</a:t>
-            </a:r>
+              <a:rPr lang="en-US" dirty="0" err="1" smtClean="0"/>
+              <a:t>WireGuard</a:t>
+            </a:r>
+            <a:r>
+              <a:rPr lang="ru-RU" dirty="0" smtClean="0"/>
+              <a:t>.</a:t>
+            </a:r>
+            <a:endParaRPr lang="en-US" dirty="0" smtClean="0"/>
           </a:p>
           <a:p>
             <a:pPr marL="0" indent="0">
               <a:buNone/>
             </a:pPr>
             <a:r>
-              <a:rPr lang="pt-BR" dirty="0" smtClean="0"/>
-              <a:t>IK(s</a:t>
-            </a:r>
-            <a:r>
-              <a:rPr lang="pt-BR" dirty="0"/>
-              <a:t>, rs):</a:t>
+              <a:rPr lang="ru-RU" dirty="0" smtClean="0"/>
+              <a:t>Определяется узел получателя и его открытый ключ.</a:t>
             </a:r>
           </a:p>
           <a:p>
@@ -11880,8 +11798,16 @@
               <a:buNone/>
             </a:pPr>
             <a:r>
-              <a:rPr lang="pt-BR" dirty="0"/>
-              <a:t>&lt;- s</a:t>
+              <a:rPr lang="ru-RU" dirty="0" smtClean="0"/>
+              <a:t>Определяется ключ и счётчик для использования в </a:t>
+            </a:r>
+            <a:r>
+              <a:rPr lang="en-US" dirty="0" smtClean="0"/>
+              <a:t>ChaCha20Poly1305</a:t>
+            </a:r>
+            <a:r>
+              <a:rPr lang="ru-RU" dirty="0" smtClean="0"/>
+              <a:t>. Содержимое пакета шифруется.</a:t>
             </a:r>
           </a:p>
           <a:p>
@@ -11889,8 +11815,8 @@
               <a:buNone/>
             </a:pPr>
             <a:r>
-              <a:rPr lang="pt-BR" dirty="0"/>
-              <a:t>...</a:t>
+              <a:rPr lang="ru-RU" dirty="0" smtClean="0"/>
+              <a:t>К содержимому пакета добавляется заголовок.</a:t>
             </a:r>
           </a:p>
           <a:p>
@@ -11898,69 +11824,29 @@
               <a:buNone/>
             </a:pPr>
             <a:r>
-              <a:rPr lang="pt-BR" dirty="0"/>
-              <a:t>-&gt; e, es, s, ss</a:t>
-            </a:r>
-          </a:p>
-          <a:p>
-            <a:pPr marL="0" indent="0">
-              <a:buNone/>
-            </a:pPr>
-            <a:r>
-              <a:rPr lang="pt-BR" dirty="0"/>
-              <a:t>&lt;- e, ee, </a:t>
-            </a:r>
-            <a:r>
-              <a:rPr lang="pt-BR" dirty="0" smtClean="0"/>
-              <a:t>se</a:t>
-            </a:r>
-          </a:p>
-          <a:p>
-            <a:pPr marL="0" indent="0">
-              <a:buNone/>
-            </a:pPr>
-            <a:r>
-              <a:rPr lang="ru-RU" dirty="0" smtClean="0"/>
-              <a:t>Первое передаваемое сообщение после </a:t>
-            </a:r>
-            <a:r>
-              <a:rPr lang="en-US" dirty="0" smtClean="0"/>
-              <a:t>handshake </a:t>
-            </a:r>
-            <a:r>
-              <a:rPr lang="ru-RU" dirty="0" smtClean="0"/>
-              <a:t>аутентифицирует инициатора.</a:t>
-            </a:r>
-          </a:p>
-          <a:p>
-            <a:pPr marL="0" indent="0">
-              <a:buNone/>
-            </a:pPr>
-            <a:r>
-              <a:rPr lang="ru-RU" dirty="0" smtClean="0"/>
-              <a:t>Используемые </a:t>
-            </a:r>
-            <a:r>
-              <a:rPr lang="ru-RU" dirty="0"/>
-              <a:t>примитивы – </a:t>
+              <a:rPr lang="ru-RU" dirty="0" smtClean="0"/>
+              <a:t>Результат отправляется узлу в виде </a:t>
+            </a:r>
+            <a:r>
+              <a:rPr lang="en-US" dirty="0" smtClean="0"/>
+              <a:t>UDP </a:t>
+            </a:r>
+            <a:r>
+              <a:rPr lang="ru-RU" dirty="0" smtClean="0"/>
+              <a:t>пакета по адресу </a:t>
             </a:r>
             <a:r>
               <a:rPr lang="en-US" dirty="0"/>
-              <a:t>ECDH </a:t>
-            </a:r>
-            <a:r>
-              <a:rPr lang="ru-RU" dirty="0"/>
-              <a:t>2551</a:t>
-            </a:r>
-            <a:r>
-              <a:rPr lang="en-US" dirty="0"/>
-              <a:t>9, ChaCha20Poly1305, HKDF, BLAKE2s (MAC, PRF), BLAKE2s (Hash), HMAC </a:t>
-            </a:r>
-          </a:p>
-          <a:p>
-            <a:pPr marL="0" indent="0">
-              <a:buNone/>
-            </a:pPr>
+              <a:t>Internet </a:t>
+            </a:r>
+            <a:r>
+              <a:rPr lang="en-US" dirty="0" smtClean="0"/>
+              <a:t>Endpoint</a:t>
+            </a:r>
+            <a:r>
+              <a:rPr lang="ru-RU" dirty="0" smtClean="0"/>
+              <a:t>. </a:t>
+            </a:r>
             <a:endParaRPr lang="ru-RU" dirty="0"/>
           </a:p>
         </p:txBody>
@@ -11991,7 +11877,7 @@
     </p:spTree>
     <p:extLst>
       <p:ext uri="{BB962C8B-B14F-4D97-AF65-F5344CB8AC3E}">
-        <p14:creationId xmlns:p14="http://schemas.microsoft.com/office/powerpoint/2010/main" val="3565019582"/>
+        <p14:creationId xmlns:p14="http://schemas.microsoft.com/office/powerpoint/2010/main" val="3114583826"/>
       </p:ext>
     </p:extLst>
   </p:cSld>
@@ -12042,7 +11928,11 @@
           <a:p>
             <a:r>
               <a:rPr lang="ru-RU" dirty="0" smtClean="0"/>
-              <a:t>Использование метки времени</a:t>
+              <a:t>Криптография </a:t>
+            </a:r>
+            <a:r>
+              <a:rPr lang="en-US" dirty="0" err="1" smtClean="0"/>
+              <a:t>WireGuard</a:t>
             </a:r>
             <a:endParaRPr lang="ru-RU" dirty="0"/>
           </a:p>
@@ -12060,7 +11950,9 @@
         </p:nvSpPr>
         <p:spPr/>
         <p:txBody>
-          <a:bodyPr/>
+          <a:bodyPr>
+            <a:normAutofit fontScale="92500" lnSpcReduction="10000"/>
+          </a:bodyPr>
           <a:lstStyle/>
           <a:p>
             <a:pPr marL="0" indent="0">
@@ -12068,15 +11960,39 @@
             </a:pPr>
             <a:r>
               <a:rPr lang="ru-RU" dirty="0" smtClean="0"/>
-              <a:t>Благодаря </a:t>
-            </a:r>
-            <a:r>
-              <a:rPr lang="en-US" dirty="0" smtClean="0"/>
-              <a:t>1-RTT </a:t>
-            </a:r>
-            <a:r>
-              <a:rPr lang="ru-RU" dirty="0" smtClean="0"/>
-              <a:t>нет необходимости хранить состояние при согласовании ключа. </a:t>
+              <a:t>Основа – </a:t>
+            </a:r>
+            <a:r>
+              <a:rPr lang="en-US" dirty="0" smtClean="0"/>
+              <a:t>Noise </a:t>
+            </a:r>
+            <a:r>
+              <a:rPr lang="ru-RU" dirty="0" smtClean="0"/>
+              <a:t>«</a:t>
+            </a:r>
+            <a:r>
+              <a:rPr lang="en-US" dirty="0" smtClean="0"/>
+              <a:t>IK</a:t>
+            </a:r>
+            <a:r>
+              <a:rPr lang="ru-RU" dirty="0" smtClean="0"/>
+              <a:t>»</a:t>
+            </a:r>
+            <a:r>
+              <a:rPr lang="ru-RU" dirty="0"/>
+              <a:t> </a:t>
+            </a:r>
+            <a:r>
+              <a:rPr lang="ru-RU" dirty="0" smtClean="0"/>
+              <a:t>(явная аутентичность ключа + </a:t>
+            </a:r>
+            <a:r>
+              <a:rPr lang="en-US" dirty="0" smtClean="0"/>
+              <a:t>forward secrecy</a:t>
+            </a:r>
+            <a:r>
+              <a:rPr lang="ru-RU" dirty="0" smtClean="0"/>
+              <a:t>)</a:t>
             </a:r>
           </a:p>
           <a:p>
@@ -12084,24 +12000,12 @@
               <a:buNone/>
             </a:pPr>
             <a:r>
-              <a:rPr lang="ru-RU" dirty="0" smtClean="0"/>
-              <a:t>Возможна атака повтором, в которой противник повторяет </a:t>
-            </a:r>
-            <a:r>
-              <a:rPr lang="en-US" dirty="0" smtClean="0"/>
-              <a:t>handshake</a:t>
-            </a:r>
-            <a:r>
-              <a:rPr lang="ru-RU" dirty="0" smtClean="0"/>
-              <a:t>, заставляя получателя разорвать существующую сессию (</a:t>
-            </a:r>
-            <a:r>
-              <a:rPr lang="en-US" dirty="0" smtClean="0"/>
-              <a:t>DOS)</a:t>
-            </a:r>
-            <a:r>
-              <a:rPr lang="ru-RU" dirty="0" smtClean="0"/>
-              <a:t>.</a:t>
+              <a:rPr lang="pt-BR" dirty="0" smtClean="0"/>
+              <a:t>IK(s</a:t>
+            </a:r>
+            <a:r>
+              <a:rPr lang="pt-BR" dirty="0"/>
+              <a:t>, rs):</a:t>
             </a:r>
           </a:p>
           <a:p>
@@ -12109,17 +12013,87 @@
               <a:buNone/>
             </a:pPr>
             <a:r>
-              <a:rPr lang="ru-RU" dirty="0" smtClean="0"/>
-              <a:t>Для защиты используется метка времени в формате </a:t>
-            </a:r>
-            <a:r>
-              <a:rPr lang="en-US" dirty="0" smtClean="0"/>
-              <a:t>TAI64N</a:t>
-            </a:r>
-            <a:r>
-              <a:rPr lang="ru-RU" dirty="0" smtClean="0"/>
-              <a:t>, используемая в теле первого передаваемого инициатором сообщения. Получатель хранит последнюю полученную метку времени. Все метки времени, младше полученной считаются недействительными.</a:t>
-            </a:r>
+              <a:rPr lang="pt-BR" dirty="0"/>
+              <a:t>&lt;- s</a:t>
+            </a:r>
+          </a:p>
+          <a:p>
+            <a:pPr marL="0" indent="0">
+              <a:buNone/>
+            </a:pPr>
+            <a:r>
+              <a:rPr lang="pt-BR" dirty="0"/>
+              <a:t>...</a:t>
+            </a:r>
+          </a:p>
+          <a:p>
+            <a:pPr marL="0" indent="0">
+              <a:buNone/>
+            </a:pPr>
+            <a:r>
+              <a:rPr lang="pt-BR" dirty="0"/>
+              <a:t>-&gt; e, es, s, ss</a:t>
+            </a:r>
+          </a:p>
+          <a:p>
+            <a:pPr marL="0" indent="0">
+              <a:buNone/>
+            </a:pPr>
+            <a:r>
+              <a:rPr lang="pt-BR" dirty="0"/>
+              <a:t>&lt;- e, ee, </a:t>
+            </a:r>
+            <a:r>
+              <a:rPr lang="pt-BR" dirty="0" smtClean="0"/>
+              <a:t>se</a:t>
+            </a:r>
+          </a:p>
+          <a:p>
+            <a:pPr marL="0" indent="0">
+              <a:buNone/>
+            </a:pPr>
+            <a:r>
+              <a:rPr lang="ru-RU" dirty="0" smtClean="0"/>
+              <a:t>Первое передаваемое сообщение после </a:t>
+            </a:r>
+            <a:r>
+              <a:rPr lang="en-US" dirty="0" smtClean="0"/>
+              <a:t>handshake </a:t>
+            </a:r>
+            <a:r>
+              <a:rPr lang="ru-RU" dirty="0" smtClean="0"/>
+              <a:t>аутентифицирует инициатора.</a:t>
+            </a:r>
+          </a:p>
+          <a:p>
+            <a:pPr marL="0" indent="0">
+              <a:buNone/>
+            </a:pPr>
+            <a:r>
+              <a:rPr lang="ru-RU" dirty="0" smtClean="0"/>
+              <a:t>Используемые </a:t>
+            </a:r>
+            <a:r>
+              <a:rPr lang="ru-RU" dirty="0"/>
+              <a:t>примитивы – </a:t>
+            </a:r>
+            <a:r>
+              <a:rPr lang="en-US" dirty="0"/>
+              <a:t>ECDH </a:t>
+            </a:r>
+            <a:r>
+              <a:rPr lang="ru-RU" dirty="0"/>
+              <a:t>2551</a:t>
+            </a:r>
+            <a:r>
+              <a:rPr lang="en-US" dirty="0"/>
+              <a:t>9, ChaCha20Poly1305, HKDF, BLAKE2s (MAC, PRF), BLAKE2s (Hash), HMAC </a:t>
+            </a:r>
+          </a:p>
+          <a:p>
+            <a:pPr marL="0" indent="0">
+              <a:buNone/>
+            </a:pPr>
             <a:endParaRPr lang="ru-RU" dirty="0"/>
           </a:p>
         </p:txBody>
@@ -12150,7 +12124,7 @@
     </p:spTree>
     <p:extLst>
       <p:ext uri="{BB962C8B-B14F-4D97-AF65-F5344CB8AC3E}">
-        <p14:creationId xmlns:p14="http://schemas.microsoft.com/office/powerpoint/2010/main" val="4270647424"/>
+        <p14:creationId xmlns:p14="http://schemas.microsoft.com/office/powerpoint/2010/main" val="3565019582"/>
       </p:ext>
     </p:extLst>
   </p:cSld>
@@ -12201,11 +12175,7 @@
           <a:p>
             <a:r>
               <a:rPr lang="ru-RU" dirty="0" smtClean="0"/>
-              <a:t>Использование </a:t>
-            </a:r>
-            <a:r>
-              <a:rPr lang="en-US" dirty="0" smtClean="0"/>
-              <a:t>psk</a:t>
+              <a:t>Использование метки времени</a:t>
             </a:r>
             <a:endParaRPr lang="ru-RU" dirty="0"/>
           </a:p>
@@ -12223,9 +12193,7 @@
         </p:nvSpPr>
         <p:spPr/>
         <p:txBody>
-          <a:bodyPr>
-            <a:normAutofit fontScale="92500" lnSpcReduction="10000"/>
-          </a:bodyPr>
+          <a:bodyPr/>
           <a:lstStyle/>
           <a:p>
             <a:pPr marL="0" indent="0">
@@ -12233,15 +12201,15 @@
             </a:pPr>
             <a:r>
               <a:rPr lang="ru-RU" dirty="0" smtClean="0"/>
-              <a:t>Стойкость протокола основана на стойкости </a:t>
-            </a:r>
-            <a:r>
-              <a:rPr lang="en-US" dirty="0" smtClean="0"/>
-              <a:t>ECDH</a:t>
-            </a:r>
-            <a:r>
-              <a:rPr lang="ru-RU" dirty="0" smtClean="0"/>
-              <a:t>, которая сводится к сложности задачи дискретного логарифмирования.</a:t>
+              <a:t>Благодаря </a:t>
+            </a:r>
+            <a:r>
+              <a:rPr lang="en-US" dirty="0" smtClean="0"/>
+              <a:t>1-RTT </a:t>
+            </a:r>
+            <a:r>
+              <a:rPr lang="ru-RU" dirty="0" smtClean="0"/>
+              <a:t>нет необходимости хранить состояние при согласовании ключа. </a:t>
             </a:r>
           </a:p>
           <a:p>
@@ -12250,9 +12218,24 @@
             </a:pPr>
             <a:r>
               <a:rPr lang="ru-RU" dirty="0" smtClean="0"/>
-              <a:t>При квантовом противники данная задача является эффективно вычислимой. </a:t>
-            </a:r>
-            <a:endParaRPr lang="ru-RU" dirty="0"/>
+              <a:t>Возможна атака повтором, в которой противник повторяет </a:t>
+            </a:r>
+            <a:r>
+              <a:rPr lang="en-US" dirty="0" smtClean="0"/>
+              <a:t>handshake</a:t>
+            </a:r>
+            <a:r>
+              <a:rPr lang="ru-RU" dirty="0" smtClean="0"/>
+              <a:t>, заставляя получателя разорвать существующую сессию (</a:t>
+            </a:r>
+            <a:r>
+              <a:rPr lang="en-US" dirty="0" smtClean="0"/>
+              <a:t>DOS)</a:t>
+            </a:r>
+            <a:r>
+              <a:rPr lang="ru-RU" dirty="0" smtClean="0"/>
+              <a:t>.</a:t>
+            </a:r>
           </a:p>
           <a:p>
             <a:pPr marL="0" indent="0">
@@ -12260,60 +12243,15 @@
             </a:pPr>
             <a:r>
               <a:rPr lang="ru-RU" dirty="0" smtClean="0"/>
-              <a:t>Возможна квантовая атака – противник хранит все текущие сессии, до момента получения в своё распоряжение квантового компьютера. Затем он может расшифровать весь перехваченный трафик, построив атаку на </a:t>
-            </a:r>
-            <a:r>
-              <a:rPr lang="en-US" dirty="0" smtClean="0"/>
-              <a:t>ECDH</a:t>
-            </a:r>
-            <a:r>
-              <a:rPr lang="ru-RU" dirty="0" smtClean="0"/>
-              <a:t>.</a:t>
-            </a:r>
-          </a:p>
-          <a:p>
-            <a:pPr marL="0" indent="0">
-              <a:buNone/>
-            </a:pPr>
-            <a:r>
-              <a:rPr lang="ru-RU" dirty="0" smtClean="0"/>
-              <a:t>Возможно использование смягчения – использования статического симметричного ключа </a:t>
-            </a:r>
-            <a:r>
-              <a:rPr lang="en-US" dirty="0" smtClean="0"/>
-              <a:t>psk</a:t>
-            </a:r>
-            <a:r>
-              <a:rPr lang="ru-RU" dirty="0" smtClean="0"/>
-              <a:t>, который используется для «подмешивания» в </a:t>
-            </a:r>
-            <a:r>
-              <a:rPr lang="en-US" dirty="0" err="1" smtClean="0"/>
-              <a:t>ck</a:t>
-            </a:r>
-            <a:r>
-              <a:rPr lang="en-US" dirty="0" smtClean="0"/>
-              <a:t> symmetric state </a:t>
-            </a:r>
-            <a:r>
-              <a:rPr lang="ru-RU" dirty="0" smtClean="0"/>
-              <a:t>(см токен </a:t>
-            </a:r>
-            <a:r>
-              <a:rPr lang="en-US" dirty="0" smtClean="0"/>
-              <a:t>psk Noise)</a:t>
-            </a:r>
-            <a:r>
-              <a:rPr lang="ru-RU" dirty="0" smtClean="0"/>
-              <a:t> как начальный ключевой материал </a:t>
-            </a:r>
-            <a:r>
-              <a:rPr lang="en-US" dirty="0" smtClean="0"/>
-              <a:t>HKDF</a:t>
-            </a:r>
-            <a:r>
-              <a:rPr lang="ru-RU" dirty="0" smtClean="0"/>
-              <a:t>.</a:t>
+              <a:t>Для защиты используется метка времени в формате </a:t>
+            </a:r>
+            <a:r>
+              <a:rPr lang="en-US" dirty="0" smtClean="0"/>
+              <a:t>TAI64N</a:t>
+            </a:r>
+            <a:r>
+              <a:rPr lang="ru-RU" dirty="0" smtClean="0"/>
+              <a:t>, используемая в теле первого передаваемого инициатором сообщения. Получатель хранит последнюю полученную метку времени. Все метки времени, младше полученной считаются недействительными.</a:t>
             </a:r>
             <a:endParaRPr lang="ru-RU" dirty="0"/>
           </a:p>
@@ -12345,7 +12283,7 @@
     </p:spTree>
     <p:extLst>
       <p:ext uri="{BB962C8B-B14F-4D97-AF65-F5344CB8AC3E}">
-        <p14:creationId xmlns:p14="http://schemas.microsoft.com/office/powerpoint/2010/main" val="192315971"/>
+        <p14:creationId xmlns:p14="http://schemas.microsoft.com/office/powerpoint/2010/main" val="4270647424"/>
       </p:ext>
     </p:extLst>
   </p:cSld>
@@ -12395,16 +12333,12 @@
           <a:lstStyle/>
           <a:p>
             <a:r>
-              <a:rPr lang="en-US" dirty="0" smtClean="0"/>
-              <a:t>Cookie </a:t>
-            </a:r>
-            <a:r>
-              <a:rPr lang="ru-RU" dirty="0" smtClean="0"/>
-              <a:t>и </a:t>
-            </a:r>
-            <a:r>
-              <a:rPr lang="en-US" dirty="0" smtClean="0"/>
-              <a:t>DOS</a:t>
+              <a:rPr lang="ru-RU" dirty="0" smtClean="0"/>
+              <a:t>Использование </a:t>
+            </a:r>
+            <a:r>
+              <a:rPr lang="en-US" dirty="0" smtClean="0"/>
+              <a:t>psk</a:t>
             </a:r>
             <a:endParaRPr lang="ru-RU" dirty="0"/>
           </a:p>
@@ -12420,14 +12354,11 @@
             <p:ph idx="1"/>
           </p:nvPr>
         </p:nvSpPr>
-        <p:spPr>
-          <a:xfrm>
-            <a:off x="838200" y="1825625"/>
-            <a:ext cx="8068408" cy="4351338"/>
-          </a:xfrm>
-        </p:spPr>
-        <p:txBody>
-          <a:bodyPr/>
+        <p:spPr/>
+        <p:txBody>
+          <a:bodyPr>
+            <a:normAutofit fontScale="92500" lnSpcReduction="10000"/>
+          </a:bodyPr>
           <a:lstStyle/>
           <a:p>
             <a:pPr marL="0" indent="0">
@@ -12435,15 +12366,7 @@
             </a:pPr>
             <a:r>
               <a:rPr lang="ru-RU" dirty="0" smtClean="0"/>
-              <a:t>Возможна атака на узел получателя в виде отправки множества сообщений в рамках </a:t>
-            </a:r>
-            <a:r>
-              <a:rPr lang="en-US" dirty="0" smtClean="0"/>
-              <a:t>handshake</a:t>
-            </a:r>
-            <a:r>
-              <a:rPr lang="ru-RU" dirty="0" smtClean="0"/>
-              <a:t>. Для ответов ему необходимо вычислять </a:t>
+              <a:t>Стойкость протокола основана на стойкости </a:t>
             </a:r>
             <a:r>
               <a:rPr lang="en-US" dirty="0" smtClean="0"/>
@@ -12451,11 +12374,30 @@
             </a:r>
             <a:r>
               <a:rPr lang="ru-RU" dirty="0" smtClean="0"/>
-              <a:t>, что является трудозатратой операций и может привести к </a:t>
-            </a:r>
-            <a:r>
-              <a:rPr lang="en-US" dirty="0" smtClean="0"/>
-              <a:t>DOS</a:t>
+              <a:t>, которая сводится к сложности задачи дискретного логарифмирования.</a:t>
+            </a:r>
+          </a:p>
+          <a:p>
+            <a:pPr marL="0" indent="0">
+              <a:buNone/>
+            </a:pPr>
+            <a:r>
+              <a:rPr lang="ru-RU" dirty="0" smtClean="0"/>
+              <a:t>При квантовом противники данная задача является эффективно вычислимой. </a:t>
+            </a:r>
+            <a:endParaRPr lang="ru-RU" dirty="0"/>
+          </a:p>
+          <a:p>
+            <a:pPr marL="0" indent="0">
+              <a:buNone/>
+            </a:pPr>
+            <a:r>
+              <a:rPr lang="ru-RU" dirty="0" smtClean="0"/>
+              <a:t>Возможна квантовая атака – противник хранит все текущие сессии, до момента получения в своё распоряжение квантового компьютера. Затем он может расшифровать весь перехваченный трафик, построив атаку на </a:t>
+            </a:r>
+            <a:r>
+              <a:rPr lang="en-US" dirty="0" smtClean="0"/>
+              <a:t>ECDH</a:t>
             </a:r>
             <a:r>
               <a:rPr lang="ru-RU" dirty="0" smtClean="0"/>
@@ -12468,60 +12410,51 @@
             </a:pPr>
             <a:r>
               <a:rPr lang="ru-RU" dirty="0" smtClean="0"/>
-              <a:t>Смягчение – при нагрузке узел может не отвечать на </a:t>
-            </a:r>
-            <a:r>
-              <a:rPr lang="en-US" dirty="0" smtClean="0"/>
-              <a:t>handshake </a:t>
-            </a:r>
-            <a:r>
-              <a:rPr lang="ru-RU" dirty="0" smtClean="0"/>
-              <a:t>а отправлять специальный ответ с </a:t>
-            </a:r>
-            <a:r>
-              <a:rPr lang="en-US" dirty="0" smtClean="0"/>
-              <a:t>cookie</a:t>
-            </a:r>
-            <a:r>
-              <a:rPr lang="ru-RU" dirty="0" smtClean="0"/>
-              <a:t>, ожидая особый ответ от инициатора.</a:t>
-            </a:r>
-          </a:p>
-        </p:txBody>
-      </p:sp>
-      <p:pic>
-        <p:nvPicPr>
-          <p:cNvPr id="4" name="Рисунок 3"/>
-          <p:cNvPicPr>
-            <a:picLocks noChangeAspect="1"/>
-          </p:cNvPicPr>
-          <p:nvPr/>
-        </p:nvPicPr>
-        <p:blipFill>
-          <a:blip r:embed="rId2">
-            <a:extLst>
-              <a:ext uri="{28A0092B-C50C-407E-A947-70E740481C1C}">
-                <a14:useLocalDpi xmlns:a14="http://schemas.microsoft.com/office/drawing/2010/main" val="0"/>
-              </a:ext>
-            </a:extLst>
-          </a:blip>
-          <a:stretch>
-            <a:fillRect/>
-          </a:stretch>
-        </p:blipFill>
-        <p:spPr>
-          <a:xfrm>
-            <a:off x="8802384" y="1952381"/>
-            <a:ext cx="3253824" cy="3138365"/>
-          </a:xfrm>
-          <a:prstGeom prst="rect">
-            <a:avLst/>
-          </a:prstGeom>
-        </p:spPr>
-      </p:pic>
-      <p:sp>
-        <p:nvSpPr>
-          <p:cNvPr id="5" name="Номер слайда 4"/>
+              <a:t>Возможно использование смягчения – использования статического симметричного ключа </a:t>
+            </a:r>
+            <a:r>
+              <a:rPr lang="en-US" dirty="0" smtClean="0"/>
+              <a:t>psk</a:t>
+            </a:r>
+            <a:r>
+              <a:rPr lang="ru-RU" dirty="0" smtClean="0"/>
+              <a:t>, который используется для «подмешивания» в </a:t>
+            </a:r>
+            <a:r>
+              <a:rPr lang="en-US" dirty="0" err="1" smtClean="0"/>
+              <a:t>ck</a:t>
+            </a:r>
+            <a:r>
+              <a:rPr lang="en-US" dirty="0" smtClean="0"/>
+              <a:t> symmetric state </a:t>
+            </a:r>
+            <a:r>
+              <a:rPr lang="ru-RU" dirty="0" smtClean="0"/>
+              <a:t>(см токен </a:t>
+            </a:r>
+            <a:r>
+              <a:rPr lang="en-US" dirty="0" smtClean="0"/>
+              <a:t>psk Noise)</a:t>
+            </a:r>
+            <a:r>
+              <a:rPr lang="ru-RU" dirty="0" smtClean="0"/>
+              <a:t> как начальный ключевой материал </a:t>
+            </a:r>
+            <a:r>
+              <a:rPr lang="en-US" dirty="0" smtClean="0"/>
+              <a:t>HKDF</a:t>
+            </a:r>
+            <a:r>
+              <a:rPr lang="ru-RU" dirty="0" smtClean="0"/>
+              <a:t>.</a:t>
+            </a:r>
+            <a:endParaRPr lang="ru-RU" dirty="0"/>
+          </a:p>
+        </p:txBody>
+      </p:sp>
+      <p:sp>
+        <p:nvSpPr>
+          <p:cNvPr id="4" name="Номер слайда 3"/>
           <p:cNvSpPr>
             <a:spLocks noGrp="1"/>
           </p:cNvSpPr>
@@ -12545,7 +12478,7 @@
     </p:spTree>
     <p:extLst>
       <p:ext uri="{BB962C8B-B14F-4D97-AF65-F5344CB8AC3E}">
-        <p14:creationId xmlns:p14="http://schemas.microsoft.com/office/powerpoint/2010/main" val="1917468903"/>
+        <p14:creationId xmlns:p14="http://schemas.microsoft.com/office/powerpoint/2010/main" val="192315971"/>
       </p:ext>
     </p:extLst>
   </p:cSld>
@@ -12595,15 +12528,15 @@
           <a:lstStyle/>
           <a:p>
             <a:r>
-              <a:rPr lang="en-US" dirty="0"/>
+              <a:rPr lang="en-US" dirty="0" smtClean="0"/>
               <a:t>Cookie </a:t>
             </a:r>
             <a:r>
-              <a:rPr lang="ru-RU" dirty="0"/>
+              <a:rPr lang="ru-RU" dirty="0" smtClean="0"/>
               <a:t>и </a:t>
             </a:r>
             <a:r>
-              <a:rPr lang="en-US" dirty="0"/>
+              <a:rPr lang="en-US" dirty="0" smtClean="0"/>
               <a:t>DOS</a:t>
             </a:r>
             <a:endParaRPr lang="ru-RU" dirty="0"/>
@@ -12622,8 +12555,8 @@
         </p:nvSpPr>
         <p:spPr>
           <a:xfrm>
-            <a:off x="838200" y="1816833"/>
-            <a:ext cx="10515600" cy="4351338"/>
+            <a:off x="838200" y="1825625"/>
+            <a:ext cx="8068408" cy="4351338"/>
           </a:xfrm>
         </p:spPr>
         <p:txBody>
@@ -12634,38 +12567,33 @@
               <a:buNone/>
             </a:pPr>
             <a:r>
-              <a:rPr lang="ru-RU" dirty="0"/>
-              <a:t>Получатель хранит секретное случайное значение, изменяемое каждые 2 минуты. </a:t>
-            </a:r>
-            <a:r>
-              <a:rPr lang="en-US" dirty="0"/>
-              <a:t>Cookie – </a:t>
-            </a:r>
-            <a:r>
-              <a:rPr lang="ru-RU" dirty="0"/>
-              <a:t>есть </a:t>
-            </a:r>
-            <a:r>
-              <a:rPr lang="en-US" dirty="0"/>
-              <a:t>MAC </a:t>
-            </a:r>
-            <a:r>
-              <a:rPr lang="ru-RU" dirty="0"/>
-              <a:t>от </a:t>
-            </a:r>
-            <a:r>
-              <a:rPr lang="en-US" dirty="0"/>
-              <a:t>Ip </a:t>
-            </a:r>
-            <a:r>
-              <a:rPr lang="ru-RU" dirty="0"/>
-              <a:t>инициатора, с использованием секретного значения в качестве ключа.</a:t>
-            </a:r>
-            <a:r>
-              <a:rPr lang="en-US" dirty="0"/>
-              <a:t> </a:t>
-            </a:r>
-            <a:endParaRPr lang="ru-RU" dirty="0"/>
+              <a:rPr lang="ru-RU" dirty="0" smtClean="0"/>
+              <a:t>Возможна атака на узел получателя в виде отправки множества сообщений в рамках </a:t>
+            </a:r>
+            <a:r>
+              <a:rPr lang="en-US" dirty="0" smtClean="0"/>
+              <a:t>handshake</a:t>
+            </a:r>
+            <a:r>
+              <a:rPr lang="ru-RU" dirty="0" smtClean="0"/>
+              <a:t>. Для ответов ему необходимо вычислять </a:t>
+            </a:r>
+            <a:r>
+              <a:rPr lang="en-US" dirty="0" smtClean="0"/>
+              <a:t>ECDH</a:t>
+            </a:r>
+            <a:r>
+              <a:rPr lang="ru-RU" dirty="0" smtClean="0"/>
+              <a:t>, что является трудозатратой операций и может привести к </a:t>
+            </a:r>
+            <a:r>
+              <a:rPr lang="en-US" dirty="0" smtClean="0"/>
+              <a:t>DOS</a:t>
+            </a:r>
+            <a:r>
+              <a:rPr lang="ru-RU" dirty="0" smtClean="0"/>
+              <a:t>.</a:t>
+            </a:r>
           </a:p>
           <a:p>
             <a:pPr marL="0" indent="0">
@@ -12673,65 +12601,60 @@
             </a:pPr>
             <a:r>
               <a:rPr lang="ru-RU" dirty="0" smtClean="0"/>
-              <a:t>Инициатор при получении </a:t>
-            </a:r>
-            <a:r>
-              <a:rPr lang="en-US" dirty="0" smtClean="0"/>
-              <a:t>cookie </a:t>
-            </a:r>
-            <a:r>
-              <a:rPr lang="ru-RU" dirty="0" smtClean="0"/>
-              <a:t>использует его в качестве ключа для вычисления </a:t>
-            </a:r>
-            <a:r>
-              <a:rPr lang="en-US" dirty="0" smtClean="0"/>
-              <a:t>MAC </a:t>
-            </a:r>
-            <a:r>
-              <a:rPr lang="ru-RU" dirty="0" smtClean="0"/>
-              <a:t>от собственного запроса.</a:t>
-            </a:r>
-          </a:p>
-          <a:p>
-            <a:pPr marL="0" indent="0">
-              <a:buNone/>
-            </a:pPr>
-            <a:r>
-              <a:rPr lang="ru-RU" dirty="0" smtClean="0"/>
-              <a:t>Получатель проверяет </a:t>
-            </a:r>
-            <a:r>
-              <a:rPr lang="en-US" dirty="0" smtClean="0"/>
-              <a:t>MAC </a:t>
-            </a:r>
-            <a:r>
-              <a:rPr lang="ru-RU" dirty="0" smtClean="0"/>
-              <a:t>от запроса пользователя.</a:t>
-            </a:r>
-          </a:p>
-          <a:p>
-            <a:pPr marL="0" indent="0">
-              <a:buNone/>
-            </a:pPr>
-            <a:r>
-              <a:rPr lang="ru-RU" dirty="0" smtClean="0"/>
-              <a:t>Цель – привязка источника сообщений к его адресу. Количество сообщений с фиксированного </a:t>
-            </a:r>
-            <a:r>
-              <a:rPr lang="en-US" dirty="0" smtClean="0"/>
-              <a:t>Ip </a:t>
-            </a:r>
-            <a:r>
-              <a:rPr lang="ru-RU" dirty="0" smtClean="0"/>
-              <a:t>можно ограничивать стандартными средствами.</a:t>
-            </a:r>
-            <a:endParaRPr lang="ru-RU" dirty="0"/>
-          </a:p>
-        </p:txBody>
-      </p:sp>
-      <p:sp>
-        <p:nvSpPr>
-          <p:cNvPr id="4" name="Номер слайда 3"/>
+              <a:t>Смягчение – при нагрузке узел может не отвечать на </a:t>
+            </a:r>
+            <a:r>
+              <a:rPr lang="en-US" dirty="0" smtClean="0"/>
+              <a:t>handshake </a:t>
+            </a:r>
+            <a:r>
+              <a:rPr lang="ru-RU" dirty="0" smtClean="0"/>
+              <a:t>а отправлять специальный ответ с </a:t>
+            </a:r>
+            <a:r>
+              <a:rPr lang="en-US" dirty="0" smtClean="0"/>
+              <a:t>cookie</a:t>
+            </a:r>
+            <a:r>
+              <a:rPr lang="ru-RU" dirty="0" smtClean="0"/>
+              <a:t>, ожидая особый ответ от инициатора.</a:t>
+            </a:r>
+          </a:p>
+        </p:txBody>
+      </p:sp>
+      <p:pic>
+        <p:nvPicPr>
+          <p:cNvPr id="4" name="Рисунок 3"/>
+          <p:cNvPicPr>
+            <a:picLocks noChangeAspect="1"/>
+          </p:cNvPicPr>
+          <p:nvPr/>
+        </p:nvPicPr>
+        <p:blipFill>
+          <a:blip r:embed="rId2">
+            <a:extLst>
+              <a:ext uri="{28A0092B-C50C-407E-A947-70E740481C1C}">
+                <a14:useLocalDpi xmlns:a14="http://schemas.microsoft.com/office/drawing/2010/main" val="0"/>
+              </a:ext>
+            </a:extLst>
+          </a:blip>
+          <a:stretch>
+            <a:fillRect/>
+          </a:stretch>
+        </p:blipFill>
+        <p:spPr>
+          <a:xfrm>
+            <a:off x="8802384" y="1952381"/>
+            <a:ext cx="3253824" cy="3138365"/>
+          </a:xfrm>
+          <a:prstGeom prst="rect">
+            <a:avLst/>
+          </a:prstGeom>
+        </p:spPr>
+      </p:pic>
+      <p:sp>
+        <p:nvSpPr>
+          <p:cNvPr id="5" name="Номер слайда 4"/>
           <p:cNvSpPr>
             <a:spLocks noGrp="1"/>
           </p:cNvSpPr>
@@ -12755,7 +12678,7 @@
     </p:spTree>
     <p:extLst>
       <p:ext uri="{BB962C8B-B14F-4D97-AF65-F5344CB8AC3E}">
-        <p14:creationId xmlns:p14="http://schemas.microsoft.com/office/powerpoint/2010/main" val="3538793814"/>
+        <p14:creationId xmlns:p14="http://schemas.microsoft.com/office/powerpoint/2010/main" val="1917468903"/>
       </p:ext>
     </p:extLst>
   </p:cSld>
@@ -12830,6 +12753,216 @@
             <p:ph idx="1"/>
           </p:nvPr>
         </p:nvSpPr>
+        <p:spPr>
+          <a:xfrm>
+            <a:off x="838200" y="1816833"/>
+            <a:ext cx="10515600" cy="4351338"/>
+          </a:xfrm>
+        </p:spPr>
+        <p:txBody>
+          <a:bodyPr/>
+          <a:lstStyle/>
+          <a:p>
+            <a:pPr marL="0" indent="0">
+              <a:buNone/>
+            </a:pPr>
+            <a:r>
+              <a:rPr lang="ru-RU" dirty="0"/>
+              <a:t>Получатель хранит секретное случайное значение, изменяемое каждые 2 минуты. </a:t>
+            </a:r>
+            <a:r>
+              <a:rPr lang="en-US" dirty="0"/>
+              <a:t>Cookie – </a:t>
+            </a:r>
+            <a:r>
+              <a:rPr lang="ru-RU" dirty="0"/>
+              <a:t>есть </a:t>
+            </a:r>
+            <a:r>
+              <a:rPr lang="en-US" dirty="0"/>
+              <a:t>MAC </a:t>
+            </a:r>
+            <a:r>
+              <a:rPr lang="ru-RU" dirty="0"/>
+              <a:t>от </a:t>
+            </a:r>
+            <a:r>
+              <a:rPr lang="en-US" dirty="0"/>
+              <a:t>Ip </a:t>
+            </a:r>
+            <a:r>
+              <a:rPr lang="ru-RU" dirty="0"/>
+              <a:t>инициатора, с использованием секретного значения в качестве ключа.</a:t>
+            </a:r>
+            <a:r>
+              <a:rPr lang="en-US" dirty="0"/>
+              <a:t> </a:t>
+            </a:r>
+            <a:endParaRPr lang="ru-RU" dirty="0"/>
+          </a:p>
+          <a:p>
+            <a:pPr marL="0" indent="0">
+              <a:buNone/>
+            </a:pPr>
+            <a:r>
+              <a:rPr lang="ru-RU" dirty="0" smtClean="0"/>
+              <a:t>Инициатор при получении </a:t>
+            </a:r>
+            <a:r>
+              <a:rPr lang="en-US" dirty="0" smtClean="0"/>
+              <a:t>cookie </a:t>
+            </a:r>
+            <a:r>
+              <a:rPr lang="ru-RU" dirty="0" smtClean="0"/>
+              <a:t>использует его в качестве ключа для вычисления </a:t>
+            </a:r>
+            <a:r>
+              <a:rPr lang="en-US" dirty="0" smtClean="0"/>
+              <a:t>MAC </a:t>
+            </a:r>
+            <a:r>
+              <a:rPr lang="ru-RU" dirty="0" smtClean="0"/>
+              <a:t>от собственного запроса.</a:t>
+            </a:r>
+          </a:p>
+          <a:p>
+            <a:pPr marL="0" indent="0">
+              <a:buNone/>
+            </a:pPr>
+            <a:r>
+              <a:rPr lang="ru-RU" dirty="0" smtClean="0"/>
+              <a:t>Получатель проверяет </a:t>
+            </a:r>
+            <a:r>
+              <a:rPr lang="en-US" dirty="0" smtClean="0"/>
+              <a:t>MAC </a:t>
+            </a:r>
+            <a:r>
+              <a:rPr lang="ru-RU" dirty="0" smtClean="0"/>
+              <a:t>от запроса пользователя.</a:t>
+            </a:r>
+          </a:p>
+          <a:p>
+            <a:pPr marL="0" indent="0">
+              <a:buNone/>
+            </a:pPr>
+            <a:r>
+              <a:rPr lang="ru-RU" dirty="0" smtClean="0"/>
+              <a:t>Цель – привязка источника сообщений к его адресу. Количество сообщений с фиксированного </a:t>
+            </a:r>
+            <a:r>
+              <a:rPr lang="en-US" dirty="0" smtClean="0"/>
+              <a:t>Ip </a:t>
+            </a:r>
+            <a:r>
+              <a:rPr lang="ru-RU" dirty="0" smtClean="0"/>
+              <a:t>можно ограничивать стандартными средствами.</a:t>
+            </a:r>
+            <a:endParaRPr lang="ru-RU" dirty="0"/>
+          </a:p>
+        </p:txBody>
+      </p:sp>
+      <p:sp>
+        <p:nvSpPr>
+          <p:cNvPr id="4" name="Номер слайда 3"/>
+          <p:cNvSpPr>
+            <a:spLocks noGrp="1"/>
+          </p:cNvSpPr>
+          <p:nvPr>
+            <p:ph type="sldNum" sz="quarter" idx="12"/>
+          </p:nvPr>
+        </p:nvSpPr>
+        <p:spPr/>
+        <p:txBody>
+          <a:bodyPr/>
+          <a:lstStyle/>
+          <a:p>
+            <a:fld id="{AC4B6EA2-3DAB-415A-81B1-2E2A41D203B5}" type="slidenum">
+              <a:rPr lang="ru-RU" smtClean="0"/>
+              <a:t>47</a:t>
+            </a:fld>
+            <a:endParaRPr lang="ru-RU" dirty="0"/>
+          </a:p>
+        </p:txBody>
+      </p:sp>
+    </p:spTree>
+    <p:extLst>
+      <p:ext uri="{BB962C8B-B14F-4D97-AF65-F5344CB8AC3E}">
+        <p14:creationId xmlns:p14="http://schemas.microsoft.com/office/powerpoint/2010/main" val="3538793814"/>
+      </p:ext>
+    </p:extLst>
+  </p:cSld>
+  <p:clrMapOvr>
+    <a:masterClrMapping/>
+  </p:clrMapOvr>
+  <p:timing>
+    <p:tnLst>
+      <p:par>
+        <p:cTn id="1" dur="indefinite" restart="never" nodeType="tmRoot"/>
+      </p:par>
+    </p:tnLst>
+  </p:timing>
+</p:sld>
+</file>
+
+<file path=ppt/slides/slide48.xml><?xml version="1.0" encoding="utf-8"?>
+<p:sld xmlns:a="http://schemas.openxmlformats.org/drawingml/2006/main" xmlns:r="http://schemas.openxmlformats.org/officeDocument/2006/relationships" xmlns:p="http://schemas.openxmlformats.org/presentationml/2006/main">
+  <p:cSld>
+    <p:spTree>
+      <p:nvGrpSpPr>
+        <p:cNvPr id="1" name=""/>
+        <p:cNvGrpSpPr/>
+        <p:nvPr/>
+      </p:nvGrpSpPr>
+      <p:grpSpPr>
+        <a:xfrm>
+          <a:off x="0" y="0"/>
+          <a:ext cx="0" cy="0"/>
+          <a:chOff x="0" y="0"/>
+          <a:chExt cx="0" cy="0"/>
+        </a:xfrm>
+      </p:grpSpPr>
+      <p:sp>
+        <p:nvSpPr>
+          <p:cNvPr id="2" name="Заголовок 1"/>
+          <p:cNvSpPr>
+            <a:spLocks noGrp="1"/>
+          </p:cNvSpPr>
+          <p:nvPr>
+            <p:ph type="title"/>
+          </p:nvPr>
+        </p:nvSpPr>
+        <p:spPr/>
+        <p:txBody>
+          <a:bodyPr/>
+          <a:lstStyle/>
+          <a:p>
+            <a:r>
+              <a:rPr lang="en-US" dirty="0"/>
+              <a:t>Cookie </a:t>
+            </a:r>
+            <a:r>
+              <a:rPr lang="ru-RU" dirty="0"/>
+              <a:t>и </a:t>
+            </a:r>
+            <a:r>
+              <a:rPr lang="en-US" dirty="0"/>
+              <a:t>DOS</a:t>
+            </a:r>
+            <a:endParaRPr lang="ru-RU" dirty="0"/>
+          </a:p>
+        </p:txBody>
+      </p:sp>
+      <p:sp>
+        <p:nvSpPr>
+          <p:cNvPr id="3" name="Объект 2"/>
+          <p:cNvSpPr>
+            <a:spLocks noGrp="1"/>
+          </p:cNvSpPr>
+          <p:nvPr>
+            <p:ph idx="1"/>
+          </p:nvPr>
+        </p:nvSpPr>
         <p:spPr/>
         <p:txBody>
           <a:bodyPr/>
@@ -12982,7 +13115,7 @@
           <a:p>
             <a:fld id="{AC4B6EA2-3DAB-415A-81B1-2E2A41D203B5}" type="slidenum">
               <a:rPr lang="ru-RU" smtClean="0"/>
-              <a:t>47</a:t>
+              <a:t>48</a:t>
             </a:fld>
             <a:endParaRPr lang="ru-RU" dirty="0"/>
           </a:p>
@@ -13008,7 +13141,7 @@
 </p:sld>
 </file>
 
-<file path=ppt/slides/slide48.xml><?xml version="1.0" encoding="utf-8"?>
+<file path=ppt/slides/slide49.xml><?xml version="1.0" encoding="utf-8"?>
 <p:sld xmlns:a="http://schemas.openxmlformats.org/drawingml/2006/main" xmlns:r="http://schemas.openxmlformats.org/officeDocument/2006/relationships" xmlns:p="http://schemas.openxmlformats.org/presentationml/2006/main">
   <p:cSld>
     <p:spTree>
@@ -13319,7 +13452,7 @@
           <a:p>
             <a:fld id="{AC4B6EA2-3DAB-415A-81B1-2E2A41D203B5}" type="slidenum">
               <a:rPr lang="ru-RU" smtClean="0"/>
-              <a:t>48</a:t>
+              <a:t>49</a:t>
             </a:fld>
             <a:endParaRPr lang="ru-RU" dirty="0"/>
           </a:p>
@@ -13329,180 +13462,6 @@
     <p:extLst>
       <p:ext uri="{BB962C8B-B14F-4D97-AF65-F5344CB8AC3E}">
         <p14:creationId xmlns:p14="http://schemas.microsoft.com/office/powerpoint/2010/main" val="2517885052"/>
-      </p:ext>
-    </p:extLst>
-  </p:cSld>
-  <p:clrMapOvr>
-    <a:masterClrMapping/>
-  </p:clrMapOvr>
-  <p:timing>
-    <p:tnLst>
-      <p:par>
-        <p:cTn id="1" dur="indefinite" restart="never" nodeType="tmRoot"/>
-      </p:par>
-    </p:tnLst>
-  </p:timing>
-</p:sld>
-</file>
-
-<file path=ppt/slides/slide49.xml><?xml version="1.0" encoding="utf-8"?>
-<p:sld xmlns:a="http://schemas.openxmlformats.org/drawingml/2006/main" xmlns:r="http://schemas.openxmlformats.org/officeDocument/2006/relationships" xmlns:p="http://schemas.openxmlformats.org/presentationml/2006/main">
-  <p:cSld>
-    <p:spTree>
-      <p:nvGrpSpPr>
-        <p:cNvPr id="1" name=""/>
-        <p:cNvGrpSpPr/>
-        <p:nvPr/>
-      </p:nvGrpSpPr>
-      <p:grpSpPr>
-        <a:xfrm>
-          <a:off x="0" y="0"/>
-          <a:ext cx="0" cy="0"/>
-          <a:chOff x="0" y="0"/>
-          <a:chExt cx="0" cy="0"/>
-        </a:xfrm>
-      </p:grpSpPr>
-      <p:sp>
-        <p:nvSpPr>
-          <p:cNvPr id="2" name="Заголовок 1"/>
-          <p:cNvSpPr>
-            <a:spLocks noGrp="1"/>
-          </p:cNvSpPr>
-          <p:nvPr>
-            <p:ph type="title"/>
-          </p:nvPr>
-        </p:nvSpPr>
-        <p:spPr/>
-        <p:txBody>
-          <a:bodyPr/>
-          <a:lstStyle/>
-          <a:p>
-            <a:r>
-              <a:rPr lang="ru-RU" dirty="0" smtClean="0"/>
-              <a:t>… </a:t>
-            </a:r>
-            <a:r>
-              <a:rPr lang="en-US" dirty="0" smtClean="0"/>
-              <a:t>cookie </a:t>
-            </a:r>
-            <a:r>
-              <a:rPr lang="ru-RU" dirty="0"/>
-              <a:t>не защищены</a:t>
-            </a:r>
-          </a:p>
-        </p:txBody>
-      </p:sp>
-      <p:sp>
-        <p:nvSpPr>
-          <p:cNvPr id="3" name="Объект 2"/>
-          <p:cNvSpPr>
-            <a:spLocks noGrp="1"/>
-          </p:cNvSpPr>
-          <p:nvPr>
-            <p:ph idx="1"/>
-          </p:nvPr>
-        </p:nvSpPr>
-        <p:spPr/>
-        <p:txBody>
-          <a:bodyPr/>
-          <a:lstStyle/>
-          <a:p>
-            <a:pPr marL="0" indent="0">
-              <a:buNone/>
-            </a:pPr>
-            <a:r>
-              <a:rPr lang="en-US" dirty="0" smtClean="0"/>
-              <a:t>Cookie </a:t>
-            </a:r>
-            <a:r>
-              <a:rPr lang="ru-RU" dirty="0" smtClean="0"/>
-              <a:t>будут шифроваться </a:t>
-            </a:r>
-            <a:r>
-              <a:rPr lang="en-US" dirty="0" smtClean="0"/>
-              <a:t>AEAD</a:t>
-            </a:r>
-            <a:r>
-              <a:rPr lang="ru-RU" dirty="0" smtClean="0"/>
-              <a:t> с использованием открытого ключа получателя. Цель – не знаешь </a:t>
-            </a:r>
-            <a:r>
-              <a:rPr lang="en-US" dirty="0" smtClean="0"/>
-              <a:t>PK </a:t>
-            </a:r>
-            <a:r>
-              <a:rPr lang="ru-RU" dirty="0" smtClean="0"/>
-              <a:t>получателя, не можешь пользоваться </a:t>
-            </a:r>
-            <a:r>
-              <a:rPr lang="en-US" dirty="0" smtClean="0"/>
-              <a:t>cookie</a:t>
-            </a:r>
-            <a:r>
-              <a:rPr lang="ru-RU" dirty="0" smtClean="0"/>
-              <a:t>.</a:t>
-            </a:r>
-            <a:endParaRPr lang="ru-RU" dirty="0"/>
-          </a:p>
-        </p:txBody>
-      </p:sp>
-      <p:pic>
-        <p:nvPicPr>
-          <p:cNvPr id="8" name="Рисунок 7"/>
-          <p:cNvPicPr>
-            <a:picLocks noChangeAspect="1"/>
-          </p:cNvPicPr>
-          <p:nvPr/>
-        </p:nvPicPr>
-        <p:blipFill>
-          <a:blip r:embed="rId2">
-            <a:extLst>
-              <a:ext uri="{28A0092B-C50C-407E-A947-70E740481C1C}">
-                <a14:useLocalDpi xmlns:a14="http://schemas.microsoft.com/office/drawing/2010/main" val="0"/>
-              </a:ext>
-            </a:extLst>
-          </a:blip>
-          <a:stretch>
-            <a:fillRect/>
-          </a:stretch>
-        </p:blipFill>
-        <p:spPr>
-          <a:xfrm>
-            <a:off x="6639277" y="3121269"/>
-            <a:ext cx="4526954" cy="3055694"/>
-          </a:xfrm>
-          <a:prstGeom prst="rect">
-            <a:avLst/>
-          </a:prstGeom>
-        </p:spPr>
-      </p:pic>
-      <p:sp>
-        <p:nvSpPr>
-          <p:cNvPr id="4" name="Номер слайда 3"/>
-          <p:cNvSpPr>
-            <a:spLocks noGrp="1"/>
-          </p:cNvSpPr>
-          <p:nvPr>
-            <p:ph type="sldNum" sz="quarter" idx="12"/>
-          </p:nvPr>
-        </p:nvSpPr>
-        <p:spPr/>
-        <p:txBody>
-          <a:bodyPr/>
-          <a:lstStyle/>
-          <a:p>
-            <a:fld id="{AC4B6EA2-3DAB-415A-81B1-2E2A41D203B5}" type="slidenum">
-              <a:rPr lang="ru-RU" smtClean="0"/>
-              <a:t>49</a:t>
-            </a:fld>
-            <a:endParaRPr lang="ru-RU" dirty="0"/>
-          </a:p>
-        </p:txBody>
-      </p:sp>
-    </p:spTree>
-    <p:extLst>
-      <p:ext uri="{BB962C8B-B14F-4D97-AF65-F5344CB8AC3E}">
-        <p14:creationId xmlns:p14="http://schemas.microsoft.com/office/powerpoint/2010/main" val="3785182"/>
       </p:ext>
     </p:extLst>
   </p:cSld>
@@ -13692,13 +13651,12 @@
             </a:r>
             <a:r>
               <a:rPr lang="en-US" dirty="0" smtClean="0"/>
-              <a:t>DOS </a:t>
-            </a:r>
-            <a:r>
-              <a:rPr lang="ru-RU" dirty="0" smtClean="0"/>
-              <a:t>на инициатора</a:t>
-            </a:r>
-            <a:endParaRPr lang="ru-RU" dirty="0"/>
+              <a:t>cookie </a:t>
+            </a:r>
+            <a:r>
+              <a:rPr lang="ru-RU" dirty="0"/>
+              <a:t>не защищены</a:t>
+            </a:r>
           </a:p>
         </p:txBody>
       </p:sp>
@@ -13721,8 +13679,12 @@
               <a:buNone/>
             </a:pPr>
             <a:r>
-              <a:rPr lang="ru-RU" dirty="0" smtClean="0"/>
-              <a:t>Отвечая зашифрованной </a:t>
+              <a:rPr lang="en-US" dirty="0" smtClean="0"/>
+              <a:t>Cookie </a:t>
+            </a:r>
+            <a:r>
+              <a:rPr lang="ru-RU" dirty="0" smtClean="0"/>
+              <a:t>будут шифроваться </a:t>
             </a:r>
             <a:r>
               <a:rPr lang="en-US" dirty="0" smtClean="0"/>
@@ -13730,31 +13692,23 @@
             </a:r>
             <a:r>
               <a:rPr lang="ru-RU" dirty="0" smtClean="0"/>
-              <a:t> </a:t>
-            </a:r>
-            <a:r>
-              <a:rPr lang="en-US" dirty="0" smtClean="0"/>
-              <a:t>cookie </a:t>
-            </a:r>
-            <a:r>
-              <a:rPr lang="ru-RU" dirty="0" smtClean="0"/>
-              <a:t>инициатор добавляет в присоединённые данные </a:t>
-            </a:r>
-            <a:r>
-              <a:rPr lang="en-US" dirty="0" smtClean="0"/>
-              <a:t>(AD) msg.mac1</a:t>
-            </a:r>
-            <a:r>
-              <a:rPr lang="ru-RU" dirty="0" smtClean="0"/>
-              <a:t> исходного сообщения инициатора. Цель – инициатор уверен, что </a:t>
-            </a:r>
-            <a:r>
-              <a:rPr lang="en-US" dirty="0" smtClean="0"/>
-              <a:t>cookie </a:t>
-            </a:r>
-            <a:r>
-              <a:rPr lang="ru-RU" dirty="0" smtClean="0"/>
-              <a:t>создана для его запроса.</a:t>
+              <a:t> с использованием открытого ключа получателя. Цель – не знаешь </a:t>
+            </a:r>
+            <a:r>
+              <a:rPr lang="en-US" dirty="0" smtClean="0"/>
+              <a:t>PK </a:t>
+            </a:r>
+            <a:r>
+              <a:rPr lang="ru-RU" dirty="0" smtClean="0"/>
+              <a:t>получателя, не можешь пользоваться </a:t>
+            </a:r>
+            <a:r>
+              <a:rPr lang="en-US" dirty="0" smtClean="0"/>
+              <a:t>cookie</a:t>
+            </a:r>
+            <a:r>
+              <a:rPr lang="ru-RU" dirty="0" smtClean="0"/>
+              <a:t>.</a:t>
             </a:r>
             <a:endParaRPr lang="ru-RU" dirty="0"/>
           </a:p>
@@ -13762,7 +13716,7 @@
       </p:sp>
       <p:pic>
         <p:nvPicPr>
-          <p:cNvPr id="4" name="Рисунок 3"/>
+          <p:cNvPr id="8" name="Рисунок 7"/>
           <p:cNvPicPr>
             <a:picLocks noChangeAspect="1"/>
           </p:cNvPicPr>
@@ -13782,8 +13736,8 @@
         </p:blipFill>
         <p:spPr>
           <a:xfrm>
-            <a:off x="6532196" y="3327400"/>
-            <a:ext cx="4965700" cy="2984500"/>
+            <a:off x="6639277" y="3121269"/>
+            <a:ext cx="4526954" cy="3055694"/>
           </a:xfrm>
           <a:prstGeom prst="rect">
             <a:avLst/>
@@ -13792,7 +13746,7 @@
       </p:pic>
       <p:sp>
         <p:nvSpPr>
-          <p:cNvPr id="5" name="Номер слайда 4"/>
+          <p:cNvPr id="4" name="Номер слайда 3"/>
           <p:cNvSpPr>
             <a:spLocks noGrp="1"/>
           </p:cNvSpPr>
@@ -13816,7 +13770,7 @@
     </p:spTree>
     <p:extLst>
       <p:ext uri="{BB962C8B-B14F-4D97-AF65-F5344CB8AC3E}">
-        <p14:creationId xmlns:p14="http://schemas.microsoft.com/office/powerpoint/2010/main" val="3149051289"/>
+        <p14:creationId xmlns:p14="http://schemas.microsoft.com/office/powerpoint/2010/main" val="3785182"/>
       </p:ext>
     </p:extLst>
   </p:cSld>
@@ -13867,11 +13821,15 @@
           <a:p>
             <a:r>
               <a:rPr lang="ru-RU" dirty="0" smtClean="0"/>
-              <a:t>Второй </a:t>
-            </a:r>
-            <a:r>
-              <a:rPr lang="en-US" dirty="0" smtClean="0"/>
-              <a:t>MAC</a:t>
+              <a:t>… </a:t>
+            </a:r>
+            <a:r>
+              <a:rPr lang="en-US" dirty="0" smtClean="0"/>
+              <a:t>DOS </a:t>
+            </a:r>
+            <a:r>
+              <a:rPr lang="ru-RU" dirty="0" smtClean="0"/>
+              <a:t>на инициатора</a:t>
             </a:r>
             <a:endParaRPr lang="ru-RU" dirty="0"/>
           </a:p>
@@ -13889,21 +13847,23 @@
         </p:nvSpPr>
         <p:spPr/>
         <p:txBody>
-          <a:bodyPr>
-            <a:normAutofit lnSpcReduction="10000"/>
-          </a:bodyPr>
+          <a:bodyPr/>
           <a:lstStyle/>
           <a:p>
             <a:pPr marL="0" indent="0">
               <a:buNone/>
             </a:pPr>
             <a:r>
-              <a:rPr lang="en-US" dirty="0" smtClean="0"/>
-              <a:t>msg.mac2 </a:t>
-            </a:r>
-            <a:r>
-              <a:rPr lang="ru-RU" dirty="0" smtClean="0"/>
-              <a:t>использует </a:t>
+              <a:rPr lang="ru-RU" dirty="0" smtClean="0"/>
+              <a:t>Отвечая зашифрованной </a:t>
+            </a:r>
+            <a:r>
+              <a:rPr lang="en-US" dirty="0" smtClean="0"/>
+              <a:t>AEAD</a:t>
+            </a:r>
+            <a:r>
+              <a:rPr lang="ru-RU" dirty="0" smtClean="0"/>
+              <a:t> </a:t>
             </a:r>
             <a:r>
               <a:rPr lang="en-US" dirty="0" smtClean="0"/>
@@ -13911,54 +13871,15 @@
             </a:r>
             <a:r>
               <a:rPr lang="ru-RU" dirty="0" smtClean="0"/>
-              <a:t>в качестве ключа и вычисляется для всех байтов сообщения до </a:t>
-            </a:r>
-            <a:r>
-              <a:rPr lang="en-US" dirty="0"/>
-              <a:t>msg.mac2</a:t>
-            </a:r>
-            <a:r>
-              <a:rPr lang="ru-RU" dirty="0" smtClean="0"/>
-              <a:t>. Получатель проверяет данный</a:t>
-            </a:r>
-            <a:r>
-              <a:rPr lang="en-US" dirty="0" smtClean="0"/>
-              <a:t> MAC</a:t>
-            </a:r>
-            <a:r>
-              <a:rPr lang="ru-RU" dirty="0" smtClean="0"/>
-              <a:t> и отвечает на </a:t>
-            </a:r>
-            <a:r>
-              <a:rPr lang="en-US" dirty="0" smtClean="0"/>
-              <a:t>handshake.</a:t>
-            </a:r>
-            <a:r>
-              <a:rPr lang="ru-RU" dirty="0" smtClean="0"/>
-              <a:t> Используется только под нагрузкой.</a:t>
-            </a:r>
-          </a:p>
-          <a:p>
-            <a:pPr marL="0" indent="0">
-              <a:buNone/>
-            </a:pPr>
-            <a:endParaRPr lang="ru-RU" dirty="0"/>
-          </a:p>
-          <a:p>
-            <a:pPr marL="0" indent="0">
-              <a:buNone/>
-            </a:pPr>
-            <a:r>
-              <a:rPr lang="ru-RU" dirty="0" smtClean="0"/>
-              <a:t>Итого – получатель всегда проверяет </a:t>
-            </a:r>
-            <a:r>
-              <a:rPr lang="en-US" dirty="0" smtClean="0"/>
-              <a:t>msg.mac1 </a:t>
-            </a:r>
-            <a:r>
-              <a:rPr lang="ru-RU" dirty="0" smtClean="0"/>
-              <a:t>в первом сообщение, если под нагрузкой отправляет зашифрованную </a:t>
+              <a:t>инициатор добавляет в присоединённые данные </a:t>
+            </a:r>
+            <a:r>
+              <a:rPr lang="en-US" dirty="0" smtClean="0"/>
+              <a:t>(AD) msg.mac1</a:t>
+            </a:r>
+            <a:r>
+              <a:rPr lang="ru-RU" dirty="0" smtClean="0"/>
+              <a:t> исходного сообщения инициатора. Цель – инициатор уверен, что </a:t>
             </a:r>
             <a:r>
               <a:rPr lang="en-US" dirty="0" smtClean="0"/>
@@ -13966,80 +13887,45 @@
             </a:r>
             <a:r>
               <a:rPr lang="ru-RU" dirty="0" smtClean="0"/>
-              <a:t>с </a:t>
-            </a:r>
-            <a:r>
-              <a:rPr lang="en-US" dirty="0" smtClean="0"/>
-              <a:t>msg.mac1</a:t>
-            </a:r>
-            <a:r>
-              <a:rPr lang="ru-RU" dirty="0" smtClean="0"/>
-              <a:t> в качестве </a:t>
-            </a:r>
-            <a:r>
-              <a:rPr lang="en-US" dirty="0" smtClean="0"/>
-              <a:t>AD</a:t>
-            </a:r>
-            <a:r>
-              <a:rPr lang="ru-RU" dirty="0" smtClean="0"/>
-              <a:t>, затем проверяет </a:t>
-            </a:r>
-            <a:r>
-              <a:rPr lang="en-US" dirty="0" smtClean="0"/>
-              <a:t>msg.mac2</a:t>
-            </a:r>
-            <a:r>
-              <a:rPr lang="ru-RU" dirty="0" smtClean="0"/>
-              <a:t> и продолжает </a:t>
-            </a:r>
-            <a:r>
-              <a:rPr lang="en-US" dirty="0" smtClean="0"/>
-              <a:t>handshake.</a:t>
-            </a:r>
-            <a:r>
-              <a:rPr lang="en-US" dirty="0"/>
-              <a:t> </a:t>
-            </a:r>
-            <a:r>
-              <a:rPr lang="ru-RU" dirty="0" smtClean="0"/>
-              <a:t>Если нагрузки нет - </a:t>
-            </a:r>
-            <a:r>
-              <a:rPr lang="en-US" dirty="0" smtClean="0"/>
-              <a:t>msg.mac2 </a:t>
-            </a:r>
-            <a:r>
-              <a:rPr lang="ru-RU" dirty="0" smtClean="0"/>
-              <a:t>не проверяется.</a:t>
-            </a:r>
-          </a:p>
-          <a:p>
-            <a:pPr marL="0" indent="0">
-              <a:buNone/>
-            </a:pPr>
-            <a:r>
-              <a:rPr lang="en-US" dirty="0" smtClean="0"/>
-              <a:t>msg.mac</a:t>
-            </a:r>
-            <a:r>
-              <a:rPr lang="ru-RU" dirty="0" smtClean="0"/>
-              <a:t>1 и </a:t>
-            </a:r>
-            <a:r>
-              <a:rPr lang="en-US" dirty="0" smtClean="0"/>
-              <a:t>msg.mac2</a:t>
-            </a:r>
-            <a:r>
-              <a:rPr lang="ru-RU" dirty="0" smtClean="0"/>
-              <a:t> аутентифицируют все передаваемые данные в сообщении на момент их формирования.</a:t>
-            </a:r>
-            <a:endParaRPr lang="ru-RU" dirty="0"/>
-          </a:p>
-        </p:txBody>
-      </p:sp>
-      <p:sp>
-        <p:nvSpPr>
-          <p:cNvPr id="4" name="Номер слайда 3"/>
+              <a:t>создана для его запроса.</a:t>
+            </a:r>
+            <a:endParaRPr lang="ru-RU" dirty="0"/>
+          </a:p>
+        </p:txBody>
+      </p:sp>
+      <p:pic>
+        <p:nvPicPr>
+          <p:cNvPr id="4" name="Рисунок 3"/>
+          <p:cNvPicPr>
+            <a:picLocks noChangeAspect="1"/>
+          </p:cNvPicPr>
+          <p:nvPr/>
+        </p:nvPicPr>
+        <p:blipFill>
+          <a:blip r:embed="rId2">
+            <a:extLst>
+              <a:ext uri="{28A0092B-C50C-407E-A947-70E740481C1C}">
+                <a14:useLocalDpi xmlns:a14="http://schemas.microsoft.com/office/drawing/2010/main" val="0"/>
+              </a:ext>
+            </a:extLst>
+          </a:blip>
+          <a:stretch>
+            <a:fillRect/>
+          </a:stretch>
+        </p:blipFill>
+        <p:spPr>
+          <a:xfrm>
+            <a:off x="6532196" y="3327400"/>
+            <a:ext cx="4965700" cy="2984500"/>
+          </a:xfrm>
+          <a:prstGeom prst="rect">
+            <a:avLst/>
+          </a:prstGeom>
+        </p:spPr>
+      </p:pic>
+      <p:sp>
+        <p:nvSpPr>
+          <p:cNvPr id="5" name="Номер слайда 4"/>
           <p:cNvSpPr>
             <a:spLocks noGrp="1"/>
           </p:cNvSpPr>
@@ -14063,7 +13949,7 @@
     </p:spTree>
     <p:extLst>
       <p:ext uri="{BB962C8B-B14F-4D97-AF65-F5344CB8AC3E}">
-        <p14:creationId xmlns:p14="http://schemas.microsoft.com/office/powerpoint/2010/main" val="642674655"/>
+        <p14:creationId xmlns:p14="http://schemas.microsoft.com/office/powerpoint/2010/main" val="3149051289"/>
       </p:ext>
     </p:extLst>
   </p:cSld>
@@ -14114,6 +14000,253 @@
           <a:p>
             <a:r>
               <a:rPr lang="ru-RU" dirty="0" smtClean="0"/>
+              <a:t>Второй </a:t>
+            </a:r>
+            <a:r>
+              <a:rPr lang="en-US" dirty="0" smtClean="0"/>
+              <a:t>MAC</a:t>
+            </a:r>
+            <a:endParaRPr lang="ru-RU" dirty="0"/>
+          </a:p>
+        </p:txBody>
+      </p:sp>
+      <p:sp>
+        <p:nvSpPr>
+          <p:cNvPr id="3" name="Объект 2"/>
+          <p:cNvSpPr>
+            <a:spLocks noGrp="1"/>
+          </p:cNvSpPr>
+          <p:nvPr>
+            <p:ph idx="1"/>
+          </p:nvPr>
+        </p:nvSpPr>
+        <p:spPr/>
+        <p:txBody>
+          <a:bodyPr>
+            <a:normAutofit lnSpcReduction="10000"/>
+          </a:bodyPr>
+          <a:lstStyle/>
+          <a:p>
+            <a:pPr marL="0" indent="0">
+              <a:buNone/>
+            </a:pPr>
+            <a:r>
+              <a:rPr lang="en-US" dirty="0" smtClean="0"/>
+              <a:t>msg.mac2 </a:t>
+            </a:r>
+            <a:r>
+              <a:rPr lang="ru-RU" dirty="0" smtClean="0"/>
+              <a:t>использует </a:t>
+            </a:r>
+            <a:r>
+              <a:rPr lang="en-US" dirty="0" smtClean="0"/>
+              <a:t>cookie </a:t>
+            </a:r>
+            <a:r>
+              <a:rPr lang="ru-RU" dirty="0" smtClean="0"/>
+              <a:t>в качестве ключа и вычисляется для всех байтов сообщения до </a:t>
+            </a:r>
+            <a:r>
+              <a:rPr lang="en-US" dirty="0"/>
+              <a:t>msg.mac2</a:t>
+            </a:r>
+            <a:r>
+              <a:rPr lang="ru-RU" dirty="0" smtClean="0"/>
+              <a:t>. Получатель проверяет данный</a:t>
+            </a:r>
+            <a:r>
+              <a:rPr lang="en-US" dirty="0" smtClean="0"/>
+              <a:t> MAC</a:t>
+            </a:r>
+            <a:r>
+              <a:rPr lang="ru-RU" dirty="0" smtClean="0"/>
+              <a:t> и отвечает на </a:t>
+            </a:r>
+            <a:r>
+              <a:rPr lang="en-US" dirty="0" smtClean="0"/>
+              <a:t>handshake.</a:t>
+            </a:r>
+            <a:r>
+              <a:rPr lang="ru-RU" dirty="0" smtClean="0"/>
+              <a:t> Используется только под нагрузкой.</a:t>
+            </a:r>
+          </a:p>
+          <a:p>
+            <a:pPr marL="0" indent="0">
+              <a:buNone/>
+            </a:pPr>
+            <a:endParaRPr lang="ru-RU" dirty="0"/>
+          </a:p>
+          <a:p>
+            <a:pPr marL="0" indent="0">
+              <a:buNone/>
+            </a:pPr>
+            <a:r>
+              <a:rPr lang="ru-RU" dirty="0" smtClean="0"/>
+              <a:t>Итого – получатель всегда проверяет </a:t>
+            </a:r>
+            <a:r>
+              <a:rPr lang="en-US" dirty="0" smtClean="0"/>
+              <a:t>msg.mac1 </a:t>
+            </a:r>
+            <a:r>
+              <a:rPr lang="ru-RU" dirty="0" smtClean="0"/>
+              <a:t>в первом сообщение, если под нагрузкой отправляет зашифрованную </a:t>
+            </a:r>
+            <a:r>
+              <a:rPr lang="en-US" dirty="0" smtClean="0"/>
+              <a:t>cookie </a:t>
+            </a:r>
+            <a:r>
+              <a:rPr lang="ru-RU" dirty="0" smtClean="0"/>
+              <a:t>с </a:t>
+            </a:r>
+            <a:r>
+              <a:rPr lang="en-US" dirty="0" smtClean="0"/>
+              <a:t>msg.mac1</a:t>
+            </a:r>
+            <a:r>
+              <a:rPr lang="ru-RU" dirty="0" smtClean="0"/>
+              <a:t> в качестве </a:t>
+            </a:r>
+            <a:r>
+              <a:rPr lang="en-US" dirty="0" smtClean="0"/>
+              <a:t>AD</a:t>
+            </a:r>
+            <a:r>
+              <a:rPr lang="ru-RU" dirty="0" smtClean="0"/>
+              <a:t>, затем проверяет </a:t>
+            </a:r>
+            <a:r>
+              <a:rPr lang="en-US" dirty="0" smtClean="0"/>
+              <a:t>msg.mac2</a:t>
+            </a:r>
+            <a:r>
+              <a:rPr lang="ru-RU" dirty="0" smtClean="0"/>
+              <a:t> и продолжает </a:t>
+            </a:r>
+            <a:r>
+              <a:rPr lang="en-US" dirty="0" smtClean="0"/>
+              <a:t>handshake.</a:t>
+            </a:r>
+            <a:r>
+              <a:rPr lang="en-US" dirty="0"/>
+              <a:t> </a:t>
+            </a:r>
+            <a:r>
+              <a:rPr lang="ru-RU" dirty="0" smtClean="0"/>
+              <a:t>Если нагрузки нет - </a:t>
+            </a:r>
+            <a:r>
+              <a:rPr lang="en-US" dirty="0" smtClean="0"/>
+              <a:t>msg.mac2 </a:t>
+            </a:r>
+            <a:r>
+              <a:rPr lang="ru-RU" dirty="0" smtClean="0"/>
+              <a:t>не проверяется.</a:t>
+            </a:r>
+          </a:p>
+          <a:p>
+            <a:pPr marL="0" indent="0">
+              <a:buNone/>
+            </a:pPr>
+            <a:r>
+              <a:rPr lang="en-US" dirty="0" smtClean="0"/>
+              <a:t>msg.mac</a:t>
+            </a:r>
+            <a:r>
+              <a:rPr lang="ru-RU" dirty="0" smtClean="0"/>
+              <a:t>1 и </a:t>
+            </a:r>
+            <a:r>
+              <a:rPr lang="en-US" dirty="0" smtClean="0"/>
+              <a:t>msg.mac2</a:t>
+            </a:r>
+            <a:r>
+              <a:rPr lang="ru-RU" dirty="0" smtClean="0"/>
+              <a:t> аутентифицируют все передаваемые данные в сообщении на момент их формирования.</a:t>
+            </a:r>
+            <a:endParaRPr lang="ru-RU" dirty="0"/>
+          </a:p>
+        </p:txBody>
+      </p:sp>
+      <p:sp>
+        <p:nvSpPr>
+          <p:cNvPr id="4" name="Номер слайда 3"/>
+          <p:cNvSpPr>
+            <a:spLocks noGrp="1"/>
+          </p:cNvSpPr>
+          <p:nvPr>
+            <p:ph type="sldNum" sz="quarter" idx="12"/>
+          </p:nvPr>
+        </p:nvSpPr>
+        <p:spPr/>
+        <p:txBody>
+          <a:bodyPr/>
+          <a:lstStyle/>
+          <a:p>
+            <a:fld id="{AC4B6EA2-3DAB-415A-81B1-2E2A41D203B5}" type="slidenum">
+              <a:rPr lang="ru-RU" smtClean="0"/>
+              <a:t>52</a:t>
+            </a:fld>
+            <a:endParaRPr lang="ru-RU" dirty="0"/>
+          </a:p>
+        </p:txBody>
+      </p:sp>
+    </p:spTree>
+    <p:extLst>
+      <p:ext uri="{BB962C8B-B14F-4D97-AF65-F5344CB8AC3E}">
+        <p14:creationId xmlns:p14="http://schemas.microsoft.com/office/powerpoint/2010/main" val="642674655"/>
+      </p:ext>
+    </p:extLst>
+  </p:cSld>
+  <p:clrMapOvr>
+    <a:masterClrMapping/>
+  </p:clrMapOvr>
+  <p:timing>
+    <p:tnLst>
+      <p:par>
+        <p:cTn id="1" dur="indefinite" restart="never" nodeType="tmRoot"/>
+      </p:par>
+    </p:tnLst>
+  </p:timing>
+</p:sld>
+</file>
+
+<file path=ppt/slides/slide53.xml><?xml version="1.0" encoding="utf-8"?>
+<p:sld xmlns:a="http://schemas.openxmlformats.org/drawingml/2006/main" xmlns:r="http://schemas.openxmlformats.org/officeDocument/2006/relationships" xmlns:p="http://schemas.openxmlformats.org/presentationml/2006/main">
+  <p:cSld>
+    <p:spTree>
+      <p:nvGrpSpPr>
+        <p:cNvPr id="1" name=""/>
+        <p:cNvGrpSpPr/>
+        <p:nvPr/>
+      </p:nvGrpSpPr>
+      <p:grpSpPr>
+        <a:xfrm>
+          <a:off x="0" y="0"/>
+          <a:ext cx="0" cy="0"/>
+          <a:chOff x="0" y="0"/>
+          <a:chExt cx="0" cy="0"/>
+        </a:xfrm>
+      </p:grpSpPr>
+      <p:sp>
+        <p:nvSpPr>
+          <p:cNvPr id="2" name="Заголовок 1"/>
+          <p:cNvSpPr>
+            <a:spLocks noGrp="1"/>
+          </p:cNvSpPr>
+          <p:nvPr>
+            <p:ph type="title"/>
+          </p:nvPr>
+        </p:nvSpPr>
+        <p:spPr/>
+        <p:txBody>
+          <a:bodyPr/>
+          <a:lstStyle/>
+          <a:p>
+            <a:r>
+              <a:rPr lang="ru-RU" dirty="0" smtClean="0"/>
               <a:t>Итого</a:t>
             </a:r>
             <a:endParaRPr lang="ru-RU" dirty="0"/>
@@ -14180,7 +14313,7 @@
           <a:p>
             <a:fld id="{AC4B6EA2-3DAB-415A-81B1-2E2A41D203B5}" type="slidenum">
               <a:rPr lang="ru-RU" smtClean="0"/>
-              <a:t>52</a:t>
+              <a:t>53</a:t>
             </a:fld>
             <a:endParaRPr lang="ru-RU" dirty="0"/>
           </a:p>
@@ -14206,7 +14339,7 @@
 </p:sld>
 </file>
 
-<file path=ppt/slides/slide53.xml><?xml version="1.0" encoding="utf-8"?>
+<file path=ppt/slides/slide54.xml><?xml version="1.0" encoding="utf-8"?>
 <p:sld xmlns:a="http://schemas.openxmlformats.org/drawingml/2006/main" xmlns:r="http://schemas.openxmlformats.org/officeDocument/2006/relationships" xmlns:p="http://schemas.openxmlformats.org/presentationml/2006/main">
   <p:cSld>
     <p:spTree>
@@ -14354,7 +14487,7 @@
           <a:p>
             <a:fld id="{AC4B6EA2-3DAB-415A-81B1-2E2A41D203B5}" type="slidenum">
               <a:rPr lang="ru-RU" smtClean="0"/>
-              <a:t>53</a:t>
+              <a:t>54</a:t>
             </a:fld>
             <a:endParaRPr lang="ru-RU" dirty="0"/>
           </a:p>
@@ -14380,7 +14513,7 @@
 </p:sld>
 </file>
 
-<file path=ppt/slides/slide54.xml><?xml version="1.0" encoding="utf-8"?>
+<file path=ppt/slides/slide55.xml><?xml version="1.0" encoding="utf-8"?>
 <p:sld xmlns:a="http://schemas.openxmlformats.org/drawingml/2006/main" xmlns:r="http://schemas.openxmlformats.org/officeDocument/2006/relationships" xmlns:p="http://schemas.openxmlformats.org/presentationml/2006/main">
   <p:cSld>
     <p:spTree>
@@ -14528,7 +14661,7 @@
           <a:p>
             <a:fld id="{AC4B6EA2-3DAB-415A-81B1-2E2A41D203B5}" type="slidenum">
               <a:rPr lang="ru-RU" smtClean="0"/>
-              <a:t>54</a:t>
+              <a:t>55</a:t>
             </a:fld>
             <a:endParaRPr lang="ru-RU" dirty="0"/>
           </a:p>
@@ -14554,7 +14687,7 @@
 </p:sld>
 </file>
 
-<file path=ppt/slides/slide55.xml><?xml version="1.0" encoding="utf-8"?>
+<file path=ppt/slides/slide56.xml><?xml version="1.0" encoding="utf-8"?>
 <p:sld xmlns:a="http://schemas.openxmlformats.org/drawingml/2006/main" xmlns:r="http://schemas.openxmlformats.org/officeDocument/2006/relationships" xmlns:p="http://schemas.openxmlformats.org/presentationml/2006/main">
   <p:cSld>
     <p:spTree>
@@ -14682,7 +14815,7 @@
           <a:p>
             <a:fld id="{AC4B6EA2-3DAB-415A-81B1-2E2A41D203B5}" type="slidenum">
               <a:rPr lang="ru-RU" smtClean="0"/>
-              <a:t>55</a:t>
+              <a:t>56</a:t>
             </a:fld>
             <a:endParaRPr lang="ru-RU" dirty="0"/>
           </a:p>
@@ -14708,7 +14841,7 @@
 </p:sld>
 </file>
 
-<file path=ppt/slides/slide56.xml><?xml version="1.0" encoding="utf-8"?>
+<file path=ppt/slides/slide57.xml><?xml version="1.0" encoding="utf-8"?>
 <p:sld xmlns:a="http://schemas.openxmlformats.org/drawingml/2006/main" xmlns:r="http://schemas.openxmlformats.org/officeDocument/2006/relationships" xmlns:p="http://schemas.openxmlformats.org/presentationml/2006/main">
   <p:cSld>
     <p:spTree>
@@ -14840,7 +14973,7 @@
           <a:p>
             <a:fld id="{AC4B6EA2-3DAB-415A-81B1-2E2A41D203B5}" type="slidenum">
               <a:rPr lang="ru-RU" smtClean="0"/>
-              <a:t>56</a:t>
+              <a:t>57</a:t>
             </a:fld>
             <a:endParaRPr lang="ru-RU" dirty="0"/>
           </a:p>
@@ -14866,7 +14999,7 @@
 </p:sld>
 </file>
 
-<file path=ppt/slides/slide57.xml><?xml version="1.0" encoding="utf-8"?>
+<file path=ppt/slides/slide58.xml><?xml version="1.0" encoding="utf-8"?>
 <p:sld xmlns:a="http://schemas.openxmlformats.org/drawingml/2006/main" xmlns:r="http://schemas.openxmlformats.org/officeDocument/2006/relationships" xmlns:p="http://schemas.openxmlformats.org/presentationml/2006/main">
   <p:cSld>
     <p:spTree>
@@ -14990,7 +15123,7 @@
           <a:p>
             <a:fld id="{AC4B6EA2-3DAB-415A-81B1-2E2A41D203B5}" type="slidenum">
               <a:rPr lang="ru-RU" smtClean="0"/>
-              <a:t>57</a:t>
+              <a:t>58</a:t>
             </a:fld>
             <a:endParaRPr lang="ru-RU" dirty="0"/>
           </a:p>
@@ -15016,7 +15149,7 @@
 </p:sld>
 </file>
 
-<file path=ppt/slides/slide58.xml><?xml version="1.0" encoding="utf-8"?>
+<file path=ppt/slides/slide59.xml><?xml version="1.0" encoding="utf-8"?>
 <p:sld xmlns:a="http://schemas.openxmlformats.org/drawingml/2006/main" xmlns:r="http://schemas.openxmlformats.org/officeDocument/2006/relationships" xmlns:p="http://schemas.openxmlformats.org/presentationml/2006/main">
   <p:cSld>
     <p:spTree>
@@ -15132,7 +15265,7 @@
           <a:p>
             <a:fld id="{AC4B6EA2-3DAB-415A-81B1-2E2A41D203B5}" type="slidenum">
               <a:rPr lang="ru-RU" smtClean="0"/>
-              <a:t>58</a:t>
+              <a:t>59</a:t>
             </a:fld>
             <a:endParaRPr lang="ru-RU" dirty="0"/>
           </a:p>
